--- a/Presentation/presentation1-11.pptx
+++ b/Presentation/presentation1-11.pptx
@@ -18,11 +18,6 @@
     <p:sldId id="261" r:id="rId11"/>
     <p:sldId id="262" r:id="rId12"/>
     <p:sldId id="263" r:id="rId13"/>
-    <p:sldId id="264" r:id="rId14"/>
-    <p:sldId id="265" r:id="rId15"/>
-    <p:sldId id="266" r:id="rId16"/>
-    <p:sldId id="267" r:id="rId17"/>
-    <p:sldId id="268" r:id="rId18"/>
   </p:sldIdLst>
   <p:sldSz cx="9144000" cy="5143500"/>
   <p:notesSz cx="6858000" cy="9144000"/>
@@ -270,7 +265,7 @@
           <a:bodyPr lIns="0" rIns="0" tIns="0" bIns="0" anchor="b"/>
           <a:p>
             <a:pPr algn="r"/>
-            <a:fld id="{EE98B5BB-E079-4FA3-A39F-50082576794F}" type="slidenum">
+            <a:fld id="{09B1F430-75C6-4F14-A785-991060F038A6}" type="slidenum">
               <a:rPr b="0" lang="en-US" sz="1400" spc="-1" strike="noStrike">
                 <a:solidFill>
                   <a:srgbClr val="000000"/>
@@ -302,126 +297,6 @@
   </p:cSld>
   <p:clrMap bg1="lt1" bg2="lt2" tx1="dk1" tx2="dk2" accent1="accent1" accent2="accent2" accent3="accent3" accent4="accent4" accent5="accent5" accent6="accent6" hlink="hlink" folHlink="folHlink"/>
 </p:notesMaster>
-</file>
-
-<file path=ppt/notesSlides/notesSlide10.xml><?xml version="1.0" encoding="utf-8"?>
-<p:notes xmlns:a="http://schemas.openxmlformats.org/drawingml/2006/main" xmlns:p="http://schemas.openxmlformats.org/presentationml/2006/main" xmlns:r="http://schemas.openxmlformats.org/officeDocument/2006/relationships" xmlns:p14="http://schemas.microsoft.com/office/powerpoint/2010/main" xmlns:p15="http://schemas.microsoft.com/office/powerpoint/2012/main" xmlns:mc="http://schemas.openxmlformats.org/markup-compatibility/2006">
-  <p:cSld>
-    <p:spTree>
-      <p:nvGrpSpPr>
-        <p:cNvPr id="1" name=""/>
-        <p:cNvGrpSpPr/>
-        <p:nvPr/>
-      </p:nvGrpSpPr>
-      <p:grpSpPr>
-        <a:xfrm>
-          <a:off x="0" y="0"/>
-          <a:ext cx="0" cy="0"/>
-          <a:chOff x="0" y="0"/>
-          <a:chExt cx="0" cy="0"/>
-        </a:xfrm>
-      </p:grpSpPr>
-      <p:sp>
-        <p:nvSpPr>
-          <p:cNvPr id="166" name="PlaceHolder 1"/>
-          <p:cNvSpPr>
-            <a:spLocks noGrp="1"/>
-          </p:cNvSpPr>
-          <p:nvPr>
-            <p:ph type="body"/>
-          </p:nvPr>
-        </p:nvSpPr>
-        <p:spPr>
-          <a:xfrm>
-            <a:off x="685800" y="4343400"/>
-            <a:ext cx="5485680" cy="4114080"/>
-          </a:xfrm>
-          <a:prstGeom prst="rect">
-            <a:avLst/>
-          </a:prstGeom>
-        </p:spPr>
-        <p:txBody>
-          <a:bodyPr lIns="0" rIns="0" tIns="0" bIns="0"/>
-          <a:p>
-            <a:endParaRPr b="0" lang="en-US" sz="2000" spc="-1" strike="noStrike">
-              <a:solidFill>
-                <a:srgbClr val="000000"/>
-              </a:solidFill>
-              <a:uFill>
-                <a:solidFill>
-                  <a:srgbClr val="ffffff"/>
-                </a:solidFill>
-              </a:uFill>
-              <a:latin typeface="Arial"/>
-            </a:endParaRPr>
-          </a:p>
-        </p:txBody>
-      </p:sp>
-      <p:sp>
-        <p:nvSpPr>
-          <p:cNvPr id="167" name="CustomShape 2"/>
-          <p:cNvSpPr/>
-          <p:nvPr/>
-        </p:nvSpPr>
-        <p:spPr>
-          <a:xfrm>
-            <a:off x="3884760" y="8685360"/>
-            <a:ext cx="2971080" cy="456480"/>
-          </a:xfrm>
-          <a:prstGeom prst="rect">
-            <a:avLst/>
-          </a:prstGeom>
-          <a:noFill/>
-          <a:ln>
-            <a:noFill/>
-          </a:ln>
-        </p:spPr>
-        <p:style>
-          <a:lnRef idx="0"/>
-          <a:fillRef idx="0"/>
-          <a:effectRef idx="0"/>
-          <a:fontRef idx="minor"/>
-        </p:style>
-        <p:txBody>
-          <a:bodyPr lIns="90000" rIns="90000" tIns="45000" bIns="45000" anchor="b"/>
-          <a:p>
-            <a:pPr algn="r">
-              <a:lnSpc>
-                <a:spcPct val="100000"/>
-              </a:lnSpc>
-            </a:pPr>
-            <a:fld id="{FCEF70F1-5EAA-4CA1-862F-3F89A6374CC7}" type="slidenum">
-              <a:rPr b="0" lang="en-US" sz="1200" spc="-1" strike="noStrike">
-                <a:solidFill>
-                  <a:srgbClr val="000000"/>
-                </a:solidFill>
-                <a:uFill>
-                  <a:solidFill>
-                    <a:srgbClr val="ffffff"/>
-                  </a:solidFill>
-                </a:uFill>
-                <a:latin typeface="Calibri"/>
-                <a:ea typeface="Calibri"/>
-              </a:rPr>
-              <a:t>&lt;number&gt;</a:t>
-            </a:fld>
-            <a:endParaRPr b="0" lang="en-US" sz="1800" spc="-1" strike="noStrike">
-              <a:solidFill>
-                <a:srgbClr val="000000"/>
-              </a:solidFill>
-              <a:uFill>
-                <a:solidFill>
-                  <a:srgbClr val="ffffff"/>
-                </a:solidFill>
-              </a:uFill>
-              <a:latin typeface="Arial"/>
-            </a:endParaRPr>
-          </a:p>
-        </p:txBody>
-      </p:sp>
-    </p:spTree>
-  </p:cSld>
-</p:notes>
 </file>
 
 <file path=ppt/notesSlides/notesSlide2.xml><?xml version="1.0" encoding="utf-8"?>
@@ -443,7 +318,7 @@
       </p:grpSpPr>
       <p:sp>
         <p:nvSpPr>
-          <p:cNvPr id="164" name="PlaceHolder 1"/>
+          <p:cNvPr id="140" name="PlaceHolder 1"/>
           <p:cNvSpPr>
             <a:spLocks noGrp="1"/>
           </p:cNvSpPr>
@@ -479,7 +354,7 @@
       </p:sp>
       <p:sp>
         <p:nvSpPr>
-          <p:cNvPr id="165" name="CustomShape 2"/>
+          <p:cNvPr id="141" name="CustomShape 2"/>
           <p:cNvSpPr/>
           <p:nvPr/>
         </p:nvSpPr>
@@ -510,7 +385,607 @@
                 <a:spcPct val="100000"/>
               </a:lnSpc>
             </a:pPr>
-            <a:fld id="{2EB57BC3-21E4-4820-80C3-8EA7228E837C}" type="slidenum">
+            <a:fld id="{902E8A24-CB38-4425-9CC2-A06C5339DFBB}" type="slidenum">
+              <a:rPr b="0" lang="en-US" sz="1200" spc="-1" strike="noStrike">
+                <a:solidFill>
+                  <a:srgbClr val="000000"/>
+                </a:solidFill>
+                <a:uFill>
+                  <a:solidFill>
+                    <a:srgbClr val="ffffff"/>
+                  </a:solidFill>
+                </a:uFill>
+                <a:latin typeface="Calibri"/>
+                <a:ea typeface="Calibri"/>
+              </a:rPr>
+              <a:t>&lt;number&gt;</a:t>
+            </a:fld>
+            <a:endParaRPr b="0" lang="en-US" sz="1800" spc="-1" strike="noStrike">
+              <a:solidFill>
+                <a:srgbClr val="000000"/>
+              </a:solidFill>
+              <a:uFill>
+                <a:solidFill>
+                  <a:srgbClr val="ffffff"/>
+                </a:solidFill>
+              </a:uFill>
+              <a:latin typeface="Arial"/>
+            </a:endParaRPr>
+          </a:p>
+        </p:txBody>
+      </p:sp>
+    </p:spTree>
+  </p:cSld>
+</p:notes>
+</file>
+
+<file path=ppt/notesSlides/notesSlide3.xml><?xml version="1.0" encoding="utf-8"?>
+<p:notes xmlns:a="http://schemas.openxmlformats.org/drawingml/2006/main" xmlns:p="http://schemas.openxmlformats.org/presentationml/2006/main" xmlns:r="http://schemas.openxmlformats.org/officeDocument/2006/relationships" xmlns:p14="http://schemas.microsoft.com/office/powerpoint/2010/main" xmlns:p15="http://schemas.microsoft.com/office/powerpoint/2012/main" xmlns:mc="http://schemas.openxmlformats.org/markup-compatibility/2006">
+  <p:cSld>
+    <p:spTree>
+      <p:nvGrpSpPr>
+        <p:cNvPr id="1" name=""/>
+        <p:cNvGrpSpPr/>
+        <p:nvPr/>
+      </p:nvGrpSpPr>
+      <p:grpSpPr>
+        <a:xfrm>
+          <a:off x="0" y="0"/>
+          <a:ext cx="0" cy="0"/>
+          <a:chOff x="0" y="0"/>
+          <a:chExt cx="0" cy="0"/>
+        </a:xfrm>
+      </p:grpSpPr>
+      <p:sp>
+        <p:nvSpPr>
+          <p:cNvPr id="142" name="PlaceHolder 1"/>
+          <p:cNvSpPr>
+            <a:spLocks noGrp="1"/>
+          </p:cNvSpPr>
+          <p:nvPr>
+            <p:ph type="body"/>
+          </p:nvPr>
+        </p:nvSpPr>
+        <p:spPr>
+          <a:xfrm>
+            <a:off x="685800" y="4343400"/>
+            <a:ext cx="5485680" cy="4114080"/>
+          </a:xfrm>
+          <a:prstGeom prst="rect">
+            <a:avLst/>
+          </a:prstGeom>
+        </p:spPr>
+        <p:txBody>
+          <a:bodyPr lIns="0" rIns="0" tIns="0" bIns="0"/>
+          <a:p>
+            <a:endParaRPr b="0" lang="en-US" sz="2000" spc="-1" strike="noStrike">
+              <a:solidFill>
+                <a:srgbClr val="000000"/>
+              </a:solidFill>
+              <a:uFill>
+                <a:solidFill>
+                  <a:srgbClr val="ffffff"/>
+                </a:solidFill>
+              </a:uFill>
+              <a:latin typeface="Arial"/>
+            </a:endParaRPr>
+          </a:p>
+        </p:txBody>
+      </p:sp>
+      <p:sp>
+        <p:nvSpPr>
+          <p:cNvPr id="143" name="CustomShape 2"/>
+          <p:cNvSpPr/>
+          <p:nvPr/>
+        </p:nvSpPr>
+        <p:spPr>
+          <a:xfrm>
+            <a:off x="3884760" y="8685360"/>
+            <a:ext cx="2971080" cy="456480"/>
+          </a:xfrm>
+          <a:prstGeom prst="rect">
+            <a:avLst/>
+          </a:prstGeom>
+          <a:noFill/>
+          <a:ln>
+            <a:noFill/>
+          </a:ln>
+        </p:spPr>
+        <p:style>
+          <a:lnRef idx="0"/>
+          <a:fillRef idx="0"/>
+          <a:effectRef idx="0"/>
+          <a:fontRef idx="minor"/>
+        </p:style>
+        <p:txBody>
+          <a:bodyPr lIns="90000" rIns="90000" tIns="45000" bIns="45000" anchor="b"/>
+          <a:p>
+            <a:pPr algn="r">
+              <a:lnSpc>
+                <a:spcPct val="100000"/>
+              </a:lnSpc>
+            </a:pPr>
+            <a:fld id="{AF12047C-4178-4DDD-A900-73F02B1065EF}" type="slidenum">
+              <a:rPr b="0" lang="en-US" sz="1200" spc="-1" strike="noStrike">
+                <a:solidFill>
+                  <a:srgbClr val="000000"/>
+                </a:solidFill>
+                <a:uFill>
+                  <a:solidFill>
+                    <a:srgbClr val="ffffff"/>
+                  </a:solidFill>
+                </a:uFill>
+                <a:latin typeface="Calibri"/>
+                <a:ea typeface="Calibri"/>
+              </a:rPr>
+              <a:t>&lt;number&gt;</a:t>
+            </a:fld>
+            <a:endParaRPr b="0" lang="en-US" sz="1800" spc="-1" strike="noStrike">
+              <a:solidFill>
+                <a:srgbClr val="000000"/>
+              </a:solidFill>
+              <a:uFill>
+                <a:solidFill>
+                  <a:srgbClr val="ffffff"/>
+                </a:solidFill>
+              </a:uFill>
+              <a:latin typeface="Arial"/>
+            </a:endParaRPr>
+          </a:p>
+        </p:txBody>
+      </p:sp>
+    </p:spTree>
+  </p:cSld>
+</p:notes>
+</file>
+
+<file path=ppt/notesSlides/notesSlide4.xml><?xml version="1.0" encoding="utf-8"?>
+<p:notes xmlns:a="http://schemas.openxmlformats.org/drawingml/2006/main" xmlns:p="http://schemas.openxmlformats.org/presentationml/2006/main" xmlns:r="http://schemas.openxmlformats.org/officeDocument/2006/relationships" xmlns:p14="http://schemas.microsoft.com/office/powerpoint/2010/main" xmlns:p15="http://schemas.microsoft.com/office/powerpoint/2012/main" xmlns:mc="http://schemas.openxmlformats.org/markup-compatibility/2006">
+  <p:cSld>
+    <p:spTree>
+      <p:nvGrpSpPr>
+        <p:cNvPr id="1" name=""/>
+        <p:cNvGrpSpPr/>
+        <p:nvPr/>
+      </p:nvGrpSpPr>
+      <p:grpSpPr>
+        <a:xfrm>
+          <a:off x="0" y="0"/>
+          <a:ext cx="0" cy="0"/>
+          <a:chOff x="0" y="0"/>
+          <a:chExt cx="0" cy="0"/>
+        </a:xfrm>
+      </p:grpSpPr>
+      <p:sp>
+        <p:nvSpPr>
+          <p:cNvPr id="144" name="PlaceHolder 1"/>
+          <p:cNvSpPr>
+            <a:spLocks noGrp="1"/>
+          </p:cNvSpPr>
+          <p:nvPr>
+            <p:ph type="body"/>
+          </p:nvPr>
+        </p:nvSpPr>
+        <p:spPr>
+          <a:xfrm>
+            <a:off x="685800" y="4343400"/>
+            <a:ext cx="5485680" cy="4114080"/>
+          </a:xfrm>
+          <a:prstGeom prst="rect">
+            <a:avLst/>
+          </a:prstGeom>
+        </p:spPr>
+        <p:txBody>
+          <a:bodyPr lIns="0" rIns="0" tIns="0" bIns="0"/>
+          <a:p>
+            <a:endParaRPr b="0" lang="en-US" sz="2000" spc="-1" strike="noStrike">
+              <a:solidFill>
+                <a:srgbClr val="000000"/>
+              </a:solidFill>
+              <a:uFill>
+                <a:solidFill>
+                  <a:srgbClr val="ffffff"/>
+                </a:solidFill>
+              </a:uFill>
+              <a:latin typeface="Arial"/>
+            </a:endParaRPr>
+          </a:p>
+        </p:txBody>
+      </p:sp>
+      <p:sp>
+        <p:nvSpPr>
+          <p:cNvPr id="145" name="CustomShape 2"/>
+          <p:cNvSpPr/>
+          <p:nvPr/>
+        </p:nvSpPr>
+        <p:spPr>
+          <a:xfrm>
+            <a:off x="3884760" y="8685360"/>
+            <a:ext cx="2971080" cy="456480"/>
+          </a:xfrm>
+          <a:prstGeom prst="rect">
+            <a:avLst/>
+          </a:prstGeom>
+          <a:noFill/>
+          <a:ln>
+            <a:noFill/>
+          </a:ln>
+        </p:spPr>
+        <p:style>
+          <a:lnRef idx="0"/>
+          <a:fillRef idx="0"/>
+          <a:effectRef idx="0"/>
+          <a:fontRef idx="minor"/>
+        </p:style>
+        <p:txBody>
+          <a:bodyPr lIns="90000" rIns="90000" tIns="45000" bIns="45000" anchor="b"/>
+          <a:p>
+            <a:pPr algn="r">
+              <a:lnSpc>
+                <a:spcPct val="100000"/>
+              </a:lnSpc>
+            </a:pPr>
+            <a:fld id="{6DC6CCD9-5825-406D-8B2F-BC00D0D6CA6C}" type="slidenum">
+              <a:rPr b="0" lang="en-US" sz="1200" spc="-1" strike="noStrike">
+                <a:solidFill>
+                  <a:srgbClr val="000000"/>
+                </a:solidFill>
+                <a:uFill>
+                  <a:solidFill>
+                    <a:srgbClr val="ffffff"/>
+                  </a:solidFill>
+                </a:uFill>
+                <a:latin typeface="Calibri"/>
+                <a:ea typeface="Calibri"/>
+              </a:rPr>
+              <a:t>&lt;number&gt;</a:t>
+            </a:fld>
+            <a:endParaRPr b="0" lang="en-US" sz="1800" spc="-1" strike="noStrike">
+              <a:solidFill>
+                <a:srgbClr val="000000"/>
+              </a:solidFill>
+              <a:uFill>
+                <a:solidFill>
+                  <a:srgbClr val="ffffff"/>
+                </a:solidFill>
+              </a:uFill>
+              <a:latin typeface="Arial"/>
+            </a:endParaRPr>
+          </a:p>
+        </p:txBody>
+      </p:sp>
+    </p:spTree>
+  </p:cSld>
+</p:notes>
+</file>
+
+<file path=ppt/notesSlides/notesSlide5.xml><?xml version="1.0" encoding="utf-8"?>
+<p:notes xmlns:a="http://schemas.openxmlformats.org/drawingml/2006/main" xmlns:p="http://schemas.openxmlformats.org/presentationml/2006/main" xmlns:r="http://schemas.openxmlformats.org/officeDocument/2006/relationships" xmlns:p14="http://schemas.microsoft.com/office/powerpoint/2010/main" xmlns:p15="http://schemas.microsoft.com/office/powerpoint/2012/main" xmlns:mc="http://schemas.openxmlformats.org/markup-compatibility/2006">
+  <p:cSld>
+    <p:spTree>
+      <p:nvGrpSpPr>
+        <p:cNvPr id="1" name=""/>
+        <p:cNvGrpSpPr/>
+        <p:nvPr/>
+      </p:nvGrpSpPr>
+      <p:grpSpPr>
+        <a:xfrm>
+          <a:off x="0" y="0"/>
+          <a:ext cx="0" cy="0"/>
+          <a:chOff x="0" y="0"/>
+          <a:chExt cx="0" cy="0"/>
+        </a:xfrm>
+      </p:grpSpPr>
+      <p:sp>
+        <p:nvSpPr>
+          <p:cNvPr id="146" name="PlaceHolder 1"/>
+          <p:cNvSpPr>
+            <a:spLocks noGrp="1"/>
+          </p:cNvSpPr>
+          <p:nvPr>
+            <p:ph type="body"/>
+          </p:nvPr>
+        </p:nvSpPr>
+        <p:spPr>
+          <a:xfrm>
+            <a:off x="685800" y="4343400"/>
+            <a:ext cx="5485680" cy="4114080"/>
+          </a:xfrm>
+          <a:prstGeom prst="rect">
+            <a:avLst/>
+          </a:prstGeom>
+        </p:spPr>
+        <p:txBody>
+          <a:bodyPr lIns="0" rIns="0" tIns="0" bIns="0"/>
+          <a:p>
+            <a:endParaRPr b="0" lang="en-US" sz="2000" spc="-1" strike="noStrike">
+              <a:solidFill>
+                <a:srgbClr val="000000"/>
+              </a:solidFill>
+              <a:uFill>
+                <a:solidFill>
+                  <a:srgbClr val="ffffff"/>
+                </a:solidFill>
+              </a:uFill>
+              <a:latin typeface="Arial"/>
+            </a:endParaRPr>
+          </a:p>
+        </p:txBody>
+      </p:sp>
+      <p:sp>
+        <p:nvSpPr>
+          <p:cNvPr id="147" name="CustomShape 2"/>
+          <p:cNvSpPr/>
+          <p:nvPr/>
+        </p:nvSpPr>
+        <p:spPr>
+          <a:xfrm>
+            <a:off x="3884760" y="8685360"/>
+            <a:ext cx="2971080" cy="456480"/>
+          </a:xfrm>
+          <a:prstGeom prst="rect">
+            <a:avLst/>
+          </a:prstGeom>
+          <a:noFill/>
+          <a:ln>
+            <a:noFill/>
+          </a:ln>
+        </p:spPr>
+        <p:style>
+          <a:lnRef idx="0"/>
+          <a:fillRef idx="0"/>
+          <a:effectRef idx="0"/>
+          <a:fontRef idx="minor"/>
+        </p:style>
+        <p:txBody>
+          <a:bodyPr lIns="90000" rIns="90000" tIns="45000" bIns="45000" anchor="b"/>
+          <a:p>
+            <a:pPr algn="r">
+              <a:lnSpc>
+                <a:spcPct val="100000"/>
+              </a:lnSpc>
+            </a:pPr>
+            <a:fld id="{8E8C7240-8E89-4816-A991-BD21B5D100C7}" type="slidenum">
+              <a:rPr b="0" lang="en-US" sz="1200" spc="-1" strike="noStrike">
+                <a:solidFill>
+                  <a:srgbClr val="000000"/>
+                </a:solidFill>
+                <a:uFill>
+                  <a:solidFill>
+                    <a:srgbClr val="ffffff"/>
+                  </a:solidFill>
+                </a:uFill>
+                <a:latin typeface="Calibri"/>
+                <a:ea typeface="Calibri"/>
+              </a:rPr>
+              <a:t>&lt;number&gt;</a:t>
+            </a:fld>
+            <a:endParaRPr b="0" lang="en-US" sz="1800" spc="-1" strike="noStrike">
+              <a:solidFill>
+                <a:srgbClr val="000000"/>
+              </a:solidFill>
+              <a:uFill>
+                <a:solidFill>
+                  <a:srgbClr val="ffffff"/>
+                </a:solidFill>
+              </a:uFill>
+              <a:latin typeface="Arial"/>
+            </a:endParaRPr>
+          </a:p>
+        </p:txBody>
+      </p:sp>
+    </p:spTree>
+  </p:cSld>
+</p:notes>
+</file>
+
+<file path=ppt/notesSlides/notesSlide6.xml><?xml version="1.0" encoding="utf-8"?>
+<p:notes xmlns:a="http://schemas.openxmlformats.org/drawingml/2006/main" xmlns:p="http://schemas.openxmlformats.org/presentationml/2006/main" xmlns:r="http://schemas.openxmlformats.org/officeDocument/2006/relationships" xmlns:p14="http://schemas.microsoft.com/office/powerpoint/2010/main" xmlns:p15="http://schemas.microsoft.com/office/powerpoint/2012/main" xmlns:mc="http://schemas.openxmlformats.org/markup-compatibility/2006">
+  <p:cSld>
+    <p:spTree>
+      <p:nvGrpSpPr>
+        <p:cNvPr id="1" name=""/>
+        <p:cNvGrpSpPr/>
+        <p:nvPr/>
+      </p:nvGrpSpPr>
+      <p:grpSpPr>
+        <a:xfrm>
+          <a:off x="0" y="0"/>
+          <a:ext cx="0" cy="0"/>
+          <a:chOff x="0" y="0"/>
+          <a:chExt cx="0" cy="0"/>
+        </a:xfrm>
+      </p:grpSpPr>
+      <p:sp>
+        <p:nvSpPr>
+          <p:cNvPr id="148" name="PlaceHolder 1"/>
+          <p:cNvSpPr>
+            <a:spLocks noGrp="1"/>
+          </p:cNvSpPr>
+          <p:nvPr>
+            <p:ph type="body"/>
+          </p:nvPr>
+        </p:nvSpPr>
+        <p:spPr>
+          <a:xfrm>
+            <a:off x="685800" y="4343400"/>
+            <a:ext cx="5485680" cy="4114080"/>
+          </a:xfrm>
+          <a:prstGeom prst="rect">
+            <a:avLst/>
+          </a:prstGeom>
+        </p:spPr>
+        <p:txBody>
+          <a:bodyPr lIns="0" rIns="0" tIns="0" bIns="0"/>
+          <a:p>
+            <a:endParaRPr b="0" lang="en-US" sz="2000" spc="-1" strike="noStrike">
+              <a:solidFill>
+                <a:srgbClr val="000000"/>
+              </a:solidFill>
+              <a:uFill>
+                <a:solidFill>
+                  <a:srgbClr val="ffffff"/>
+                </a:solidFill>
+              </a:uFill>
+              <a:latin typeface="Arial"/>
+            </a:endParaRPr>
+          </a:p>
+        </p:txBody>
+      </p:sp>
+      <p:sp>
+        <p:nvSpPr>
+          <p:cNvPr id="149" name="CustomShape 2"/>
+          <p:cNvSpPr/>
+          <p:nvPr/>
+        </p:nvSpPr>
+        <p:spPr>
+          <a:xfrm>
+            <a:off x="3884760" y="8685360"/>
+            <a:ext cx="2971080" cy="456480"/>
+          </a:xfrm>
+          <a:prstGeom prst="rect">
+            <a:avLst/>
+          </a:prstGeom>
+          <a:noFill/>
+          <a:ln>
+            <a:noFill/>
+          </a:ln>
+        </p:spPr>
+        <p:style>
+          <a:lnRef idx="0"/>
+          <a:fillRef idx="0"/>
+          <a:effectRef idx="0"/>
+          <a:fontRef idx="minor"/>
+        </p:style>
+        <p:txBody>
+          <a:bodyPr lIns="90000" rIns="90000" tIns="45000" bIns="45000" anchor="b"/>
+          <a:p>
+            <a:pPr algn="r">
+              <a:lnSpc>
+                <a:spcPct val="100000"/>
+              </a:lnSpc>
+            </a:pPr>
+            <a:fld id="{376540C9-1C83-4B80-B4C4-6CCD321F3EC2}" type="slidenum">
+              <a:rPr b="0" lang="en-US" sz="1200" spc="-1" strike="noStrike">
+                <a:solidFill>
+                  <a:srgbClr val="000000"/>
+                </a:solidFill>
+                <a:uFill>
+                  <a:solidFill>
+                    <a:srgbClr val="ffffff"/>
+                  </a:solidFill>
+                </a:uFill>
+                <a:latin typeface="Calibri"/>
+                <a:ea typeface="Calibri"/>
+              </a:rPr>
+              <a:t>&lt;number&gt;</a:t>
+            </a:fld>
+            <a:endParaRPr b="0" lang="en-US" sz="1800" spc="-1" strike="noStrike">
+              <a:solidFill>
+                <a:srgbClr val="000000"/>
+              </a:solidFill>
+              <a:uFill>
+                <a:solidFill>
+                  <a:srgbClr val="ffffff"/>
+                </a:solidFill>
+              </a:uFill>
+              <a:latin typeface="Arial"/>
+            </a:endParaRPr>
+          </a:p>
+        </p:txBody>
+      </p:sp>
+    </p:spTree>
+  </p:cSld>
+</p:notes>
+</file>
+
+<file path=ppt/notesSlides/notesSlide7.xml><?xml version="1.0" encoding="utf-8"?>
+<p:notes xmlns:a="http://schemas.openxmlformats.org/drawingml/2006/main" xmlns:p="http://schemas.openxmlformats.org/presentationml/2006/main" xmlns:r="http://schemas.openxmlformats.org/officeDocument/2006/relationships" xmlns:p14="http://schemas.microsoft.com/office/powerpoint/2010/main" xmlns:p15="http://schemas.microsoft.com/office/powerpoint/2012/main" xmlns:mc="http://schemas.openxmlformats.org/markup-compatibility/2006">
+  <p:cSld>
+    <p:spTree>
+      <p:nvGrpSpPr>
+        <p:cNvPr id="1" name=""/>
+        <p:cNvGrpSpPr/>
+        <p:nvPr/>
+      </p:nvGrpSpPr>
+      <p:grpSpPr>
+        <a:xfrm>
+          <a:off x="0" y="0"/>
+          <a:ext cx="0" cy="0"/>
+          <a:chOff x="0" y="0"/>
+          <a:chExt cx="0" cy="0"/>
+        </a:xfrm>
+      </p:grpSpPr>
+      <p:sp>
+        <p:nvSpPr>
+          <p:cNvPr id="150" name="PlaceHolder 1"/>
+          <p:cNvSpPr>
+            <a:spLocks noGrp="1"/>
+          </p:cNvSpPr>
+          <p:nvPr>
+            <p:ph type="body"/>
+          </p:nvPr>
+        </p:nvSpPr>
+        <p:spPr>
+          <a:xfrm>
+            <a:off x="685800" y="4343400"/>
+            <a:ext cx="5485680" cy="4114080"/>
+          </a:xfrm>
+          <a:prstGeom prst="rect">
+            <a:avLst/>
+          </a:prstGeom>
+        </p:spPr>
+        <p:txBody>
+          <a:bodyPr lIns="0" rIns="0" tIns="0" bIns="0"/>
+          <a:p>
+            <a:endParaRPr b="0" lang="en-US" sz="2000" spc="-1" strike="noStrike">
+              <a:solidFill>
+                <a:srgbClr val="000000"/>
+              </a:solidFill>
+              <a:uFill>
+                <a:solidFill>
+                  <a:srgbClr val="ffffff"/>
+                </a:solidFill>
+              </a:uFill>
+              <a:latin typeface="Arial"/>
+            </a:endParaRPr>
+          </a:p>
+        </p:txBody>
+      </p:sp>
+      <p:sp>
+        <p:nvSpPr>
+          <p:cNvPr id="151" name="CustomShape 2"/>
+          <p:cNvSpPr/>
+          <p:nvPr/>
+        </p:nvSpPr>
+        <p:spPr>
+          <a:xfrm>
+            <a:off x="3884760" y="8685360"/>
+            <a:ext cx="2971080" cy="456480"/>
+          </a:xfrm>
+          <a:prstGeom prst="rect">
+            <a:avLst/>
+          </a:prstGeom>
+          <a:noFill/>
+          <a:ln>
+            <a:noFill/>
+          </a:ln>
+        </p:spPr>
+        <p:style>
+          <a:lnRef idx="0"/>
+          <a:fillRef idx="0"/>
+          <a:effectRef idx="0"/>
+          <a:fontRef idx="minor"/>
+        </p:style>
+        <p:txBody>
+          <a:bodyPr lIns="90000" rIns="90000" tIns="45000" bIns="45000" anchor="b"/>
+          <a:p>
+            <a:pPr algn="r">
+              <a:lnSpc>
+                <a:spcPct val="100000"/>
+              </a:lnSpc>
+            </a:pPr>
+            <a:fld id="{593E5BC5-985A-4CC3-9394-9DEE95D24142}" type="slidenum">
               <a:rPr b="0" lang="en-US" sz="1200" spc="-1" strike="noStrike">
                 <a:solidFill>
                   <a:srgbClr val="000000"/>
@@ -5074,49 +5549,7 @@
                 </a:uFill>
                 <a:latin typeface="Arial"/>
               </a:rPr>
-              <a:t>Click to </a:t>
-            </a:r>
-            <a:r>
-              <a:rPr b="0" lang="en-US" sz="4400" spc="-1" strike="noStrike">
-                <a:solidFill>
-                  <a:srgbClr val="000000"/>
-                </a:solidFill>
-                <a:uFill>
-                  <a:solidFill>
-                    <a:srgbClr val="ffffff"/>
-                  </a:solidFill>
-                </a:uFill>
-                <a:latin typeface="Arial"/>
-              </a:rPr>
-              <a:t>edit the </a:t>
-            </a:r>
-            <a:r>
-              <a:rPr b="0" lang="en-US" sz="4400" spc="-1" strike="noStrike">
-                <a:solidFill>
-                  <a:srgbClr val="000000"/>
-                </a:solidFill>
-                <a:uFill>
-                  <a:solidFill>
-                    <a:srgbClr val="ffffff"/>
-                  </a:solidFill>
-                </a:uFill>
-                <a:latin typeface="Arial"/>
-              </a:rPr>
-              <a:t>title text </a:t>
-            </a:r>
-            <a:r>
-              <a:rPr b="0" lang="en-US" sz="4400" spc="-1" strike="noStrike">
-                <a:solidFill>
-                  <a:srgbClr val="000000"/>
-                </a:solidFill>
-                <a:uFill>
-                  <a:solidFill>
-                    <a:srgbClr val="ffffff"/>
-                  </a:solidFill>
-                </a:uFill>
-                <a:latin typeface="Arial"/>
-              </a:rPr>
-              <a:t>format</a:t>
+              <a:t>Click to edit the title text format</a:t>
             </a:r>
             <a:endParaRPr b="0" lang="en-US" sz="4400" spc="-1" strike="noStrike">
               <a:solidFill>
@@ -5491,7 +5924,7 @@
             <a:noFill/>
           </a:ln>
           <a:effectLst>
-            <a:outerShdw blurRad="40000" dir="5400000" dist="23000" rotWithShape="0">
+            <a:outerShdw dist="23040" dir="5400000">
               <a:srgbClr val="000000">
                 <a:alpha val="35000"/>
               </a:srgbClr>
@@ -5571,7 +6004,7 @@
             <a:avLst/>
           </a:prstGeom>
           <a:solidFill>
-            <a:schemeClr val="accent5"/>
+            <a:srgbClr val="4bacc6"/>
           </a:solidFill>
           <a:ln>
             <a:noFill/>
@@ -6681,2571 +7114,6 @@
 </p:sld>
 </file>
 
-<file path=ppt/slides/slide10.xml><?xml version="1.0" encoding="utf-8"?>
-<p:sld xmlns:a="http://schemas.openxmlformats.org/drawingml/2006/main" xmlns:p="http://schemas.openxmlformats.org/presentationml/2006/main" xmlns:r="http://schemas.openxmlformats.org/officeDocument/2006/relationships" xmlns:p14="http://schemas.microsoft.com/office/powerpoint/2010/main" xmlns:p15="http://schemas.microsoft.com/office/powerpoint/2012/main" xmlns:mc="http://schemas.openxmlformats.org/markup-compatibility/2006">
-  <p:cSld>
-    <p:spTree>
-      <p:nvGrpSpPr>
-        <p:cNvPr id="1" name=""/>
-        <p:cNvGrpSpPr/>
-        <p:nvPr/>
-      </p:nvGrpSpPr>
-      <p:grpSpPr>
-        <a:xfrm>
-          <a:off x="0" y="0"/>
-          <a:ext cx="0" cy="0"/>
-          <a:chOff x="0" y="0"/>
-          <a:chExt cx="0" cy="0"/>
-        </a:xfrm>
-      </p:grpSpPr>
-      <p:sp>
-        <p:nvSpPr>
-          <p:cNvPr id="154" name="CustomShape 1"/>
-          <p:cNvSpPr/>
-          <p:nvPr/>
-        </p:nvSpPr>
-        <p:spPr>
-          <a:xfrm>
-            <a:off x="443160" y="326880"/>
-            <a:ext cx="7316280" cy="856800"/>
-          </a:xfrm>
-          <a:prstGeom prst="rect">
-            <a:avLst/>
-          </a:prstGeom>
-          <a:noFill/>
-          <a:ln>
-            <a:noFill/>
-          </a:ln>
-        </p:spPr>
-        <p:style>
-          <a:lnRef idx="0"/>
-          <a:fillRef idx="0"/>
-          <a:effectRef idx="0"/>
-          <a:fontRef idx="minor"/>
-        </p:style>
-        <p:txBody>
-          <a:bodyPr lIns="0" rIns="0" tIns="0" bIns="0" anchor="b"/>
-          <a:p>
-            <a:pPr>
-              <a:lnSpc>
-                <a:spcPct val="100000"/>
-              </a:lnSpc>
-            </a:pPr>
-            <a:r>
-              <a:rPr b="1" lang="en-US" sz="2800" spc="-1" strike="noStrike">
-                <a:solidFill>
-                  <a:srgbClr val="861119"/>
-                </a:solidFill>
-                <a:uFill>
-                  <a:solidFill>
-                    <a:srgbClr val="ffffff"/>
-                  </a:solidFill>
-                </a:uFill>
-                <a:latin typeface="Arial"/>
-                <a:ea typeface="Arial"/>
-              </a:rPr>
-              <a:t>Possible Monitoring Solutions:</a:t>
-            </a:r>
-            <a:endParaRPr b="0" lang="en-US" sz="1800" spc="-1" strike="noStrike">
-              <a:solidFill>
-                <a:srgbClr val="000000"/>
-              </a:solidFill>
-              <a:uFill>
-                <a:solidFill>
-                  <a:srgbClr val="ffffff"/>
-                </a:solidFill>
-              </a:uFill>
-              <a:latin typeface="Arial"/>
-            </a:endParaRPr>
-          </a:p>
-        </p:txBody>
-      </p:sp>
-      <p:sp>
-        <p:nvSpPr>
-          <p:cNvPr id="155" name="CustomShape 2"/>
-          <p:cNvSpPr/>
-          <p:nvPr/>
-        </p:nvSpPr>
-        <p:spPr>
-          <a:xfrm>
-            <a:off x="386640" y="1303920"/>
-            <a:ext cx="7985160" cy="3287520"/>
-          </a:xfrm>
-          <a:prstGeom prst="rect">
-            <a:avLst/>
-          </a:prstGeom>
-          <a:noFill/>
-          <a:ln>
-            <a:noFill/>
-          </a:ln>
-        </p:spPr>
-        <p:style>
-          <a:lnRef idx="0"/>
-          <a:fillRef idx="0"/>
-          <a:effectRef idx="0"/>
-          <a:fontRef idx="minor"/>
-        </p:style>
-      </p:sp>
-      <p:graphicFrame>
-        <p:nvGraphicFramePr>
-          <p:cNvPr id="156" name="Table 3"/>
-          <p:cNvGraphicFramePr/>
-          <p:nvPr/>
-        </p:nvGraphicFramePr>
-        <p:xfrm>
-          <a:off x="329760" y="1303920"/>
-          <a:ext cx="8042040" cy="3287880"/>
-        </p:xfrm>
-        <a:graphic>
-          <a:graphicData uri="http://schemas.openxmlformats.org/drawingml/2006/table">
-            <a:tbl>
-              <a:tblPr/>
-              <a:tblGrid>
-                <a:gridCol w="2010600"/>
-                <a:gridCol w="2010600"/>
-                <a:gridCol w="2010600"/>
-                <a:gridCol w="2010600"/>
-              </a:tblGrid>
-              <a:tr h="471600">
-                <a:tc>
-                  <a:txBody>
-                    <a:bodyPr/>
-                    <a:p>
-                      <a:pPr>
-                        <a:lnSpc>
-                          <a:spcPct val="100000"/>
-                        </a:lnSpc>
-                      </a:pPr>
-                      <a:r>
-                        <a:rPr b="1" lang="en-US" sz="1400" spc="-1" strike="noStrike">
-                          <a:solidFill>
-                            <a:srgbClr val="ffffff"/>
-                          </a:solidFill>
-                          <a:uFill>
-                            <a:solidFill>
-                              <a:srgbClr val="ffffff"/>
-                            </a:solidFill>
-                          </a:uFill>
-                          <a:latin typeface="Arial"/>
-                          <a:ea typeface="Arial"/>
-                        </a:rPr>
-                        <a:t>Category </a:t>
-                      </a:r>
-                      <a:endParaRPr b="0" lang="en-US" sz="1800" spc="-1" strike="noStrike">
-                        <a:solidFill>
-                          <a:srgbClr val="000000"/>
-                        </a:solidFill>
-                        <a:uFill>
-                          <a:solidFill>
-                            <a:srgbClr val="ffffff"/>
-                          </a:solidFill>
-                        </a:uFill>
-                        <a:latin typeface="Arial"/>
-                      </a:endParaRPr>
-                    </a:p>
-                  </a:txBody>
-                  <a:tcPr marL="91440" marR="91440">
-                    <a:lnL w="12240">
-                      <a:solidFill>
-                        <a:srgbClr val="ffffff"/>
-                      </a:solidFill>
-                    </a:lnL>
-                    <a:lnR w="12240">
-                      <a:solidFill>
-                        <a:srgbClr val="ffffff"/>
-                      </a:solidFill>
-                    </a:lnR>
-                    <a:lnT w="12240">
-                      <a:solidFill>
-                        <a:srgbClr val="ffffff"/>
-                      </a:solidFill>
-                    </a:lnT>
-                    <a:lnB w="38160">
-                      <a:solidFill>
-                        <a:srgbClr val="ffffff"/>
-                      </a:solidFill>
-                    </a:lnB>
-                    <a:solidFill>
-                      <a:srgbClr val="990000"/>
-                    </a:solidFill>
-                  </a:tcPr>
-                </a:tc>
-                <a:tc>
-                  <a:txBody>
-                    <a:bodyPr/>
-                    <a:p>
-                      <a:pPr>
-                        <a:lnSpc>
-                          <a:spcPct val="100000"/>
-                        </a:lnSpc>
-                      </a:pPr>
-                      <a:r>
-                        <a:rPr b="1" lang="en-US" sz="1400" spc="-1" strike="noStrike">
-                          <a:solidFill>
-                            <a:srgbClr val="ffffff"/>
-                          </a:solidFill>
-                          <a:uFill>
-                            <a:solidFill>
-                              <a:srgbClr val="ffffff"/>
-                            </a:solidFill>
-                          </a:uFill>
-                          <a:latin typeface="Arial"/>
-                          <a:ea typeface="Arial"/>
-                        </a:rPr>
-                        <a:t>Speech Based</a:t>
-                      </a:r>
-                      <a:endParaRPr b="0" lang="en-US" sz="1800" spc="-1" strike="noStrike">
-                        <a:solidFill>
-                          <a:srgbClr val="000000"/>
-                        </a:solidFill>
-                        <a:uFill>
-                          <a:solidFill>
-                            <a:srgbClr val="ffffff"/>
-                          </a:solidFill>
-                        </a:uFill>
-                        <a:latin typeface="Arial"/>
-                      </a:endParaRPr>
-                    </a:p>
-                    <a:p>
-                      <a:pPr>
-                        <a:lnSpc>
-                          <a:spcPct val="100000"/>
-                        </a:lnSpc>
-                      </a:pPr>
-                      <a:r>
-                        <a:rPr b="1" lang="en-US" sz="1400" spc="-1" strike="noStrike">
-                          <a:solidFill>
-                            <a:srgbClr val="ffffff"/>
-                          </a:solidFill>
-                          <a:uFill>
-                            <a:solidFill>
-                              <a:srgbClr val="ffffff"/>
-                            </a:solidFill>
-                          </a:uFill>
-                          <a:latin typeface="Arial"/>
-                          <a:ea typeface="Arial"/>
-                        </a:rPr>
-                        <a:t>(Out of 5) </a:t>
-                      </a:r>
-                      <a:endParaRPr b="0" lang="en-US" sz="1800" spc="-1" strike="noStrike">
-                        <a:solidFill>
-                          <a:srgbClr val="000000"/>
-                        </a:solidFill>
-                        <a:uFill>
-                          <a:solidFill>
-                            <a:srgbClr val="ffffff"/>
-                          </a:solidFill>
-                        </a:uFill>
-                        <a:latin typeface="Arial"/>
-                      </a:endParaRPr>
-                    </a:p>
-                  </a:txBody>
-                  <a:tcPr marL="91440" marR="91440">
-                    <a:lnL w="12240">
-                      <a:solidFill>
-                        <a:srgbClr val="ffffff"/>
-                      </a:solidFill>
-                    </a:lnL>
-                    <a:lnR w="12240">
-                      <a:solidFill>
-                        <a:srgbClr val="ffffff"/>
-                      </a:solidFill>
-                    </a:lnR>
-                    <a:lnT w="12240">
-                      <a:solidFill>
-                        <a:srgbClr val="ffffff"/>
-                      </a:solidFill>
-                    </a:lnT>
-                    <a:lnB w="38160">
-                      <a:solidFill>
-                        <a:srgbClr val="ffffff"/>
-                      </a:solidFill>
-                    </a:lnB>
-                    <a:solidFill>
-                      <a:srgbClr val="990000"/>
-                    </a:solidFill>
-                  </a:tcPr>
-                </a:tc>
-                <a:tc>
-                  <a:txBody>
-                    <a:bodyPr/>
-                    <a:p>
-                      <a:pPr>
-                        <a:lnSpc>
-                          <a:spcPct val="100000"/>
-                        </a:lnSpc>
-                      </a:pPr>
-                      <a:r>
-                        <a:rPr b="1" lang="en-US" sz="1400" spc="-1" strike="noStrike">
-                          <a:solidFill>
-                            <a:srgbClr val="ffffff"/>
-                          </a:solidFill>
-                          <a:uFill>
-                            <a:solidFill>
-                              <a:srgbClr val="ffffff"/>
-                            </a:solidFill>
-                          </a:uFill>
-                          <a:latin typeface="Arial"/>
-                          <a:ea typeface="Arial"/>
-                        </a:rPr>
-                        <a:t>Text Based</a:t>
-                      </a:r>
-                      <a:endParaRPr b="0" lang="en-US" sz="1800" spc="-1" strike="noStrike">
-                        <a:solidFill>
-                          <a:srgbClr val="000000"/>
-                        </a:solidFill>
-                        <a:uFill>
-                          <a:solidFill>
-                            <a:srgbClr val="ffffff"/>
-                          </a:solidFill>
-                        </a:uFill>
-                        <a:latin typeface="Arial"/>
-                      </a:endParaRPr>
-                    </a:p>
-                    <a:p>
-                      <a:pPr>
-                        <a:lnSpc>
-                          <a:spcPct val="100000"/>
-                        </a:lnSpc>
-                      </a:pPr>
-                      <a:r>
-                        <a:rPr b="1" lang="en-US" sz="1400" spc="-1" strike="noStrike">
-                          <a:solidFill>
-                            <a:srgbClr val="ffffff"/>
-                          </a:solidFill>
-                          <a:uFill>
-                            <a:solidFill>
-                              <a:srgbClr val="ffffff"/>
-                            </a:solidFill>
-                          </a:uFill>
-                          <a:latin typeface="Arial"/>
-                          <a:ea typeface="Arial"/>
-                        </a:rPr>
-                        <a:t>(Out of 5) </a:t>
-                      </a:r>
-                      <a:endParaRPr b="0" lang="en-US" sz="1800" spc="-1" strike="noStrike">
-                        <a:solidFill>
-                          <a:srgbClr val="000000"/>
-                        </a:solidFill>
-                        <a:uFill>
-                          <a:solidFill>
-                            <a:srgbClr val="ffffff"/>
-                          </a:solidFill>
-                        </a:uFill>
-                        <a:latin typeface="Arial"/>
-                      </a:endParaRPr>
-                    </a:p>
-                  </a:txBody>
-                  <a:tcPr marL="91440" marR="91440">
-                    <a:lnL w="12240">
-                      <a:solidFill>
-                        <a:srgbClr val="ffffff"/>
-                      </a:solidFill>
-                    </a:lnL>
-                    <a:lnR w="12240">
-                      <a:solidFill>
-                        <a:srgbClr val="ffffff"/>
-                      </a:solidFill>
-                    </a:lnR>
-                    <a:lnT w="12240">
-                      <a:solidFill>
-                        <a:srgbClr val="ffffff"/>
-                      </a:solidFill>
-                    </a:lnT>
-                    <a:lnB w="38160">
-                      <a:solidFill>
-                        <a:srgbClr val="ffffff"/>
-                      </a:solidFill>
-                    </a:lnB>
-                    <a:solidFill>
-                      <a:srgbClr val="990000"/>
-                    </a:solidFill>
-                  </a:tcPr>
-                </a:tc>
-                <a:tc>
-                  <a:txBody>
-                    <a:bodyPr/>
-                    <a:p>
-                      <a:pPr>
-                        <a:lnSpc>
-                          <a:spcPct val="100000"/>
-                        </a:lnSpc>
-                      </a:pPr>
-                      <a:r>
-                        <a:rPr b="1" lang="en-US" sz="1400" spc="-1" strike="noStrike">
-                          <a:solidFill>
-                            <a:srgbClr val="ffffff"/>
-                          </a:solidFill>
-                          <a:uFill>
-                            <a:solidFill>
-                              <a:srgbClr val="ffffff"/>
-                            </a:solidFill>
-                          </a:uFill>
-                          <a:latin typeface="Arial"/>
-                          <a:ea typeface="Arial"/>
-                        </a:rPr>
-                        <a:t>Image Based</a:t>
-                      </a:r>
-                      <a:endParaRPr b="0" lang="en-US" sz="1800" spc="-1" strike="noStrike">
-                        <a:solidFill>
-                          <a:srgbClr val="000000"/>
-                        </a:solidFill>
-                        <a:uFill>
-                          <a:solidFill>
-                            <a:srgbClr val="ffffff"/>
-                          </a:solidFill>
-                        </a:uFill>
-                        <a:latin typeface="Arial"/>
-                      </a:endParaRPr>
-                    </a:p>
-                    <a:p>
-                      <a:pPr>
-                        <a:lnSpc>
-                          <a:spcPct val="100000"/>
-                        </a:lnSpc>
-                      </a:pPr>
-                      <a:r>
-                        <a:rPr b="1" lang="en-US" sz="1400" spc="-1" strike="noStrike">
-                          <a:solidFill>
-                            <a:srgbClr val="ffffff"/>
-                          </a:solidFill>
-                          <a:uFill>
-                            <a:solidFill>
-                              <a:srgbClr val="ffffff"/>
-                            </a:solidFill>
-                          </a:uFill>
-                          <a:latin typeface="Arial"/>
-                          <a:ea typeface="Arial"/>
-                        </a:rPr>
-                        <a:t>(Out of 5) </a:t>
-                      </a:r>
-                      <a:endParaRPr b="0" lang="en-US" sz="1800" spc="-1" strike="noStrike">
-                        <a:solidFill>
-                          <a:srgbClr val="000000"/>
-                        </a:solidFill>
-                        <a:uFill>
-                          <a:solidFill>
-                            <a:srgbClr val="ffffff"/>
-                          </a:solidFill>
-                        </a:uFill>
-                        <a:latin typeface="Arial"/>
-                      </a:endParaRPr>
-                    </a:p>
-                  </a:txBody>
-                  <a:tcPr marL="91440" marR="91440">
-                    <a:lnL w="12240">
-                      <a:solidFill>
-                        <a:srgbClr val="ffffff"/>
-                      </a:solidFill>
-                    </a:lnL>
-                    <a:lnR w="12240">
-                      <a:solidFill>
-                        <a:srgbClr val="ffffff"/>
-                      </a:solidFill>
-                    </a:lnR>
-                    <a:lnT w="12240">
-                      <a:solidFill>
-                        <a:srgbClr val="ffffff"/>
-                      </a:solidFill>
-                    </a:lnT>
-                    <a:lnB w="38160">
-                      <a:solidFill>
-                        <a:srgbClr val="ffffff"/>
-                      </a:solidFill>
-                    </a:lnB>
-                    <a:solidFill>
-                      <a:srgbClr val="990000"/>
-                    </a:solidFill>
-                  </a:tcPr>
-                </a:tc>
-              </a:tr>
-              <a:tr h="930240">
-                <a:tc>
-                  <a:txBody>
-                    <a:bodyPr/>
-                    <a:p>
-                      <a:pPr>
-                        <a:lnSpc>
-                          <a:spcPct val="100000"/>
-                        </a:lnSpc>
-                      </a:pPr>
-                      <a:r>
-                        <a:rPr b="0" lang="en-US" sz="1400" spc="-1" strike="noStrike">
-                          <a:solidFill>
-                            <a:srgbClr val="000000"/>
-                          </a:solidFill>
-                          <a:uFill>
-                            <a:solidFill>
-                              <a:srgbClr val="ffffff"/>
-                            </a:solidFill>
-                          </a:uFill>
-                          <a:latin typeface="Arial"/>
-                          <a:ea typeface="Arial"/>
-                        </a:rPr>
-                        <a:t>Attention (How frequently they recorded their food conversations)</a:t>
-                      </a:r>
-                      <a:endParaRPr b="0" lang="en-US" sz="1800" spc="-1" strike="noStrike">
-                        <a:solidFill>
-                          <a:srgbClr val="000000"/>
-                        </a:solidFill>
-                        <a:uFill>
-                          <a:solidFill>
-                            <a:srgbClr val="ffffff"/>
-                          </a:solidFill>
-                        </a:uFill>
-                        <a:latin typeface="Arial"/>
-                      </a:endParaRPr>
-                    </a:p>
-                  </a:txBody>
-                  <a:tcPr marL="91440" marR="91440">
-                    <a:lnL w="12240">
-                      <a:solidFill>
-                        <a:srgbClr val="ffffff"/>
-                      </a:solidFill>
-                    </a:lnL>
-                    <a:lnR w="12240">
-                      <a:solidFill>
-                        <a:srgbClr val="ffffff"/>
-                      </a:solidFill>
-                    </a:lnR>
-                    <a:lnT w="12240">
-                      <a:solidFill>
-                        <a:srgbClr val="ffffff"/>
-                      </a:solidFill>
-                    </a:lnT>
-                    <a:lnB w="12240">
-                      <a:solidFill>
-                        <a:srgbClr val="ffffff"/>
-                      </a:solidFill>
-                    </a:lnB>
-                    <a:solidFill>
-                      <a:srgbClr val="ddcccc"/>
-                    </a:solidFill>
-                  </a:tcPr>
-                </a:tc>
-                <a:tc>
-                  <a:txBody>
-                    <a:bodyPr/>
-                    <a:p>
-                      <a:pPr>
-                        <a:lnSpc>
-                          <a:spcPct val="100000"/>
-                        </a:lnSpc>
-                      </a:pPr>
-                      <a:r>
-                        <a:rPr b="0" lang="en-US" sz="1400" spc="-1" strike="noStrike">
-                          <a:solidFill>
-                            <a:srgbClr val="000000"/>
-                          </a:solidFill>
-                          <a:uFill>
-                            <a:solidFill>
-                              <a:srgbClr val="ffffff"/>
-                            </a:solidFill>
-                          </a:uFill>
-                          <a:latin typeface="Arial"/>
-                          <a:ea typeface="Arial"/>
-                        </a:rPr>
-                        <a:t>3.89</a:t>
-                      </a:r>
-                      <a:endParaRPr b="0" lang="en-US" sz="1800" spc="-1" strike="noStrike">
-                        <a:solidFill>
-                          <a:srgbClr val="000000"/>
-                        </a:solidFill>
-                        <a:uFill>
-                          <a:solidFill>
-                            <a:srgbClr val="ffffff"/>
-                          </a:solidFill>
-                        </a:uFill>
-                        <a:latin typeface="Arial"/>
-                      </a:endParaRPr>
-                    </a:p>
-                  </a:txBody>
-                  <a:tcPr marL="91440" marR="91440">
-                    <a:lnL w="12240">
-                      <a:solidFill>
-                        <a:srgbClr val="ffffff"/>
-                      </a:solidFill>
-                    </a:lnL>
-                    <a:lnR w="12240">
-                      <a:solidFill>
-                        <a:srgbClr val="ffffff"/>
-                      </a:solidFill>
-                    </a:lnR>
-                    <a:lnT w="12240">
-                      <a:solidFill>
-                        <a:srgbClr val="ffffff"/>
-                      </a:solidFill>
-                    </a:lnT>
-                    <a:lnB w="12240">
-                      <a:solidFill>
-                        <a:srgbClr val="ffffff"/>
-                      </a:solidFill>
-                    </a:lnB>
-                    <a:solidFill>
-                      <a:srgbClr val="ddcccc"/>
-                    </a:solidFill>
-                  </a:tcPr>
-                </a:tc>
-                <a:tc>
-                  <a:txBody>
-                    <a:bodyPr/>
-                    <a:p>
-                      <a:pPr>
-                        <a:lnSpc>
-                          <a:spcPct val="100000"/>
-                        </a:lnSpc>
-                      </a:pPr>
-                      <a:r>
-                        <a:rPr b="0" lang="en-US" sz="1400" spc="-1" strike="noStrike">
-                          <a:solidFill>
-                            <a:srgbClr val="000000"/>
-                          </a:solidFill>
-                          <a:uFill>
-                            <a:solidFill>
-                              <a:srgbClr val="ffffff"/>
-                            </a:solidFill>
-                          </a:uFill>
-                          <a:latin typeface="Arial"/>
-                          <a:ea typeface="Arial"/>
-                        </a:rPr>
-                        <a:t>3.13</a:t>
-                      </a:r>
-                      <a:endParaRPr b="0" lang="en-US" sz="1800" spc="-1" strike="noStrike">
-                        <a:solidFill>
-                          <a:srgbClr val="000000"/>
-                        </a:solidFill>
-                        <a:uFill>
-                          <a:solidFill>
-                            <a:srgbClr val="ffffff"/>
-                          </a:solidFill>
-                        </a:uFill>
-                        <a:latin typeface="Arial"/>
-                      </a:endParaRPr>
-                    </a:p>
-                  </a:txBody>
-                  <a:tcPr marL="91440" marR="91440">
-                    <a:lnL w="12240">
-                      <a:solidFill>
-                        <a:srgbClr val="ffffff"/>
-                      </a:solidFill>
-                    </a:lnL>
-                    <a:lnR w="12240">
-                      <a:solidFill>
-                        <a:srgbClr val="ffffff"/>
-                      </a:solidFill>
-                    </a:lnR>
-                    <a:lnT w="12240">
-                      <a:solidFill>
-                        <a:srgbClr val="ffffff"/>
-                      </a:solidFill>
-                    </a:lnT>
-                    <a:lnB w="12240">
-                      <a:solidFill>
-                        <a:srgbClr val="ffffff"/>
-                      </a:solidFill>
-                    </a:lnB>
-                    <a:solidFill>
-                      <a:srgbClr val="ddcccc"/>
-                    </a:solidFill>
-                  </a:tcPr>
-                </a:tc>
-                <a:tc>
-                  <a:txBody>
-                    <a:bodyPr/>
-                    <a:p>
-                      <a:pPr>
-                        <a:lnSpc>
-                          <a:spcPct val="100000"/>
-                        </a:lnSpc>
-                      </a:pPr>
-                      <a:r>
-                        <a:rPr b="0" lang="en-US" sz="1400" spc="-1" strike="noStrike">
-                          <a:solidFill>
-                            <a:srgbClr val="000000"/>
-                          </a:solidFill>
-                          <a:uFill>
-                            <a:solidFill>
-                              <a:srgbClr val="ffffff"/>
-                            </a:solidFill>
-                          </a:uFill>
-                          <a:latin typeface="Arial"/>
-                          <a:ea typeface="Arial"/>
-                        </a:rPr>
-                        <a:t>2.75</a:t>
-                      </a:r>
-                      <a:endParaRPr b="0" lang="en-US" sz="1800" spc="-1" strike="noStrike">
-                        <a:solidFill>
-                          <a:srgbClr val="000000"/>
-                        </a:solidFill>
-                        <a:uFill>
-                          <a:solidFill>
-                            <a:srgbClr val="ffffff"/>
-                          </a:solidFill>
-                        </a:uFill>
-                        <a:latin typeface="Arial"/>
-                      </a:endParaRPr>
-                    </a:p>
-                  </a:txBody>
-                  <a:tcPr marL="91440" marR="91440">
-                    <a:lnL w="12240">
-                      <a:solidFill>
-                        <a:srgbClr val="ffffff"/>
-                      </a:solidFill>
-                    </a:lnL>
-                    <a:lnR w="12240">
-                      <a:solidFill>
-                        <a:srgbClr val="ffffff"/>
-                      </a:solidFill>
-                    </a:lnR>
-                    <a:lnT w="12240">
-                      <a:solidFill>
-                        <a:srgbClr val="ffffff"/>
-                      </a:solidFill>
-                    </a:lnT>
-                    <a:lnB w="12240">
-                      <a:solidFill>
-                        <a:srgbClr val="ffffff"/>
-                      </a:solidFill>
-                    </a:lnB>
-                    <a:solidFill>
-                      <a:srgbClr val="ddcccc"/>
-                    </a:solidFill>
-                  </a:tcPr>
-                </a:tc>
-              </a:tr>
-              <a:tr h="471600">
-                <a:tc>
-                  <a:txBody>
-                    <a:bodyPr/>
-                    <a:p>
-                      <a:pPr>
-                        <a:lnSpc>
-                          <a:spcPct val="100000"/>
-                        </a:lnSpc>
-                      </a:pPr>
-                      <a:r>
-                        <a:rPr b="0" lang="en-US" sz="1400" spc="-1" strike="noStrike">
-                          <a:solidFill>
-                            <a:srgbClr val="000000"/>
-                          </a:solidFill>
-                          <a:uFill>
-                            <a:solidFill>
-                              <a:srgbClr val="ffffff"/>
-                            </a:solidFill>
-                          </a:uFill>
-                          <a:latin typeface="Arial"/>
-                          <a:ea typeface="Arial"/>
-                        </a:rPr>
-                        <a:t>Interaction (Ease – of – use)</a:t>
-                      </a:r>
-                      <a:endParaRPr b="0" lang="en-US" sz="1800" spc="-1" strike="noStrike">
-                        <a:solidFill>
-                          <a:srgbClr val="000000"/>
-                        </a:solidFill>
-                        <a:uFill>
-                          <a:solidFill>
-                            <a:srgbClr val="ffffff"/>
-                          </a:solidFill>
-                        </a:uFill>
-                        <a:latin typeface="Arial"/>
-                      </a:endParaRPr>
-                    </a:p>
-                  </a:txBody>
-                  <a:tcPr marL="91440" marR="91440">
-                    <a:lnL w="12240">
-                      <a:solidFill>
-                        <a:srgbClr val="ffffff"/>
-                      </a:solidFill>
-                    </a:lnL>
-                    <a:lnR w="12240">
-                      <a:solidFill>
-                        <a:srgbClr val="ffffff"/>
-                      </a:solidFill>
-                    </a:lnR>
-                    <a:lnT w="12240">
-                      <a:solidFill>
-                        <a:srgbClr val="ffffff"/>
-                      </a:solidFill>
-                    </a:lnT>
-                    <a:lnB w="12240">
-                      <a:solidFill>
-                        <a:srgbClr val="ffffff"/>
-                      </a:solidFill>
-                    </a:lnB>
-                    <a:solidFill>
-                      <a:srgbClr val="efe7e7"/>
-                    </a:solidFill>
-                  </a:tcPr>
-                </a:tc>
-                <a:tc>
-                  <a:txBody>
-                    <a:bodyPr/>
-                    <a:p>
-                      <a:pPr>
-                        <a:lnSpc>
-                          <a:spcPct val="100000"/>
-                        </a:lnSpc>
-                      </a:pPr>
-                      <a:r>
-                        <a:rPr b="0" lang="en-US" sz="1400" spc="-1" strike="noStrike">
-                          <a:solidFill>
-                            <a:srgbClr val="000000"/>
-                          </a:solidFill>
-                          <a:uFill>
-                            <a:solidFill>
-                              <a:srgbClr val="ffffff"/>
-                            </a:solidFill>
-                          </a:uFill>
-                          <a:latin typeface="Arial"/>
-                          <a:ea typeface="Arial"/>
-                        </a:rPr>
-                        <a:t>4.25</a:t>
-                      </a:r>
-                      <a:endParaRPr b="0" lang="en-US" sz="1800" spc="-1" strike="noStrike">
-                        <a:solidFill>
-                          <a:srgbClr val="000000"/>
-                        </a:solidFill>
-                        <a:uFill>
-                          <a:solidFill>
-                            <a:srgbClr val="ffffff"/>
-                          </a:solidFill>
-                        </a:uFill>
-                        <a:latin typeface="Arial"/>
-                      </a:endParaRPr>
-                    </a:p>
-                  </a:txBody>
-                  <a:tcPr marL="91440" marR="91440">
-                    <a:lnL w="12240">
-                      <a:solidFill>
-                        <a:srgbClr val="ffffff"/>
-                      </a:solidFill>
-                    </a:lnL>
-                    <a:lnR w="12240">
-                      <a:solidFill>
-                        <a:srgbClr val="ffffff"/>
-                      </a:solidFill>
-                    </a:lnR>
-                    <a:lnT w="12240">
-                      <a:solidFill>
-                        <a:srgbClr val="ffffff"/>
-                      </a:solidFill>
-                    </a:lnT>
-                    <a:lnB w="12240">
-                      <a:solidFill>
-                        <a:srgbClr val="ffffff"/>
-                      </a:solidFill>
-                    </a:lnB>
-                    <a:solidFill>
-                      <a:srgbClr val="efe7e7"/>
-                    </a:solidFill>
-                  </a:tcPr>
-                </a:tc>
-                <a:tc>
-                  <a:txBody>
-                    <a:bodyPr/>
-                    <a:p>
-                      <a:pPr>
-                        <a:lnSpc>
-                          <a:spcPct val="100000"/>
-                        </a:lnSpc>
-                      </a:pPr>
-                      <a:r>
-                        <a:rPr b="0" lang="en-US" sz="1400" spc="-1" strike="noStrike">
-                          <a:solidFill>
-                            <a:srgbClr val="000000"/>
-                          </a:solidFill>
-                          <a:uFill>
-                            <a:solidFill>
-                              <a:srgbClr val="ffffff"/>
-                            </a:solidFill>
-                          </a:uFill>
-                          <a:latin typeface="Arial"/>
-                          <a:ea typeface="Arial"/>
-                        </a:rPr>
-                        <a:t>3.13</a:t>
-                      </a:r>
-                      <a:endParaRPr b="0" lang="en-US" sz="1800" spc="-1" strike="noStrike">
-                        <a:solidFill>
-                          <a:srgbClr val="000000"/>
-                        </a:solidFill>
-                        <a:uFill>
-                          <a:solidFill>
-                            <a:srgbClr val="ffffff"/>
-                          </a:solidFill>
-                        </a:uFill>
-                        <a:latin typeface="Arial"/>
-                      </a:endParaRPr>
-                    </a:p>
-                  </a:txBody>
-                  <a:tcPr marL="91440" marR="91440">
-                    <a:lnL w="12240">
-                      <a:solidFill>
-                        <a:srgbClr val="ffffff"/>
-                      </a:solidFill>
-                    </a:lnL>
-                    <a:lnR w="12240">
-                      <a:solidFill>
-                        <a:srgbClr val="ffffff"/>
-                      </a:solidFill>
-                    </a:lnR>
-                    <a:lnT w="12240">
-                      <a:solidFill>
-                        <a:srgbClr val="ffffff"/>
-                      </a:solidFill>
-                    </a:lnT>
-                    <a:lnB w="12240">
-                      <a:solidFill>
-                        <a:srgbClr val="ffffff"/>
-                      </a:solidFill>
-                    </a:lnB>
-                    <a:solidFill>
-                      <a:srgbClr val="efe7e7"/>
-                    </a:solidFill>
-                  </a:tcPr>
-                </a:tc>
-                <a:tc>
-                  <a:txBody>
-                    <a:bodyPr/>
-                    <a:p>
-                      <a:pPr>
-                        <a:lnSpc>
-                          <a:spcPct val="100000"/>
-                        </a:lnSpc>
-                      </a:pPr>
-                      <a:r>
-                        <a:rPr b="0" lang="en-US" sz="1400" spc="-1" strike="noStrike">
-                          <a:solidFill>
-                            <a:srgbClr val="000000"/>
-                          </a:solidFill>
-                          <a:uFill>
-                            <a:solidFill>
-                              <a:srgbClr val="ffffff"/>
-                            </a:solidFill>
-                          </a:uFill>
-                          <a:latin typeface="Arial"/>
-                          <a:ea typeface="Arial"/>
-                        </a:rPr>
-                        <a:t>2.25</a:t>
-                      </a:r>
-                      <a:endParaRPr b="0" lang="en-US" sz="1800" spc="-1" strike="noStrike">
-                        <a:solidFill>
-                          <a:srgbClr val="000000"/>
-                        </a:solidFill>
-                        <a:uFill>
-                          <a:solidFill>
-                            <a:srgbClr val="ffffff"/>
-                          </a:solidFill>
-                        </a:uFill>
-                        <a:latin typeface="Arial"/>
-                      </a:endParaRPr>
-                    </a:p>
-                  </a:txBody>
-                  <a:tcPr marL="91440" marR="91440">
-                    <a:lnL w="12240">
-                      <a:solidFill>
-                        <a:srgbClr val="ffffff"/>
-                      </a:solidFill>
-                    </a:lnL>
-                    <a:lnR w="12240">
-                      <a:solidFill>
-                        <a:srgbClr val="ffffff"/>
-                      </a:solidFill>
-                    </a:lnR>
-                    <a:lnT w="12240">
-                      <a:solidFill>
-                        <a:srgbClr val="ffffff"/>
-                      </a:solidFill>
-                    </a:lnT>
-                    <a:lnB w="12240">
-                      <a:solidFill>
-                        <a:srgbClr val="ffffff"/>
-                      </a:solidFill>
-                    </a:lnB>
-                    <a:solidFill>
-                      <a:srgbClr val="efe7e7"/>
-                    </a:solidFill>
-                  </a:tcPr>
-                </a:tc>
-              </a:tr>
-              <a:tr h="471600">
-                <a:tc>
-                  <a:txBody>
-                    <a:bodyPr/>
-                    <a:p>
-                      <a:pPr>
-                        <a:lnSpc>
-                          <a:spcPct val="100000"/>
-                        </a:lnSpc>
-                      </a:pPr>
-                      <a:r>
-                        <a:rPr b="0" lang="en-US" sz="1400" spc="-1" strike="noStrike">
-                          <a:solidFill>
-                            <a:srgbClr val="000000"/>
-                          </a:solidFill>
-                          <a:uFill>
-                            <a:solidFill>
-                              <a:srgbClr val="ffffff"/>
-                            </a:solidFill>
-                          </a:uFill>
-                          <a:latin typeface="Arial"/>
-                          <a:ea typeface="Arial"/>
-                        </a:rPr>
-                        <a:t>Privacy</a:t>
-                      </a:r>
-                      <a:endParaRPr b="0" lang="en-US" sz="1800" spc="-1" strike="noStrike">
-                        <a:solidFill>
-                          <a:srgbClr val="000000"/>
-                        </a:solidFill>
-                        <a:uFill>
-                          <a:solidFill>
-                            <a:srgbClr val="ffffff"/>
-                          </a:solidFill>
-                        </a:uFill>
-                        <a:latin typeface="Arial"/>
-                      </a:endParaRPr>
-                    </a:p>
-                  </a:txBody>
-                  <a:tcPr marL="91440" marR="91440">
-                    <a:lnL w="12240">
-                      <a:solidFill>
-                        <a:srgbClr val="ffffff"/>
-                      </a:solidFill>
-                    </a:lnL>
-                    <a:lnR w="12240">
-                      <a:solidFill>
-                        <a:srgbClr val="ffffff"/>
-                      </a:solidFill>
-                    </a:lnR>
-                    <a:lnT w="12240">
-                      <a:solidFill>
-                        <a:srgbClr val="ffffff"/>
-                      </a:solidFill>
-                    </a:lnT>
-                    <a:lnB w="12240">
-                      <a:solidFill>
-                        <a:srgbClr val="ffffff"/>
-                      </a:solidFill>
-                    </a:lnB>
-                    <a:solidFill>
-                      <a:srgbClr val="ddcccc"/>
-                    </a:solidFill>
-                  </a:tcPr>
-                </a:tc>
-                <a:tc>
-                  <a:txBody>
-                    <a:bodyPr/>
-                    <a:p>
-                      <a:pPr>
-                        <a:lnSpc>
-                          <a:spcPct val="100000"/>
-                        </a:lnSpc>
-                      </a:pPr>
-                      <a:r>
-                        <a:rPr b="0" lang="en-US" sz="1400" spc="-1" strike="noStrike">
-                          <a:solidFill>
-                            <a:srgbClr val="000000"/>
-                          </a:solidFill>
-                          <a:uFill>
-                            <a:solidFill>
-                              <a:srgbClr val="ffffff"/>
-                            </a:solidFill>
-                          </a:uFill>
-                          <a:latin typeface="Arial"/>
-                          <a:ea typeface="Arial"/>
-                        </a:rPr>
-                        <a:t>3.56</a:t>
-                      </a:r>
-                      <a:endParaRPr b="0" lang="en-US" sz="1800" spc="-1" strike="noStrike">
-                        <a:solidFill>
-                          <a:srgbClr val="000000"/>
-                        </a:solidFill>
-                        <a:uFill>
-                          <a:solidFill>
-                            <a:srgbClr val="ffffff"/>
-                          </a:solidFill>
-                        </a:uFill>
-                        <a:latin typeface="Arial"/>
-                      </a:endParaRPr>
-                    </a:p>
-                  </a:txBody>
-                  <a:tcPr marL="91440" marR="91440">
-                    <a:lnL w="12240">
-                      <a:solidFill>
-                        <a:srgbClr val="ffffff"/>
-                      </a:solidFill>
-                    </a:lnL>
-                    <a:lnR w="12240">
-                      <a:solidFill>
-                        <a:srgbClr val="ffffff"/>
-                      </a:solidFill>
-                    </a:lnR>
-                    <a:lnT w="12240">
-                      <a:solidFill>
-                        <a:srgbClr val="ffffff"/>
-                      </a:solidFill>
-                    </a:lnT>
-                    <a:lnB w="12240">
-                      <a:solidFill>
-                        <a:srgbClr val="ffffff"/>
-                      </a:solidFill>
-                    </a:lnB>
-                    <a:solidFill>
-                      <a:srgbClr val="ddcccc"/>
-                    </a:solidFill>
-                  </a:tcPr>
-                </a:tc>
-                <a:tc>
-                  <a:txBody>
-                    <a:bodyPr/>
-                    <a:p>
-                      <a:pPr>
-                        <a:lnSpc>
-                          <a:spcPct val="100000"/>
-                        </a:lnSpc>
-                      </a:pPr>
-                      <a:r>
-                        <a:rPr b="0" lang="en-US" sz="1400" spc="-1" strike="noStrike">
-                          <a:solidFill>
-                            <a:srgbClr val="000000"/>
-                          </a:solidFill>
-                          <a:uFill>
-                            <a:solidFill>
-                              <a:srgbClr val="ffffff"/>
-                            </a:solidFill>
-                          </a:uFill>
-                          <a:latin typeface="Arial"/>
-                          <a:ea typeface="Arial"/>
-                        </a:rPr>
-                        <a:t>3.75</a:t>
-                      </a:r>
-                      <a:endParaRPr b="0" lang="en-US" sz="1800" spc="-1" strike="noStrike">
-                        <a:solidFill>
-                          <a:srgbClr val="000000"/>
-                        </a:solidFill>
-                        <a:uFill>
-                          <a:solidFill>
-                            <a:srgbClr val="ffffff"/>
-                          </a:solidFill>
-                        </a:uFill>
-                        <a:latin typeface="Arial"/>
-                      </a:endParaRPr>
-                    </a:p>
-                  </a:txBody>
-                  <a:tcPr marL="91440" marR="91440">
-                    <a:lnL w="12240">
-                      <a:solidFill>
-                        <a:srgbClr val="ffffff"/>
-                      </a:solidFill>
-                    </a:lnL>
-                    <a:lnR w="12240">
-                      <a:solidFill>
-                        <a:srgbClr val="ffffff"/>
-                      </a:solidFill>
-                    </a:lnR>
-                    <a:lnT w="12240">
-                      <a:solidFill>
-                        <a:srgbClr val="ffffff"/>
-                      </a:solidFill>
-                    </a:lnT>
-                    <a:lnB w="12240">
-                      <a:solidFill>
-                        <a:srgbClr val="ffffff"/>
-                      </a:solidFill>
-                    </a:lnB>
-                    <a:solidFill>
-                      <a:srgbClr val="ddcccc"/>
-                    </a:solidFill>
-                  </a:tcPr>
-                </a:tc>
-                <a:tc>
-                  <a:txBody>
-                    <a:bodyPr/>
-                    <a:p>
-                      <a:pPr>
-                        <a:lnSpc>
-                          <a:spcPct val="100000"/>
-                        </a:lnSpc>
-                      </a:pPr>
-                      <a:r>
-                        <a:rPr b="0" lang="en-US" sz="1400" spc="-1" strike="noStrike">
-                          <a:solidFill>
-                            <a:srgbClr val="000000"/>
-                          </a:solidFill>
-                          <a:uFill>
-                            <a:solidFill>
-                              <a:srgbClr val="ffffff"/>
-                            </a:solidFill>
-                          </a:uFill>
-                          <a:latin typeface="Arial"/>
-                          <a:ea typeface="Arial"/>
-                        </a:rPr>
-                        <a:t>2.38</a:t>
-                      </a:r>
-                      <a:endParaRPr b="0" lang="en-US" sz="1800" spc="-1" strike="noStrike">
-                        <a:solidFill>
-                          <a:srgbClr val="000000"/>
-                        </a:solidFill>
-                        <a:uFill>
-                          <a:solidFill>
-                            <a:srgbClr val="ffffff"/>
-                          </a:solidFill>
-                        </a:uFill>
-                        <a:latin typeface="Arial"/>
-                      </a:endParaRPr>
-                    </a:p>
-                  </a:txBody>
-                  <a:tcPr marL="91440" marR="91440">
-                    <a:lnL w="12240">
-                      <a:solidFill>
-                        <a:srgbClr val="ffffff"/>
-                      </a:solidFill>
-                    </a:lnL>
-                    <a:lnR w="12240">
-                      <a:solidFill>
-                        <a:srgbClr val="ffffff"/>
-                      </a:solidFill>
-                    </a:lnR>
-                    <a:lnT w="12240">
-                      <a:solidFill>
-                        <a:srgbClr val="ffffff"/>
-                      </a:solidFill>
-                    </a:lnT>
-                    <a:lnB w="12240">
-                      <a:solidFill>
-                        <a:srgbClr val="ffffff"/>
-                      </a:solidFill>
-                    </a:lnB>
-                    <a:solidFill>
-                      <a:srgbClr val="ddcccc"/>
-                    </a:solidFill>
-                  </a:tcPr>
-                </a:tc>
-              </a:tr>
-              <a:tr h="471600">
-                <a:tc>
-                  <a:txBody>
-                    <a:bodyPr/>
-                    <a:p>
-                      <a:pPr>
-                        <a:lnSpc>
-                          <a:spcPct val="100000"/>
-                        </a:lnSpc>
-                      </a:pPr>
-                      <a:r>
-                        <a:rPr b="0" lang="en-US" sz="1400" spc="-1" strike="noStrike">
-                          <a:solidFill>
-                            <a:srgbClr val="000000"/>
-                          </a:solidFill>
-                          <a:uFill>
-                            <a:solidFill>
-                              <a:srgbClr val="ffffff"/>
-                            </a:solidFill>
-                          </a:uFill>
-                          <a:latin typeface="Arial"/>
-                          <a:ea typeface="Arial"/>
-                        </a:rPr>
-                        <a:t>Impact (Overall Acceptance) </a:t>
-                      </a:r>
-                      <a:endParaRPr b="0" lang="en-US" sz="1800" spc="-1" strike="noStrike">
-                        <a:solidFill>
-                          <a:srgbClr val="000000"/>
-                        </a:solidFill>
-                        <a:uFill>
-                          <a:solidFill>
-                            <a:srgbClr val="ffffff"/>
-                          </a:solidFill>
-                        </a:uFill>
-                        <a:latin typeface="Arial"/>
-                      </a:endParaRPr>
-                    </a:p>
-                  </a:txBody>
-                  <a:tcPr marL="91440" marR="91440">
-                    <a:lnL w="12240">
-                      <a:solidFill>
-                        <a:srgbClr val="ffffff"/>
-                      </a:solidFill>
-                    </a:lnL>
-                    <a:lnR w="12240">
-                      <a:solidFill>
-                        <a:srgbClr val="ffffff"/>
-                      </a:solidFill>
-                    </a:lnR>
-                    <a:lnT w="12240">
-                      <a:solidFill>
-                        <a:srgbClr val="ffffff"/>
-                      </a:solidFill>
-                    </a:lnT>
-                    <a:lnB w="12240">
-                      <a:solidFill>
-                        <a:srgbClr val="ffffff"/>
-                      </a:solidFill>
-                    </a:lnB>
-                    <a:solidFill>
-                      <a:srgbClr val="efe7e7"/>
-                    </a:solidFill>
-                  </a:tcPr>
-                </a:tc>
-                <a:tc>
-                  <a:txBody>
-                    <a:bodyPr/>
-                    <a:p>
-                      <a:pPr>
-                        <a:lnSpc>
-                          <a:spcPct val="100000"/>
-                        </a:lnSpc>
-                      </a:pPr>
-                      <a:r>
-                        <a:rPr b="0" lang="en-US" sz="1400" spc="-1" strike="noStrike">
-                          <a:solidFill>
-                            <a:srgbClr val="000000"/>
-                          </a:solidFill>
-                          <a:uFill>
-                            <a:solidFill>
-                              <a:srgbClr val="ffffff"/>
-                            </a:solidFill>
-                          </a:uFill>
-                          <a:latin typeface="Arial"/>
-                          <a:ea typeface="Arial"/>
-                        </a:rPr>
-                        <a:t>2.44</a:t>
-                      </a:r>
-                      <a:endParaRPr b="0" lang="en-US" sz="1800" spc="-1" strike="noStrike">
-                        <a:solidFill>
-                          <a:srgbClr val="000000"/>
-                        </a:solidFill>
-                        <a:uFill>
-                          <a:solidFill>
-                            <a:srgbClr val="ffffff"/>
-                          </a:solidFill>
-                        </a:uFill>
-                        <a:latin typeface="Arial"/>
-                      </a:endParaRPr>
-                    </a:p>
-                  </a:txBody>
-                  <a:tcPr marL="91440" marR="91440">
-                    <a:lnL w="12240">
-                      <a:solidFill>
-                        <a:srgbClr val="ffffff"/>
-                      </a:solidFill>
-                    </a:lnL>
-                    <a:lnR w="12240">
-                      <a:solidFill>
-                        <a:srgbClr val="ffffff"/>
-                      </a:solidFill>
-                    </a:lnR>
-                    <a:lnT w="12240">
-                      <a:solidFill>
-                        <a:srgbClr val="ffffff"/>
-                      </a:solidFill>
-                    </a:lnT>
-                    <a:lnB w="12240">
-                      <a:solidFill>
-                        <a:srgbClr val="ffffff"/>
-                      </a:solidFill>
-                    </a:lnB>
-                    <a:solidFill>
-                      <a:srgbClr val="efe7e7"/>
-                    </a:solidFill>
-                  </a:tcPr>
-                </a:tc>
-                <a:tc>
-                  <a:txBody>
-                    <a:bodyPr/>
-                    <a:p>
-                      <a:pPr>
-                        <a:lnSpc>
-                          <a:spcPct val="100000"/>
-                        </a:lnSpc>
-                      </a:pPr>
-                      <a:r>
-                        <a:rPr b="0" lang="en-US" sz="1400" spc="-1" strike="noStrike">
-                          <a:solidFill>
-                            <a:srgbClr val="000000"/>
-                          </a:solidFill>
-                          <a:uFill>
-                            <a:solidFill>
-                              <a:srgbClr val="ffffff"/>
-                            </a:solidFill>
-                          </a:uFill>
-                          <a:latin typeface="Arial"/>
-                          <a:ea typeface="Arial"/>
-                        </a:rPr>
-                        <a:t>2.00</a:t>
-                      </a:r>
-                      <a:endParaRPr b="0" lang="en-US" sz="1800" spc="-1" strike="noStrike">
-                        <a:solidFill>
-                          <a:srgbClr val="000000"/>
-                        </a:solidFill>
-                        <a:uFill>
-                          <a:solidFill>
-                            <a:srgbClr val="ffffff"/>
-                          </a:solidFill>
-                        </a:uFill>
-                        <a:latin typeface="Arial"/>
-                      </a:endParaRPr>
-                    </a:p>
-                  </a:txBody>
-                  <a:tcPr marL="91440" marR="91440">
-                    <a:lnL w="12240">
-                      <a:solidFill>
-                        <a:srgbClr val="ffffff"/>
-                      </a:solidFill>
-                    </a:lnL>
-                    <a:lnR w="12240">
-                      <a:solidFill>
-                        <a:srgbClr val="ffffff"/>
-                      </a:solidFill>
-                    </a:lnR>
-                    <a:lnT w="12240">
-                      <a:solidFill>
-                        <a:srgbClr val="ffffff"/>
-                      </a:solidFill>
-                    </a:lnT>
-                    <a:lnB w="12240">
-                      <a:solidFill>
-                        <a:srgbClr val="ffffff"/>
-                      </a:solidFill>
-                    </a:lnB>
-                    <a:solidFill>
-                      <a:srgbClr val="efe7e7"/>
-                    </a:solidFill>
-                  </a:tcPr>
-                </a:tc>
-                <a:tc>
-                  <a:txBody>
-                    <a:bodyPr/>
-                    <a:p>
-                      <a:pPr>
-                        <a:lnSpc>
-                          <a:spcPct val="100000"/>
-                        </a:lnSpc>
-                      </a:pPr>
-                      <a:r>
-                        <a:rPr b="0" lang="en-US" sz="1400" spc="-1" strike="noStrike">
-                          <a:solidFill>
-                            <a:srgbClr val="000000"/>
-                          </a:solidFill>
-                          <a:uFill>
-                            <a:solidFill>
-                              <a:srgbClr val="ffffff"/>
-                            </a:solidFill>
-                          </a:uFill>
-                          <a:latin typeface="Arial"/>
-                          <a:ea typeface="Arial"/>
-                        </a:rPr>
-                        <a:t>1.56</a:t>
-                      </a:r>
-                      <a:endParaRPr b="0" lang="en-US" sz="1800" spc="-1" strike="noStrike">
-                        <a:solidFill>
-                          <a:srgbClr val="000000"/>
-                        </a:solidFill>
-                        <a:uFill>
-                          <a:solidFill>
-                            <a:srgbClr val="ffffff"/>
-                          </a:solidFill>
-                        </a:uFill>
-                        <a:latin typeface="Arial"/>
-                      </a:endParaRPr>
-                    </a:p>
-                  </a:txBody>
-                  <a:tcPr marL="91440" marR="91440">
-                    <a:lnL w="12240">
-                      <a:solidFill>
-                        <a:srgbClr val="ffffff"/>
-                      </a:solidFill>
-                    </a:lnL>
-                    <a:lnR w="12240">
-                      <a:solidFill>
-                        <a:srgbClr val="ffffff"/>
-                      </a:solidFill>
-                    </a:lnR>
-                    <a:lnT w="12240">
-                      <a:solidFill>
-                        <a:srgbClr val="ffffff"/>
-                      </a:solidFill>
-                    </a:lnT>
-                    <a:lnB w="12240">
-                      <a:solidFill>
-                        <a:srgbClr val="ffffff"/>
-                      </a:solidFill>
-                    </a:lnB>
-                    <a:solidFill>
-                      <a:srgbClr val="efe7e7"/>
-                    </a:solidFill>
-                  </a:tcPr>
-                </a:tc>
-              </a:tr>
-              <a:tr h="471600">
-                <a:tc>
-                  <a:txBody>
-                    <a:bodyPr/>
-                    <a:p>
-                      <a:pPr>
-                        <a:lnSpc>
-                          <a:spcPct val="100000"/>
-                        </a:lnSpc>
-                      </a:pPr>
-                      <a:r>
-                        <a:rPr b="0" lang="en-US" sz="1400" spc="-1" strike="noStrike">
-                          <a:solidFill>
-                            <a:srgbClr val="000000"/>
-                          </a:solidFill>
-                          <a:uFill>
-                            <a:solidFill>
-                              <a:srgbClr val="ffffff"/>
-                            </a:solidFill>
-                          </a:uFill>
-                          <a:latin typeface="Arial"/>
-                          <a:ea typeface="Arial"/>
-                        </a:rPr>
-                        <a:t>Rating</a:t>
-                      </a:r>
-                      <a:endParaRPr b="0" lang="en-US" sz="1800" spc="-1" strike="noStrike">
-                        <a:solidFill>
-                          <a:srgbClr val="000000"/>
-                        </a:solidFill>
-                        <a:uFill>
-                          <a:solidFill>
-                            <a:srgbClr val="ffffff"/>
-                          </a:solidFill>
-                        </a:uFill>
-                        <a:latin typeface="Arial"/>
-                      </a:endParaRPr>
-                    </a:p>
-                  </a:txBody>
-                  <a:tcPr marL="91440" marR="91440">
-                    <a:lnL w="12240">
-                      <a:solidFill>
-                        <a:srgbClr val="ffffff"/>
-                      </a:solidFill>
-                    </a:lnL>
-                    <a:lnR w="12240">
-                      <a:solidFill>
-                        <a:srgbClr val="ffffff"/>
-                      </a:solidFill>
-                    </a:lnR>
-                    <a:lnT w="12240">
-                      <a:solidFill>
-                        <a:srgbClr val="ffffff"/>
-                      </a:solidFill>
-                    </a:lnT>
-                    <a:lnB w="12240">
-                      <a:solidFill>
-                        <a:srgbClr val="ffffff"/>
-                      </a:solidFill>
-                    </a:lnB>
-                    <a:solidFill>
-                      <a:srgbClr val="ddcccc"/>
-                    </a:solidFill>
-                  </a:tcPr>
-                </a:tc>
-                <a:tc>
-                  <a:txBody>
-                    <a:bodyPr/>
-                    <a:p>
-                      <a:pPr>
-                        <a:lnSpc>
-                          <a:spcPct val="100000"/>
-                        </a:lnSpc>
-                      </a:pPr>
-                      <a:r>
-                        <a:rPr b="0" lang="en-US" sz="1400" spc="-1" strike="noStrike">
-                          <a:solidFill>
-                            <a:srgbClr val="000000"/>
-                          </a:solidFill>
-                          <a:uFill>
-                            <a:solidFill>
-                              <a:srgbClr val="ffffff"/>
-                            </a:solidFill>
-                          </a:uFill>
-                          <a:latin typeface="Arial"/>
-                          <a:ea typeface="Arial"/>
-                        </a:rPr>
-                        <a:t>3.25</a:t>
-                      </a:r>
-                      <a:endParaRPr b="0" lang="en-US" sz="1800" spc="-1" strike="noStrike">
-                        <a:solidFill>
-                          <a:srgbClr val="000000"/>
-                        </a:solidFill>
-                        <a:uFill>
-                          <a:solidFill>
-                            <a:srgbClr val="ffffff"/>
-                          </a:solidFill>
-                        </a:uFill>
-                        <a:latin typeface="Arial"/>
-                      </a:endParaRPr>
-                    </a:p>
-                  </a:txBody>
-                  <a:tcPr marL="91440" marR="91440">
-                    <a:lnL w="12240">
-                      <a:solidFill>
-                        <a:srgbClr val="ffffff"/>
-                      </a:solidFill>
-                    </a:lnL>
-                    <a:lnR w="12240">
-                      <a:solidFill>
-                        <a:srgbClr val="ffffff"/>
-                      </a:solidFill>
-                    </a:lnR>
-                    <a:lnT w="12240">
-                      <a:solidFill>
-                        <a:srgbClr val="ffffff"/>
-                      </a:solidFill>
-                    </a:lnT>
-                    <a:lnB w="12240">
-                      <a:solidFill>
-                        <a:srgbClr val="ffffff"/>
-                      </a:solidFill>
-                    </a:lnB>
-                    <a:solidFill>
-                      <a:srgbClr val="ddcccc"/>
-                    </a:solidFill>
-                  </a:tcPr>
-                </a:tc>
-                <a:tc>
-                  <a:txBody>
-                    <a:bodyPr/>
-                    <a:p>
-                      <a:pPr>
-                        <a:lnSpc>
-                          <a:spcPct val="100000"/>
-                        </a:lnSpc>
-                      </a:pPr>
-                      <a:r>
-                        <a:rPr b="0" lang="en-US" sz="1400" spc="-1" strike="noStrike">
-                          <a:solidFill>
-                            <a:srgbClr val="000000"/>
-                          </a:solidFill>
-                          <a:uFill>
-                            <a:solidFill>
-                              <a:srgbClr val="ffffff"/>
-                            </a:solidFill>
-                          </a:uFill>
-                          <a:latin typeface="Arial"/>
-                          <a:ea typeface="Arial"/>
-                        </a:rPr>
-                        <a:t>N/A</a:t>
-                      </a:r>
-                      <a:endParaRPr b="0" lang="en-US" sz="1800" spc="-1" strike="noStrike">
-                        <a:solidFill>
-                          <a:srgbClr val="000000"/>
-                        </a:solidFill>
-                        <a:uFill>
-                          <a:solidFill>
-                            <a:srgbClr val="ffffff"/>
-                          </a:solidFill>
-                        </a:uFill>
-                        <a:latin typeface="Arial"/>
-                      </a:endParaRPr>
-                    </a:p>
-                  </a:txBody>
-                  <a:tcPr marL="91440" marR="91440">
-                    <a:lnL w="12240">
-                      <a:solidFill>
-                        <a:srgbClr val="ffffff"/>
-                      </a:solidFill>
-                    </a:lnL>
-                    <a:lnR w="12240">
-                      <a:solidFill>
-                        <a:srgbClr val="ffffff"/>
-                      </a:solidFill>
-                    </a:lnR>
-                    <a:lnT w="12240">
-                      <a:solidFill>
-                        <a:srgbClr val="ffffff"/>
-                      </a:solidFill>
-                    </a:lnT>
-                    <a:lnB w="12240">
-                      <a:solidFill>
-                        <a:srgbClr val="ffffff"/>
-                      </a:solidFill>
-                    </a:lnB>
-                    <a:solidFill>
-                      <a:srgbClr val="ddcccc"/>
-                    </a:solidFill>
-                  </a:tcPr>
-                </a:tc>
-                <a:tc>
-                  <a:txBody>
-                    <a:bodyPr/>
-                    <a:p>
-                      <a:pPr>
-                        <a:lnSpc>
-                          <a:spcPct val="100000"/>
-                        </a:lnSpc>
-                      </a:pPr>
-                      <a:r>
-                        <a:rPr b="0" lang="en-US" sz="1400" spc="-1" strike="noStrike">
-                          <a:solidFill>
-                            <a:srgbClr val="000000"/>
-                          </a:solidFill>
-                          <a:uFill>
-                            <a:solidFill>
-                              <a:srgbClr val="ffffff"/>
-                            </a:solidFill>
-                          </a:uFill>
-                          <a:latin typeface="Arial"/>
-                          <a:ea typeface="Arial"/>
-                        </a:rPr>
-                        <a:t>N/A</a:t>
-                      </a:r>
-                      <a:endParaRPr b="0" lang="en-US" sz="1800" spc="-1" strike="noStrike">
-                        <a:solidFill>
-                          <a:srgbClr val="000000"/>
-                        </a:solidFill>
-                        <a:uFill>
-                          <a:solidFill>
-                            <a:srgbClr val="ffffff"/>
-                          </a:solidFill>
-                        </a:uFill>
-                        <a:latin typeface="Arial"/>
-                      </a:endParaRPr>
-                    </a:p>
-                  </a:txBody>
-                  <a:tcPr marL="91440" marR="91440">
-                    <a:lnL w="12240">
-                      <a:solidFill>
-                        <a:srgbClr val="ffffff"/>
-                      </a:solidFill>
-                    </a:lnL>
-                    <a:lnR w="12240">
-                      <a:solidFill>
-                        <a:srgbClr val="ffffff"/>
-                      </a:solidFill>
-                    </a:lnR>
-                    <a:lnT w="12240">
-                      <a:solidFill>
-                        <a:srgbClr val="ffffff"/>
-                      </a:solidFill>
-                    </a:lnT>
-                    <a:lnB w="12240">
-                      <a:solidFill>
-                        <a:srgbClr val="ffffff"/>
-                      </a:solidFill>
-                    </a:lnB>
-                    <a:solidFill>
-                      <a:srgbClr val="ddcccc"/>
-                    </a:solidFill>
-                  </a:tcPr>
-                </a:tc>
-              </a:tr>
-            </a:tbl>
-          </a:graphicData>
-        </a:graphic>
-      </p:graphicFrame>
-    </p:spTree>
-  </p:cSld>
-  <p:transition spd="med">
-    <p:fade thruBlk="true"/>
-  </p:transition>
-  <p:timing>
-    <p:tnLst>
-      <p:par>
-        <p:cTn id="19" dur="indefinite" restart="never" nodeType="tmRoot">
-          <p:childTnLst>
-            <p:seq>
-              <p:cTn id="20" nodeType="mainSeq"/>
-              <p:prevCondLst>
-                <p:cond delay="0" evt="onPrev">
-                  <p:tgtEl>
-                    <p:sldTgt/>
-                  </p:tgtEl>
-                </p:cond>
-              </p:prevCondLst>
-              <p:nextCondLst>
-                <p:cond delay="0" evt="onNext">
-                  <p:tgtEl>
-                    <p:sldTgt/>
-                  </p:tgtEl>
-                </p:cond>
-              </p:nextCondLst>
-            </p:seq>
-          </p:childTnLst>
-        </p:cTn>
-      </p:par>
-    </p:tnLst>
-  </p:timing>
-</p:sld>
-</file>
-
-<file path=ppt/slides/slide11.xml><?xml version="1.0" encoding="utf-8"?>
-<p:sld xmlns:a="http://schemas.openxmlformats.org/drawingml/2006/main" xmlns:p="http://schemas.openxmlformats.org/presentationml/2006/main" xmlns:r="http://schemas.openxmlformats.org/officeDocument/2006/relationships" xmlns:p14="http://schemas.microsoft.com/office/powerpoint/2010/main" xmlns:p15="http://schemas.microsoft.com/office/powerpoint/2012/main" xmlns:mc="http://schemas.openxmlformats.org/markup-compatibility/2006">
-  <p:cSld>
-    <p:spTree>
-      <p:nvGrpSpPr>
-        <p:cNvPr id="1" name=""/>
-        <p:cNvGrpSpPr/>
-        <p:nvPr/>
-      </p:nvGrpSpPr>
-      <p:grpSpPr>
-        <a:xfrm>
-          <a:off x="0" y="0"/>
-          <a:ext cx="0" cy="0"/>
-          <a:chOff x="0" y="0"/>
-          <a:chExt cx="0" cy="0"/>
-        </a:xfrm>
-      </p:grpSpPr>
-      <p:sp>
-        <p:nvSpPr>
-          <p:cNvPr id="157" name="CustomShape 1"/>
-          <p:cNvSpPr/>
-          <p:nvPr/>
-        </p:nvSpPr>
-        <p:spPr>
-          <a:xfrm>
-            <a:off x="443160" y="329400"/>
-            <a:ext cx="7316280" cy="856800"/>
-          </a:xfrm>
-          <a:prstGeom prst="rect">
-            <a:avLst/>
-          </a:prstGeom>
-          <a:noFill/>
-          <a:ln>
-            <a:noFill/>
-          </a:ln>
-        </p:spPr>
-        <p:style>
-          <a:lnRef idx="0"/>
-          <a:fillRef idx="0"/>
-          <a:effectRef idx="0"/>
-          <a:fontRef idx="minor"/>
-        </p:style>
-        <p:txBody>
-          <a:bodyPr lIns="0" rIns="0" tIns="0" bIns="0" anchor="b"/>
-          <a:p>
-            <a:pPr>
-              <a:lnSpc>
-                <a:spcPct val="100000"/>
-              </a:lnSpc>
-            </a:pPr>
-            <a:r>
-              <a:rPr b="1" lang="en-US" sz="2800" spc="-1" strike="noStrike">
-                <a:solidFill>
-                  <a:srgbClr val="861119"/>
-                </a:solidFill>
-                <a:uFill>
-                  <a:solidFill>
-                    <a:srgbClr val="ffffff"/>
-                  </a:solidFill>
-                </a:uFill>
-                <a:latin typeface="Arial"/>
-                <a:ea typeface="Arial"/>
-              </a:rPr>
-              <a:t>Differences in Research</a:t>
-            </a:r>
-            <a:endParaRPr b="0" lang="en-US" sz="1800" spc="-1" strike="noStrike">
-              <a:solidFill>
-                <a:srgbClr val="000000"/>
-              </a:solidFill>
-              <a:uFill>
-                <a:solidFill>
-                  <a:srgbClr val="ffffff"/>
-                </a:solidFill>
-              </a:uFill>
-              <a:latin typeface="Arial"/>
-            </a:endParaRPr>
-          </a:p>
-        </p:txBody>
-      </p:sp>
-      <p:sp>
-        <p:nvSpPr>
-          <p:cNvPr id="158" name="CustomShape 2"/>
-          <p:cNvSpPr/>
-          <p:nvPr/>
-        </p:nvSpPr>
-        <p:spPr>
-          <a:xfrm>
-            <a:off x="386640" y="1304280"/>
-            <a:ext cx="7985160" cy="3287520"/>
-          </a:xfrm>
-          <a:prstGeom prst="rect">
-            <a:avLst/>
-          </a:prstGeom>
-          <a:noFill/>
-          <a:ln>
-            <a:noFill/>
-          </a:ln>
-        </p:spPr>
-        <p:style>
-          <a:lnRef idx="0"/>
-          <a:fillRef idx="0"/>
-          <a:effectRef idx="0"/>
-          <a:fontRef idx="minor"/>
-        </p:style>
-        <p:txBody>
-          <a:bodyPr lIns="90000" rIns="90000" tIns="91440" bIns="91440"/>
-          <a:p>
-            <a:pPr marL="228600" indent="-100800">
-              <a:lnSpc>
-                <a:spcPct val="100000"/>
-              </a:lnSpc>
-              <a:buClr>
-                <a:srgbClr val="990000"/>
-              </a:buClr>
-              <a:buFont typeface="Arial"/>
-              <a:buChar char="•"/>
-            </a:pPr>
-            <a:r>
-              <a:rPr b="0" lang="en-US" sz="2000" spc="-1" strike="noStrike">
-                <a:solidFill>
-                  <a:srgbClr val="000000"/>
-                </a:solidFill>
-                <a:uFill>
-                  <a:solidFill>
-                    <a:srgbClr val="ffffff"/>
-                  </a:solidFill>
-                </a:uFill>
-                <a:latin typeface="Arial"/>
-                <a:ea typeface="Arial"/>
-              </a:rPr>
-              <a:t>Speech2Health is also attempting to create a food monitoring system using speech processing and NLP techniques</a:t>
-            </a:r>
-            <a:endParaRPr b="0" lang="en-US" sz="1800" spc="-1" strike="noStrike">
-              <a:solidFill>
-                <a:srgbClr val="000000"/>
-              </a:solidFill>
-              <a:uFill>
-                <a:solidFill>
-                  <a:srgbClr val="ffffff"/>
-                </a:solidFill>
-              </a:uFill>
-              <a:latin typeface="Arial"/>
-            </a:endParaRPr>
-          </a:p>
-          <a:p>
-            <a:pPr marL="228600" indent="-100800">
-              <a:lnSpc>
-                <a:spcPct val="100000"/>
-              </a:lnSpc>
-              <a:buClr>
-                <a:srgbClr val="990000"/>
-              </a:buClr>
-              <a:buFont typeface="Arial"/>
-              <a:buChar char="•"/>
-            </a:pPr>
-            <a:r>
-              <a:rPr b="0" lang="en-US" sz="2000" spc="-1" strike="noStrike">
-                <a:solidFill>
-                  <a:srgbClr val="000000"/>
-                </a:solidFill>
-                <a:uFill>
-                  <a:solidFill>
-                    <a:srgbClr val="ffffff"/>
-                  </a:solidFill>
-                </a:uFill>
-                <a:latin typeface="Arial"/>
-                <a:ea typeface="Arial"/>
-              </a:rPr>
-              <a:t>However, the system is specifically envisioned to be used actively</a:t>
-            </a:r>
-            <a:endParaRPr b="0" lang="en-US" sz="1800" spc="-1" strike="noStrike">
-              <a:solidFill>
-                <a:srgbClr val="000000"/>
-              </a:solidFill>
-              <a:uFill>
-                <a:solidFill>
-                  <a:srgbClr val="ffffff"/>
-                </a:solidFill>
-              </a:uFill>
-              <a:latin typeface="Arial"/>
-            </a:endParaRPr>
-          </a:p>
-          <a:p>
-            <a:pPr lvl="1" marL="864000" indent="-323640">
-              <a:lnSpc>
-                <a:spcPct val="100000"/>
-              </a:lnSpc>
-              <a:buClr>
-                <a:srgbClr val="000000"/>
-              </a:buClr>
-              <a:buSzPct val="75000"/>
-              <a:buFont typeface="Symbol"/>
-              <a:buChar char=""/>
-            </a:pPr>
-            <a:r>
-              <a:rPr b="0" lang="en-US" sz="2000" spc="-1" strike="noStrike">
-                <a:solidFill>
-                  <a:srgbClr val="000000"/>
-                </a:solidFill>
-                <a:uFill>
-                  <a:solidFill>
-                    <a:srgbClr val="ffffff"/>
-                  </a:solidFill>
-                </a:uFill>
-                <a:latin typeface="Arial"/>
-                <a:ea typeface="Arial"/>
-              </a:rPr>
-              <a:t>users press record and talk about what food they ate as well as when they ate it (e.g. breakfast, lunch, or dinner).</a:t>
-            </a:r>
-            <a:endParaRPr b="0" lang="en-US" sz="1800" spc="-1" strike="noStrike">
-              <a:solidFill>
-                <a:srgbClr val="000000"/>
-              </a:solidFill>
-              <a:uFill>
-                <a:solidFill>
-                  <a:srgbClr val="ffffff"/>
-                </a:solidFill>
-              </a:uFill>
-              <a:latin typeface="Arial"/>
-            </a:endParaRPr>
-          </a:p>
-          <a:p>
-            <a:pPr marL="228600" indent="-100800">
-              <a:lnSpc>
-                <a:spcPct val="100000"/>
-              </a:lnSpc>
-              <a:buClr>
-                <a:srgbClr val="990000"/>
-              </a:buClr>
-              <a:buFont typeface="Arial"/>
-              <a:buChar char="•"/>
-            </a:pPr>
-            <a:r>
-              <a:rPr b="0" lang="en-US" sz="2000" spc="-1" strike="noStrike">
-                <a:solidFill>
-                  <a:srgbClr val="000000"/>
-                </a:solidFill>
-                <a:uFill>
-                  <a:solidFill>
-                    <a:srgbClr val="ffffff"/>
-                  </a:solidFill>
-                </a:uFill>
-                <a:latin typeface="Arial"/>
-                <a:ea typeface="Arial"/>
-              </a:rPr>
-              <a:t>Our research so far has been into passive systems, that automatically listen to mealtime conversations (without intervention on the part of the listener). </a:t>
-            </a:r>
-            <a:endParaRPr b="0" lang="en-US" sz="1800" spc="-1" strike="noStrike">
-              <a:solidFill>
-                <a:srgbClr val="000000"/>
-              </a:solidFill>
-              <a:uFill>
-                <a:solidFill>
-                  <a:srgbClr val="ffffff"/>
-                </a:solidFill>
-              </a:uFill>
-              <a:latin typeface="Arial"/>
-            </a:endParaRPr>
-          </a:p>
-        </p:txBody>
-      </p:sp>
-    </p:spTree>
-  </p:cSld>
-  <p:transition spd="med">
-    <p:fade thruBlk="true"/>
-  </p:transition>
-  <p:timing>
-    <p:tnLst>
-      <p:par>
-        <p:cTn id="21" dur="indefinite" restart="never" nodeType="tmRoot">
-          <p:childTnLst>
-            <p:seq>
-              <p:cTn id="22" nodeType="mainSeq"/>
-              <p:prevCondLst>
-                <p:cond delay="0" evt="onPrev">
-                  <p:tgtEl>
-                    <p:sldTgt/>
-                  </p:tgtEl>
-                </p:cond>
-              </p:prevCondLst>
-              <p:nextCondLst>
-                <p:cond delay="0" evt="onNext">
-                  <p:tgtEl>
-                    <p:sldTgt/>
-                  </p:tgtEl>
-                </p:cond>
-              </p:nextCondLst>
-            </p:seq>
-          </p:childTnLst>
-        </p:cTn>
-      </p:par>
-    </p:tnLst>
-  </p:timing>
-</p:sld>
-</file>
-
-<file path=ppt/slides/slide12.xml><?xml version="1.0" encoding="utf-8"?>
-<p:sld xmlns:a="http://schemas.openxmlformats.org/drawingml/2006/main" xmlns:p="http://schemas.openxmlformats.org/presentationml/2006/main" xmlns:r="http://schemas.openxmlformats.org/officeDocument/2006/relationships" xmlns:p14="http://schemas.microsoft.com/office/powerpoint/2010/main" xmlns:p15="http://schemas.microsoft.com/office/powerpoint/2012/main" xmlns:mc="http://schemas.openxmlformats.org/markup-compatibility/2006">
-  <p:cSld>
-    <p:spTree>
-      <p:nvGrpSpPr>
-        <p:cNvPr id="1" name=""/>
-        <p:cNvGrpSpPr/>
-        <p:nvPr/>
-      </p:nvGrpSpPr>
-      <p:grpSpPr>
-        <a:xfrm>
-          <a:off x="0" y="0"/>
-          <a:ext cx="0" cy="0"/>
-          <a:chOff x="0" y="0"/>
-          <a:chExt cx="0" cy="0"/>
-        </a:xfrm>
-      </p:grpSpPr>
-      <p:sp>
-        <p:nvSpPr>
-          <p:cNvPr id="159" name="CustomShape 1"/>
-          <p:cNvSpPr/>
-          <p:nvPr/>
-        </p:nvSpPr>
-        <p:spPr>
-          <a:xfrm>
-            <a:off x="443160" y="326880"/>
-            <a:ext cx="7316280" cy="856440"/>
-          </a:xfrm>
-          <a:prstGeom prst="rect">
-            <a:avLst/>
-          </a:prstGeom>
-          <a:noFill/>
-          <a:ln>
-            <a:noFill/>
-          </a:ln>
-        </p:spPr>
-        <p:style>
-          <a:lnRef idx="0"/>
-          <a:fillRef idx="0"/>
-          <a:effectRef idx="0"/>
-          <a:fontRef idx="minor"/>
-        </p:style>
-        <p:txBody>
-          <a:bodyPr lIns="90000" rIns="90000" tIns="91440" bIns="91440" anchor="b"/>
-          <a:p>
-            <a:pPr>
-              <a:lnSpc>
-                <a:spcPct val="100000"/>
-              </a:lnSpc>
-            </a:pPr>
-            <a:r>
-              <a:rPr b="1" lang="en-US" sz="2800" spc="-1" strike="noStrike">
-                <a:solidFill>
-                  <a:srgbClr val="861119"/>
-                </a:solidFill>
-                <a:uFill>
-                  <a:solidFill>
-                    <a:srgbClr val="ffffff"/>
-                  </a:solidFill>
-                </a:uFill>
-                <a:latin typeface="Arial"/>
-                <a:ea typeface="Arial"/>
-              </a:rPr>
-              <a:t>References:</a:t>
-            </a:r>
-            <a:endParaRPr b="0" lang="en-US" sz="1800" spc="-1" strike="noStrike">
-              <a:solidFill>
-                <a:srgbClr val="000000"/>
-              </a:solidFill>
-              <a:uFill>
-                <a:solidFill>
-                  <a:srgbClr val="ffffff"/>
-                </a:solidFill>
-              </a:uFill>
-              <a:latin typeface="Arial"/>
-            </a:endParaRPr>
-          </a:p>
-        </p:txBody>
-      </p:sp>
-      <p:sp>
-        <p:nvSpPr>
-          <p:cNvPr id="160" name="CustomShape 2"/>
-          <p:cNvSpPr/>
-          <p:nvPr/>
-        </p:nvSpPr>
-        <p:spPr>
-          <a:xfrm>
-            <a:off x="386640" y="1303920"/>
-            <a:ext cx="7985160" cy="3287520"/>
-          </a:xfrm>
-          <a:prstGeom prst="rect">
-            <a:avLst/>
-          </a:prstGeom>
-          <a:noFill/>
-          <a:ln>
-            <a:noFill/>
-          </a:ln>
-        </p:spPr>
-        <p:style>
-          <a:lnRef idx="0"/>
-          <a:fillRef idx="0"/>
-          <a:effectRef idx="0"/>
-          <a:fontRef idx="minor"/>
-        </p:style>
-        <p:txBody>
-          <a:bodyPr lIns="90000" rIns="90000" tIns="91440" bIns="91440"/>
-          <a:p>
-            <a:pPr marL="228600" indent="-100800">
-              <a:lnSpc>
-                <a:spcPct val="100000"/>
-              </a:lnSpc>
-              <a:buClr>
-                <a:srgbClr val="990000"/>
-              </a:buClr>
-              <a:buFont typeface="Arial"/>
-              <a:buChar char="•"/>
-            </a:pPr>
-            <a:r>
-              <a:rPr b="0" lang="en-US" sz="1200" spc="-1" strike="noStrike">
-                <a:solidFill>
-                  <a:srgbClr val="000000"/>
-                </a:solidFill>
-                <a:uFill>
-                  <a:solidFill>
-                    <a:srgbClr val="ffffff"/>
-                  </a:solidFill>
-                </a:uFill>
-                <a:latin typeface="Arial"/>
-                <a:ea typeface="Arial"/>
-              </a:rPr>
-              <a:t>“</a:t>
-            </a:r>
-            <a:r>
-              <a:rPr b="0" i="1" lang="en-US" sz="1200" spc="-1" strike="noStrike">
-                <a:solidFill>
-                  <a:srgbClr val="000000"/>
-                </a:solidFill>
-                <a:uFill>
-                  <a:solidFill>
-                    <a:srgbClr val="ffffff"/>
-                  </a:solidFill>
-                </a:uFill>
-                <a:latin typeface="Arial"/>
-                <a:ea typeface="Arial"/>
-              </a:rPr>
-              <a:t>Speech2Health: A Mobile Framework for Monitoring Dietary Composition from Spoken Data</a:t>
-            </a:r>
-            <a:r>
-              <a:rPr b="0" lang="en-US" sz="1200" spc="-1" strike="noStrike">
-                <a:solidFill>
-                  <a:srgbClr val="000000"/>
-                </a:solidFill>
-                <a:uFill>
-                  <a:solidFill>
-                    <a:srgbClr val="ffffff"/>
-                  </a:solidFill>
-                </a:uFill>
-                <a:latin typeface="Arial"/>
-                <a:ea typeface="Arial"/>
-              </a:rPr>
-              <a:t>”. Niloofar Hezarjaribi, Sepideh Mazrouee, Hassan Ghasemzadeh. IEEE JOURNAL OF BIOMEDICAL AND HEALTH INFORMATICS, 2017.</a:t>
-            </a:r>
-            <a:endParaRPr b="0" lang="en-US" sz="1800" spc="-1" strike="noStrike">
-              <a:solidFill>
-                <a:srgbClr val="000000"/>
-              </a:solidFill>
-              <a:uFill>
-                <a:solidFill>
-                  <a:srgbClr val="ffffff"/>
-                </a:solidFill>
-              </a:uFill>
-              <a:latin typeface="Arial"/>
-            </a:endParaRPr>
-          </a:p>
-          <a:p>
-            <a:pPr marL="228600" indent="-100800">
-              <a:lnSpc>
-                <a:spcPct val="100000"/>
-              </a:lnSpc>
-              <a:buClr>
-                <a:srgbClr val="990000"/>
-              </a:buClr>
-              <a:buFont typeface="Arial"/>
-              <a:buChar char="•"/>
-            </a:pPr>
-            <a:r>
-              <a:rPr b="0" lang="en-US" sz="1200" spc="-1" strike="noStrike">
-                <a:solidFill>
-                  <a:srgbClr val="000000"/>
-                </a:solidFill>
-                <a:uFill>
-                  <a:solidFill>
-                    <a:srgbClr val="ffffff"/>
-                  </a:solidFill>
-                </a:uFill>
-                <a:latin typeface="Arial"/>
-                <a:ea typeface="Arial"/>
-              </a:rPr>
-              <a:t>“</a:t>
-            </a:r>
-            <a:r>
-              <a:rPr b="0" i="1" lang="en-US" sz="1200" spc="-1" strike="noStrike">
-                <a:solidFill>
-                  <a:srgbClr val="000000"/>
-                </a:solidFill>
-                <a:uFill>
-                  <a:solidFill>
-                    <a:srgbClr val="ffffff"/>
-                  </a:solidFill>
-                </a:uFill>
-                <a:latin typeface="Arial"/>
-                <a:ea typeface="Arial"/>
-              </a:rPr>
-              <a:t>S2NI: A Mobile Platform for Nutrition Monitoring from Spoken Data</a:t>
-            </a:r>
-            <a:r>
-              <a:rPr b="0" lang="en-US" sz="1200" spc="-1" strike="noStrike">
-                <a:solidFill>
-                  <a:srgbClr val="000000"/>
-                </a:solidFill>
-                <a:uFill>
-                  <a:solidFill>
-                    <a:srgbClr val="ffffff"/>
-                  </a:solidFill>
-                </a:uFill>
-                <a:latin typeface="Arial"/>
-                <a:ea typeface="Arial"/>
-              </a:rPr>
-              <a:t>”. Niloofar Hezarjaribi, Cody A. Reynold, Drew T. Miller, Naomi Chaytor, Hassan Ghasemzadeh. IEEE Engineering in Medicine and Biology Society. 2016</a:t>
-            </a:r>
-            <a:endParaRPr b="0" lang="en-US" sz="1800" spc="-1" strike="noStrike">
-              <a:solidFill>
-                <a:srgbClr val="000000"/>
-              </a:solidFill>
-              <a:uFill>
-                <a:solidFill>
-                  <a:srgbClr val="ffffff"/>
-                </a:solidFill>
-              </a:uFill>
-              <a:latin typeface="Arial"/>
-            </a:endParaRPr>
-          </a:p>
-          <a:p>
-            <a:pPr>
-              <a:lnSpc>
-                <a:spcPct val="100000"/>
-              </a:lnSpc>
-            </a:pPr>
-            <a:endParaRPr b="0" lang="en-US" sz="1800" spc="-1" strike="noStrike">
-              <a:solidFill>
-                <a:srgbClr val="000000"/>
-              </a:solidFill>
-              <a:uFill>
-                <a:solidFill>
-                  <a:srgbClr val="ffffff"/>
-                </a:solidFill>
-              </a:uFill>
-              <a:latin typeface="Arial"/>
-            </a:endParaRPr>
-          </a:p>
-          <a:p>
-            <a:pPr>
-              <a:lnSpc>
-                <a:spcPct val="100000"/>
-              </a:lnSpc>
-            </a:pPr>
-            <a:endParaRPr b="0" lang="en-US" sz="1800" spc="-1" strike="noStrike">
-              <a:solidFill>
-                <a:srgbClr val="000000"/>
-              </a:solidFill>
-              <a:uFill>
-                <a:solidFill>
-                  <a:srgbClr val="ffffff"/>
-                </a:solidFill>
-              </a:uFill>
-              <a:latin typeface="Arial"/>
-            </a:endParaRPr>
-          </a:p>
-        </p:txBody>
-      </p:sp>
-      <p:sp>
-        <p:nvSpPr>
-          <p:cNvPr id="161" name="CustomShape 3"/>
-          <p:cNvSpPr/>
-          <p:nvPr/>
-        </p:nvSpPr>
-        <p:spPr>
-          <a:xfrm>
-            <a:off x="6774120" y="4688280"/>
-            <a:ext cx="2133000" cy="273960"/>
-          </a:xfrm>
-          <a:prstGeom prst="rect">
-            <a:avLst/>
-          </a:prstGeom>
-          <a:noFill/>
-          <a:ln>
-            <a:noFill/>
-          </a:ln>
-        </p:spPr>
-        <p:style>
-          <a:lnRef idx="0"/>
-          <a:fillRef idx="0"/>
-          <a:effectRef idx="0"/>
-          <a:fontRef idx="minor"/>
-        </p:style>
-        <p:txBody>
-          <a:bodyPr lIns="90000" rIns="90000" tIns="45000" bIns="45000" anchor="ctr"/>
-          <a:p>
-            <a:pPr algn="r">
-              <a:lnSpc>
-                <a:spcPct val="100000"/>
-              </a:lnSpc>
-            </a:pPr>
-            <a:fld id="{98770044-25FE-44DC-A7B7-48D718F6D6F3}" type="slidenum">
-              <a:rPr b="0" lang="en-US" sz="1200" spc="-1" strike="noStrike">
-                <a:solidFill>
-                  <a:srgbClr val="888888"/>
-                </a:solidFill>
-                <a:uFill>
-                  <a:solidFill>
-                    <a:srgbClr val="ffffff"/>
-                  </a:solidFill>
-                </a:uFill>
-                <a:latin typeface="Arial"/>
-                <a:ea typeface="Arial"/>
-              </a:rPr>
-              <a:t>&lt;number&gt;</a:t>
-            </a:fld>
-            <a:endParaRPr b="0" lang="en-US" sz="1800" spc="-1" strike="noStrike">
-              <a:solidFill>
-                <a:srgbClr val="000000"/>
-              </a:solidFill>
-              <a:uFill>
-                <a:solidFill>
-                  <a:srgbClr val="ffffff"/>
-                </a:solidFill>
-              </a:uFill>
-              <a:latin typeface="Arial"/>
-            </a:endParaRPr>
-          </a:p>
-        </p:txBody>
-      </p:sp>
-    </p:spTree>
-  </p:cSld>
-  <p:transition spd="med">
-    <p:fade thruBlk="true"/>
-  </p:transition>
-  <p:timing>
-    <p:tnLst>
-      <p:par>
-        <p:cTn id="23" dur="indefinite" restart="never" nodeType="tmRoot">
-          <p:childTnLst>
-            <p:seq>
-              <p:cTn id="24" nodeType="mainSeq"/>
-              <p:prevCondLst>
-                <p:cond delay="0" evt="onPrev">
-                  <p:tgtEl>
-                    <p:sldTgt/>
-                  </p:tgtEl>
-                </p:cond>
-              </p:prevCondLst>
-              <p:nextCondLst>
-                <p:cond delay="0" evt="onNext">
-                  <p:tgtEl>
-                    <p:sldTgt/>
-                  </p:tgtEl>
-                </p:cond>
-              </p:nextCondLst>
-            </p:seq>
-          </p:childTnLst>
-        </p:cTn>
-      </p:par>
-    </p:tnLst>
-  </p:timing>
-</p:sld>
-</file>
-
-<file path=ppt/slides/slide13.xml><?xml version="1.0" encoding="utf-8"?>
-<p:sld xmlns:a="http://schemas.openxmlformats.org/drawingml/2006/main" xmlns:p="http://schemas.openxmlformats.org/presentationml/2006/main" xmlns:r="http://schemas.openxmlformats.org/officeDocument/2006/relationships" xmlns:p14="http://schemas.microsoft.com/office/powerpoint/2010/main" xmlns:p15="http://schemas.microsoft.com/office/powerpoint/2012/main" xmlns:mc="http://schemas.openxmlformats.org/markup-compatibility/2006">
-  <p:cSld>
-    <p:spTree>
-      <p:nvGrpSpPr>
-        <p:cNvPr id="1" name=""/>
-        <p:cNvGrpSpPr/>
-        <p:nvPr/>
-      </p:nvGrpSpPr>
-      <p:grpSpPr>
-        <a:xfrm>
-          <a:off x="0" y="0"/>
-          <a:ext cx="0" cy="0"/>
-          <a:chOff x="0" y="0"/>
-          <a:chExt cx="0" cy="0"/>
-        </a:xfrm>
-      </p:grpSpPr>
-      <p:sp>
-        <p:nvSpPr>
-          <p:cNvPr id="162" name="CustomShape 1"/>
-          <p:cNvSpPr/>
-          <p:nvPr/>
-        </p:nvSpPr>
-        <p:spPr>
-          <a:xfrm>
-            <a:off x="0" y="0"/>
-            <a:ext cx="9143280" cy="5142960"/>
-          </a:xfrm>
-          <a:prstGeom prst="rect">
-            <a:avLst/>
-          </a:prstGeom>
-          <a:solidFill>
-            <a:srgbClr val="5c0d1c">
-              <a:alpha val="85000"/>
-            </a:srgbClr>
-          </a:solidFill>
-          <a:ln>
-            <a:noFill/>
-          </a:ln>
-        </p:spPr>
-        <p:style>
-          <a:lnRef idx="0"/>
-          <a:fillRef idx="0"/>
-          <a:effectRef idx="0"/>
-          <a:fontRef idx="minor"/>
-        </p:style>
-      </p:sp>
-      <p:pic>
-        <p:nvPicPr>
-          <p:cNvPr id="163" name="Shape 82" descr=""/>
-          <p:cNvPicPr/>
-          <p:nvPr/>
-        </p:nvPicPr>
-        <p:blipFill>
-          <a:blip r:embed="rId1"/>
-          <a:stretch/>
-        </p:blipFill>
-        <p:spPr>
-          <a:xfrm>
-            <a:off x="3385440" y="2282040"/>
-            <a:ext cx="2111040" cy="421560"/>
-          </a:xfrm>
-          <a:prstGeom prst="rect">
-            <a:avLst/>
-          </a:prstGeom>
-          <a:ln>
-            <a:noFill/>
-          </a:ln>
-        </p:spPr>
-      </p:pic>
-    </p:spTree>
-  </p:cSld>
-  <p:transition spd="med">
-    <p:fade thruBlk="true"/>
-  </p:transition>
-  <p:timing>
-    <p:tnLst>
-      <p:par>
-        <p:cTn id="25" dur="indefinite" restart="never" nodeType="tmRoot">
-          <p:childTnLst>
-            <p:seq>
-              <p:cTn id="26" nodeType="mainSeq"/>
-              <p:prevCondLst>
-                <p:cond delay="0" evt="onPrev">
-                  <p:tgtEl>
-                    <p:sldTgt/>
-                  </p:tgtEl>
-                </p:cond>
-              </p:prevCondLst>
-              <p:nextCondLst>
-                <p:cond delay="0" evt="onNext">
-                  <p:tgtEl>
-                    <p:sldTgt/>
-                  </p:tgtEl>
-                </p:cond>
-              </p:nextCondLst>
-            </p:seq>
-          </p:childTnLst>
-        </p:cTn>
-      </p:par>
-    </p:tnLst>
-  </p:timing>
-</p:sld>
-</file>
-
 <file path=ppt/slides/slide2.xml><?xml version="1.0" encoding="utf-8"?>
 <p:sld xmlns:a="http://schemas.openxmlformats.org/drawingml/2006/main" xmlns:p="http://schemas.openxmlformats.org/presentationml/2006/main" xmlns:r="http://schemas.openxmlformats.org/officeDocument/2006/relationships" xmlns:p14="http://schemas.microsoft.com/office/powerpoint/2010/main" xmlns:p15="http://schemas.microsoft.com/office/powerpoint/2012/main" xmlns:mc="http://schemas.openxmlformats.org/markup-compatibility/2006">
   <p:cSld>
@@ -9414,7 +7282,7 @@
                 <a:latin typeface="Arial"/>
                 <a:ea typeface="Arial"/>
               </a:rPr>
-              <a:t>Automated precision system</a:t>
+              <a:t>Automated precision/recall system</a:t>
             </a:r>
             <a:endParaRPr b="0" lang="en-US" sz="1800" spc="-1" strike="noStrike">
               <a:solidFill>
@@ -9491,7 +7359,7 @@
         <p:spPr>
           <a:xfrm>
             <a:off x="443160" y="326880"/>
-            <a:ext cx="7316280" cy="856440"/>
+            <a:ext cx="7316280" cy="856800"/>
           </a:xfrm>
           <a:prstGeom prst="rect">
             <a:avLst/>
@@ -9508,7 +7376,7 @@
           <a:fontRef idx="minor"/>
         </p:style>
         <p:txBody>
-          <a:bodyPr lIns="90000" rIns="90000" tIns="91440" bIns="91440" anchor="b"/>
+          <a:bodyPr lIns="0" rIns="0" tIns="0" bIns="0" anchor="b"/>
           <a:p>
             <a:pPr>
               <a:lnSpc>
@@ -9528,7 +7396,7 @@
                 <a:latin typeface="Arial"/>
                 <a:ea typeface="Arial"/>
               </a:rPr>
-              <a:t>Papers:</a:t>
+              <a:t>Precision/Recall</a:t>
             </a:r>
             <a:endParaRPr b="0" lang="en-US" sz="1800" spc="-1" strike="noStrike">
               <a:solidFill>
@@ -9570,9 +7438,9 @@
           <a:fontRef idx="minor"/>
         </p:style>
         <p:txBody>
-          <a:bodyPr lIns="90000" rIns="90000" tIns="91440" bIns="91440"/>
-          <a:p>
-            <a:pPr marL="228600" indent="-100800">
+          <a:bodyPr lIns="90000" rIns="90000" tIns="45000" bIns="45000"/>
+          <a:p>
+            <a:pPr marL="228600" indent="-227880">
               <a:lnSpc>
                 <a:spcPct val="100000"/>
               </a:lnSpc>
@@ -9583,7 +7451,7 @@
               <a:buChar char="•"/>
             </a:pPr>
             <a:r>
-              <a:rPr b="0" i="1" lang="en-US" sz="2000" spc="-1" strike="noStrike">
+              <a:rPr b="0" lang="en-US" sz="2000" spc="-1" strike="noStrike">
                 <a:solidFill>
                   <a:srgbClr val="000000"/>
                 </a:solidFill>
@@ -9595,10 +7463,34 @@
                 <a:latin typeface="Arial"/>
                 <a:ea typeface="Arial"/>
               </a:rPr>
-              <a:t>“</a:t>
+              <a:t>Previously, calculating the precision and recall of our algorithm required going through multiple documents by hand</a:t>
             </a:r>
+            <a:endParaRPr b="0" lang="en-US" sz="1800" spc="-1" strike="noStrike">
+              <a:solidFill>
+                <a:srgbClr val="000000"/>
+              </a:solidFill>
+              <a:uFill>
+                <a:solidFill>
+                  <a:srgbClr val="ffffff"/>
+                </a:solidFill>
+              </a:uFill>
+              <a:latin typeface="Arial"/>
+            </a:endParaRPr>
+          </a:p>
+          <a:p>
+            <a:pPr lvl="1" marL="432000" indent="-216000">
+              <a:lnSpc>
+                <a:spcPct val="100000"/>
+              </a:lnSpc>
+              <a:buClr>
+                <a:srgbClr val="000000"/>
+              </a:buClr>
+              <a:buSzPct val="45000"/>
+              <a:buFont typeface="Wingdings" charset="2"/>
+              <a:buChar char=""/>
+            </a:pPr>
             <a:r>
-              <a:rPr b="0" i="1" lang="en-US" sz="2000" spc="-1" strike="noStrike">
+              <a:rPr b="0" lang="en-US" sz="2000" spc="-1" strike="noStrike">
                 <a:solidFill>
                   <a:srgbClr val="000000"/>
                 </a:solidFill>
@@ -9610,7 +7502,7 @@
                 <a:latin typeface="Arial"/>
                 <a:ea typeface="Arial"/>
               </a:rPr>
-              <a:t>Speech2Health: A Mobile Framework for Monitoring Dietary Composition from Spoken Data”</a:t>
+              <a:t>Time consuming</a:t>
             </a:r>
             <a:endParaRPr b="0" lang="en-US" sz="1800" spc="-1" strike="noStrike">
               <a:solidFill>
@@ -9625,81 +7517,7 @@
             </a:endParaRPr>
           </a:p>
           <a:p>
-            <a:pPr lvl="1" marL="573120" indent="-191520">
-              <a:lnSpc>
-                <a:spcPct val="100000"/>
-              </a:lnSpc>
-              <a:buClr>
-                <a:srgbClr val="a4a4a4"/>
-              </a:buClr>
-              <a:buFont typeface="Arial"/>
-              <a:buChar char="–"/>
-            </a:pPr>
-            <a:r>
-              <a:rPr b="0" lang="en-US" sz="1600" spc="-1" strike="noStrike">
-                <a:solidFill>
-                  <a:srgbClr val="000000"/>
-                </a:solidFill>
-                <a:uFill>
-                  <a:solidFill>
-                    <a:srgbClr val="ffffff"/>
-                  </a:solidFill>
-                </a:uFill>
-                <a:latin typeface="Arial"/>
-                <a:ea typeface="Arial"/>
-              </a:rPr>
-              <a:t>Author: Niloofar Hezarjaribi, Sepideh Mazrouee, Hassan Ghasemzadeh</a:t>
-            </a:r>
-            <a:endParaRPr b="0" lang="en-US" sz="1800" spc="-1" strike="noStrike">
-              <a:solidFill>
-                <a:srgbClr val="000000"/>
-              </a:solidFill>
-              <a:uFill>
-                <a:solidFill>
-                  <a:srgbClr val="ffffff"/>
-                </a:solidFill>
-              </a:uFill>
-              <a:latin typeface="Arial"/>
-            </a:endParaRPr>
-          </a:p>
-          <a:p>
-            <a:pPr>
-              <a:lnSpc>
-                <a:spcPct val="100000"/>
-              </a:lnSpc>
-            </a:pPr>
-            <a:endParaRPr b="0" lang="en-US" sz="1800" spc="-1" strike="noStrike">
-              <a:solidFill>
-                <a:srgbClr val="000000"/>
-              </a:solidFill>
-              <a:uFill>
-                <a:solidFill>
-                  <a:srgbClr val="ffffff"/>
-                </a:solidFill>
-              </a:uFill>
-              <a:latin typeface="Arial"/>
-            </a:endParaRPr>
-          </a:p>
-          <a:p>
-            <a:pPr>
-              <a:lnSpc>
-                <a:spcPct val="100000"/>
-              </a:lnSpc>
-            </a:pPr>
-            <a:endParaRPr b="0" lang="en-US" sz="1800" spc="-1" strike="noStrike">
-              <a:solidFill>
-                <a:srgbClr val="000000"/>
-              </a:solidFill>
-              <a:uFill>
-                <a:solidFill>
-                  <a:srgbClr val="ffffff"/>
-                </a:solidFill>
-              </a:uFill>
-              <a:latin typeface="Arial"/>
-            </a:endParaRPr>
-          </a:p>
-          <a:p>
-            <a:pPr marL="228600" indent="-100800">
+            <a:pPr marL="228600" indent="-227880">
               <a:lnSpc>
                 <a:spcPct val="100000"/>
               </a:lnSpc>
@@ -9710,7 +7528,7 @@
               <a:buChar char="•"/>
             </a:pPr>
             <a:r>
-              <a:rPr b="0" i="1" lang="en-US" sz="2000" spc="-1" strike="noStrike">
+              <a:rPr b="0" lang="en-US" sz="2000" spc="-1" strike="noStrike">
                 <a:solidFill>
                   <a:srgbClr val="000000"/>
                 </a:solidFill>
@@ -9722,10 +7540,34 @@
                 <a:latin typeface="Arial"/>
                 <a:ea typeface="Arial"/>
               </a:rPr>
-              <a:t>“</a:t>
+              <a:t>We updated our program so that it compares its tagging answers to a saved solution and automatically calculates the precision and recall</a:t>
             </a:r>
+            <a:endParaRPr b="0" lang="en-US" sz="1800" spc="-1" strike="noStrike">
+              <a:solidFill>
+                <a:srgbClr val="000000"/>
+              </a:solidFill>
+              <a:uFill>
+                <a:solidFill>
+                  <a:srgbClr val="ffffff"/>
+                </a:solidFill>
+              </a:uFill>
+              <a:latin typeface="Arial"/>
+            </a:endParaRPr>
+          </a:p>
+          <a:p>
+            <a:pPr lvl="1" marL="432000" indent="-216000">
+              <a:lnSpc>
+                <a:spcPct val="100000"/>
+              </a:lnSpc>
+              <a:buClr>
+                <a:srgbClr val="000000"/>
+              </a:buClr>
+              <a:buSzPct val="45000"/>
+              <a:buFont typeface="Wingdings" charset="2"/>
+              <a:buChar char=""/>
+            </a:pPr>
             <a:r>
-              <a:rPr b="0" i="1" lang="en-US" sz="2000" spc="-1" strike="noStrike">
+              <a:rPr b="0" lang="en-US" sz="2000" spc="-1" strike="noStrike">
                 <a:solidFill>
                   <a:srgbClr val="000000"/>
                 </a:solidFill>
@@ -9737,108 +7579,8 @@
                 <a:latin typeface="Arial"/>
                 <a:ea typeface="Arial"/>
               </a:rPr>
-              <a:t>S2NI: A Mobile Platform for Nutrition Monitoring from Spoken Data”</a:t>
+              <a:t>Currently only the file ‘admmt1.cha’ has a saved solution, as creating the solutions is labor-intensive</a:t>
             </a:r>
-            <a:endParaRPr b="0" lang="en-US" sz="1800" spc="-1" strike="noStrike">
-              <a:solidFill>
-                <a:srgbClr val="000000"/>
-              </a:solidFill>
-              <a:uFill>
-                <a:solidFill>
-                  <a:srgbClr val="ffffff"/>
-                </a:solidFill>
-              </a:uFill>
-              <a:latin typeface="Arial"/>
-            </a:endParaRPr>
-          </a:p>
-          <a:p>
-            <a:pPr lvl="1" marL="573120" indent="-191520">
-              <a:lnSpc>
-                <a:spcPct val="100000"/>
-              </a:lnSpc>
-              <a:buClr>
-                <a:srgbClr val="a4a4a4"/>
-              </a:buClr>
-              <a:buFont typeface="Arial"/>
-              <a:buChar char="–"/>
-            </a:pPr>
-            <a:r>
-              <a:rPr b="0" lang="en-US" sz="1600" spc="-1" strike="noStrike">
-                <a:solidFill>
-                  <a:srgbClr val="000000"/>
-                </a:solidFill>
-                <a:uFill>
-                  <a:solidFill>
-                    <a:srgbClr val="ffffff"/>
-                  </a:solidFill>
-                </a:uFill>
-                <a:latin typeface="Arial"/>
-                <a:ea typeface="Arial"/>
-              </a:rPr>
-              <a:t>Author: Niloofar Hezarjaribi, Cody A. Reynold, Drew T. Miller, Naomi Chaytor, Hassan Ghasemzadeh</a:t>
-            </a:r>
-            <a:endParaRPr b="0" lang="en-US" sz="1800" spc="-1" strike="noStrike">
-              <a:solidFill>
-                <a:srgbClr val="000000"/>
-              </a:solidFill>
-              <a:uFill>
-                <a:solidFill>
-                  <a:srgbClr val="ffffff"/>
-                </a:solidFill>
-              </a:uFill>
-              <a:latin typeface="Arial"/>
-            </a:endParaRPr>
-          </a:p>
-        </p:txBody>
-      </p:sp>
-      <p:sp>
-        <p:nvSpPr>
-          <p:cNvPr id="130" name="CustomShape 3"/>
-          <p:cNvSpPr/>
-          <p:nvPr/>
-        </p:nvSpPr>
-        <p:spPr>
-          <a:xfrm>
-            <a:off x="6774120" y="4688280"/>
-            <a:ext cx="2133000" cy="273960"/>
-          </a:xfrm>
-          <a:prstGeom prst="rect">
-            <a:avLst/>
-          </a:prstGeom>
-          <a:noFill/>
-          <a:ln>
-            <a:noFill/>
-          </a:ln>
-        </p:spPr>
-        <p:style>
-          <a:lnRef idx="0"/>
-          <a:fillRef idx="0"/>
-          <a:effectRef idx="0"/>
-          <a:fontRef idx="minor"/>
-        </p:style>
-        <p:txBody>
-          <a:bodyPr lIns="90000" rIns="90000" tIns="45000" bIns="45000" anchor="ctr"/>
-          <a:p>
-            <a:pPr algn="r">
-              <a:lnSpc>
-                <a:spcPct val="100000"/>
-              </a:lnSpc>
-            </a:pPr>
-            <a:fld id="{2F5F7D2B-C7E1-4E70-9682-62318590C66C}" type="slidenum">
-              <a:rPr b="0" lang="en-US" sz="1200" spc="-1" strike="noStrike">
-                <a:solidFill>
-                  <a:srgbClr val="888888"/>
-                </a:solidFill>
-                <a:uFill>
-                  <a:solidFill>
-                    <a:srgbClr val="ffffff"/>
-                  </a:solidFill>
-                </a:uFill>
-                <a:latin typeface="Arial"/>
-                <a:ea typeface="Arial"/>
-              </a:rPr>
-              <a:t>&lt;number&gt;</a:t>
-            </a:fld>
             <a:endParaRPr b="0" lang="en-US" sz="1800" spc="-1" strike="noStrike">
               <a:solidFill>
                 <a:srgbClr val="000000"/>
@@ -9907,14 +7649,14 @@
       </p:grpSpPr>
       <p:sp>
         <p:nvSpPr>
-          <p:cNvPr id="131" name="CustomShape 1"/>
+          <p:cNvPr id="130" name="CustomShape 1"/>
           <p:cNvSpPr/>
           <p:nvPr/>
         </p:nvSpPr>
         <p:spPr>
           <a:xfrm>
             <a:off x="443160" y="326880"/>
-            <a:ext cx="7316280" cy="856440"/>
+            <a:ext cx="7316280" cy="856800"/>
           </a:xfrm>
           <a:prstGeom prst="rect">
             <a:avLst/>
@@ -9931,7 +7673,7 @@
           <a:fontRef idx="minor"/>
         </p:style>
         <p:txBody>
-          <a:bodyPr lIns="90000" rIns="90000" tIns="91440" bIns="91440" anchor="b"/>
+          <a:bodyPr lIns="0" rIns="0" tIns="0" bIns="0" anchor="b"/>
           <a:p>
             <a:pPr>
               <a:lnSpc>
@@ -9948,10 +7690,10 @@
                     <a:srgbClr val="ffffff"/>
                   </a:solidFill>
                 </a:uFill>
-                <a:latin typeface="Times New Roman"/>
-                <a:ea typeface="Times New Roman"/>
+                <a:latin typeface="Arial"/>
+                <a:ea typeface="Arial"/>
               </a:rPr>
-              <a:t>Health Issues requiring Diet Management: </a:t>
+              <a:t>Precision/Recall Example</a:t>
             </a:r>
             <a:endParaRPr b="0" lang="en-US" sz="1800" spc="-1" strike="noStrike">
               <a:solidFill>
@@ -9969,7 +7711,7 @@
       </p:sp>
       <p:sp>
         <p:nvSpPr>
-          <p:cNvPr id="132" name="CustomShape 2"/>
+          <p:cNvPr id="131" name="CustomShape 2"/>
           <p:cNvSpPr/>
           <p:nvPr/>
         </p:nvSpPr>
@@ -9993,9 +7735,9 @@
           <a:fontRef idx="minor"/>
         </p:style>
         <p:txBody>
-          <a:bodyPr lIns="90000" rIns="90000" tIns="91440" bIns="91440"/>
-          <a:p>
-            <a:pPr marL="339840" indent="-339120">
+          <a:bodyPr lIns="90000" rIns="90000" tIns="45000" bIns="45000"/>
+          <a:p>
+            <a:pPr marL="228600" indent="-227880">
               <a:lnSpc>
                 <a:spcPct val="100000"/>
               </a:lnSpc>
@@ -10015,10 +7757,10 @@
                     <a:srgbClr val="ffffff"/>
                   </a:solidFill>
                 </a:uFill>
-                <a:latin typeface="Times New Roman"/>
-                <a:ea typeface="Times New Roman"/>
+                <a:latin typeface="Arial"/>
+                <a:ea typeface="Arial"/>
               </a:rPr>
-              <a:t>Chronic Diseases</a:t>
+              <a:t>Using the file ‘admmt1.cha’:</a:t>
             </a:r>
             <a:endParaRPr b="0" lang="en-US" sz="1800" spc="-1" strike="noStrike">
               <a:solidFill>
@@ -10033,176 +7775,21 @@
             </a:endParaRPr>
           </a:p>
           <a:p>
-            <a:pPr marL="339840" indent="-339120">
+            <a:pPr lvl="1" marL="432000" indent="-216000">
               <a:lnSpc>
                 <a:spcPct val="100000"/>
               </a:lnSpc>
               <a:buClr>
-                <a:srgbClr val="990000"/>
+                <a:srgbClr val="000000"/>
               </a:buClr>
-              <a:buFont typeface="Arial"/>
-              <a:buChar char="•"/>
+              <a:buSzPct val="45000"/>
+              <a:buFont typeface="Wingdings" charset="2"/>
+              <a:buChar char=""/>
             </a:pPr>
             <a:r>
               <a:rPr b="0" lang="en-US" sz="2000" spc="-1" strike="noStrike">
                 <a:solidFill>
                   <a:srgbClr val="000000"/>
-                </a:solidFill>
-                <a:uFill>
-                  <a:solidFill>
-                    <a:srgbClr val="ffffff"/>
-                  </a:solidFill>
-                </a:uFill>
-                <a:latin typeface="Times New Roman"/>
-                <a:ea typeface="Times New Roman"/>
-              </a:rPr>
-              <a:t>Diabetes</a:t>
-            </a:r>
-            <a:endParaRPr b="0" lang="en-US" sz="1800" spc="-1" strike="noStrike">
-              <a:solidFill>
-                <a:srgbClr val="000000"/>
-              </a:solidFill>
-              <a:uFill>
-                <a:solidFill>
-                  <a:srgbClr val="ffffff"/>
-                </a:solidFill>
-              </a:uFill>
-              <a:latin typeface="Arial"/>
-            </a:endParaRPr>
-          </a:p>
-          <a:p>
-            <a:pPr marL="339840" indent="-339120">
-              <a:lnSpc>
-                <a:spcPct val="100000"/>
-              </a:lnSpc>
-              <a:buClr>
-                <a:srgbClr val="990000"/>
-              </a:buClr>
-              <a:buFont typeface="Arial"/>
-              <a:buChar char="•"/>
-            </a:pPr>
-            <a:r>
-              <a:rPr b="0" lang="en-US" sz="2000" spc="-1" strike="noStrike">
-                <a:solidFill>
-                  <a:srgbClr val="000000"/>
-                </a:solidFill>
-                <a:uFill>
-                  <a:solidFill>
-                    <a:srgbClr val="ffffff"/>
-                  </a:solidFill>
-                </a:uFill>
-                <a:latin typeface="Times New Roman"/>
-                <a:ea typeface="Times New Roman"/>
-              </a:rPr>
-              <a:t>Cardiovascular Disease</a:t>
-            </a:r>
-            <a:endParaRPr b="0" lang="en-US" sz="1800" spc="-1" strike="noStrike">
-              <a:solidFill>
-                <a:srgbClr val="000000"/>
-              </a:solidFill>
-              <a:uFill>
-                <a:solidFill>
-                  <a:srgbClr val="ffffff"/>
-                </a:solidFill>
-              </a:uFill>
-              <a:latin typeface="Arial"/>
-            </a:endParaRPr>
-          </a:p>
-          <a:p>
-            <a:pPr marL="339840" indent="-339120">
-              <a:lnSpc>
-                <a:spcPct val="100000"/>
-              </a:lnSpc>
-              <a:buClr>
-                <a:srgbClr val="990000"/>
-              </a:buClr>
-              <a:buFont typeface="Arial"/>
-              <a:buChar char="•"/>
-            </a:pPr>
-            <a:r>
-              <a:rPr b="0" lang="en-US" sz="2000" spc="-1" strike="noStrike">
-                <a:solidFill>
-                  <a:srgbClr val="000000"/>
-                </a:solidFill>
-                <a:uFill>
-                  <a:solidFill>
-                    <a:srgbClr val="ffffff"/>
-                  </a:solidFill>
-                </a:uFill>
-                <a:latin typeface="Times New Roman"/>
-                <a:ea typeface="Times New Roman"/>
-              </a:rPr>
-              <a:t>Obesity </a:t>
-            </a:r>
-            <a:endParaRPr b="0" lang="en-US" sz="1800" spc="-1" strike="noStrike">
-              <a:solidFill>
-                <a:srgbClr val="000000"/>
-              </a:solidFill>
-              <a:uFill>
-                <a:solidFill>
-                  <a:srgbClr val="ffffff"/>
-                </a:solidFill>
-              </a:uFill>
-              <a:latin typeface="Arial"/>
-            </a:endParaRPr>
-          </a:p>
-          <a:p>
-            <a:pPr>
-              <a:lnSpc>
-                <a:spcPct val="100000"/>
-              </a:lnSpc>
-            </a:pPr>
-            <a:endParaRPr b="0" lang="en-US" sz="1800" spc="-1" strike="noStrike">
-              <a:solidFill>
-                <a:srgbClr val="000000"/>
-              </a:solidFill>
-              <a:uFill>
-                <a:solidFill>
-                  <a:srgbClr val="ffffff"/>
-                </a:solidFill>
-              </a:uFill>
-              <a:latin typeface="Arial"/>
-            </a:endParaRPr>
-          </a:p>
-        </p:txBody>
-      </p:sp>
-      <p:sp>
-        <p:nvSpPr>
-          <p:cNvPr id="133" name="CustomShape 3"/>
-          <p:cNvSpPr/>
-          <p:nvPr/>
-        </p:nvSpPr>
-        <p:spPr>
-          <a:xfrm>
-            <a:off x="6774120" y="4688280"/>
-            <a:ext cx="2133000" cy="273960"/>
-          </a:xfrm>
-          <a:prstGeom prst="rect">
-            <a:avLst/>
-          </a:prstGeom>
-          <a:noFill/>
-          <a:ln>
-            <a:noFill/>
-          </a:ln>
-        </p:spPr>
-        <p:style>
-          <a:lnRef idx="0"/>
-          <a:fillRef idx="0"/>
-          <a:effectRef idx="0"/>
-          <a:fontRef idx="minor"/>
-        </p:style>
-        <p:txBody>
-          <a:bodyPr lIns="90000" rIns="90000" tIns="45000" bIns="45000" anchor="ctr"/>
-          <a:p>
-            <a:pPr algn="r">
-              <a:lnSpc>
-                <a:spcPct val="100000"/>
-              </a:lnSpc>
-            </a:pPr>
-            <a:fld id="{8A45D0A0-75DE-4E3F-820F-9AC2E3934178}" type="slidenum">
-              <a:rPr b="0" lang="en-US" sz="1200" spc="-1" strike="noStrike">
-                <a:solidFill>
-                  <a:srgbClr val="888888"/>
                 </a:solidFill>
                 <a:uFill>
                   <a:solidFill>
@@ -10212,8 +7799,47 @@
                 <a:latin typeface="Arial"/>
                 <a:ea typeface="Arial"/>
               </a:rPr>
-              <a:t>&lt;number&gt;</a:t>
-            </a:fld>
+              <a:t>precision: 0.65625</a:t>
+            </a:r>
+            <a:endParaRPr b="0" lang="en-US" sz="1800" spc="-1" strike="noStrike">
+              <a:solidFill>
+                <a:srgbClr val="000000"/>
+              </a:solidFill>
+              <a:uFill>
+                <a:solidFill>
+                  <a:srgbClr val="ffffff"/>
+                </a:solidFill>
+              </a:uFill>
+              <a:latin typeface="Arial"/>
+            </a:endParaRPr>
+          </a:p>
+          <a:p>
+            <a:pPr lvl="1" marL="432000" indent="-216000">
+              <a:lnSpc>
+                <a:spcPct val="100000"/>
+              </a:lnSpc>
+              <a:buClr>
+                <a:srgbClr val="000000"/>
+              </a:buClr>
+              <a:buSzPct val="45000"/>
+              <a:buFont typeface="Wingdings" charset="2"/>
+              <a:buChar char=""/>
+            </a:pPr>
+            <a:r>
+              <a:rPr b="0" lang="en-US" sz="2000" spc="-1" strike="noStrike">
+                <a:solidFill>
+                  <a:srgbClr val="000000"/>
+                </a:solidFill>
+                <a:uFill>
+                  <a:solidFill>
+                    <a:srgbClr val="ffffff"/>
+                  </a:solidFill>
+                </a:uFill>
+                <a:latin typeface="Arial"/>
+                <a:ea typeface="Arial"/>
+              </a:rPr>
+              <a:t>recall: 0.724137931034</a:t>
+            </a:r>
             <a:endParaRPr b="0" lang="en-US" sz="1800" spc="-1" strike="noStrike">
               <a:solidFill>
                 <a:srgbClr val="000000"/>
@@ -10282,14 +7908,14 @@
       </p:grpSpPr>
       <p:sp>
         <p:nvSpPr>
-          <p:cNvPr id="134" name="CustomShape 1"/>
+          <p:cNvPr id="132" name="CustomShape 1"/>
           <p:cNvSpPr/>
           <p:nvPr/>
         </p:nvSpPr>
         <p:spPr>
           <a:xfrm>
-            <a:off x="308880" y="-248040"/>
-            <a:ext cx="7316280" cy="856440"/>
+            <a:off x="443160" y="326880"/>
+            <a:ext cx="7316280" cy="856800"/>
           </a:xfrm>
           <a:prstGeom prst="rect">
             <a:avLst/>
@@ -10306,7 +7932,7 @@
           <a:fontRef idx="minor"/>
         </p:style>
         <p:txBody>
-          <a:bodyPr lIns="90000" rIns="90000" tIns="91440" bIns="91440" anchor="b"/>
+          <a:bodyPr lIns="0" rIns="0" tIns="0" bIns="0" anchor="b"/>
           <a:p>
             <a:pPr>
               <a:lnSpc>
@@ -10326,7 +7952,7 @@
                 <a:latin typeface="Arial"/>
                 <a:ea typeface="Arial"/>
               </a:rPr>
-              <a:t>Architecture</a:t>
+              <a:t>Precision/Recall Example</a:t>
             </a:r>
             <a:endParaRPr b="0" lang="en-US" sz="1800" spc="-1" strike="noStrike">
               <a:solidFill>
@@ -10344,7 +7970,7 @@
       </p:sp>
       <p:sp>
         <p:nvSpPr>
-          <p:cNvPr id="135" name="CustomShape 2"/>
+          <p:cNvPr id="133" name="CustomShape 2"/>
           <p:cNvSpPr/>
           <p:nvPr/>
         </p:nvSpPr>
@@ -10367,44 +7993,18 @@
           <a:effectRef idx="0"/>
           <a:fontRef idx="minor"/>
         </p:style>
-      </p:sp>
-      <p:sp>
-        <p:nvSpPr>
-          <p:cNvPr id="136" name="CustomShape 3"/>
-          <p:cNvSpPr/>
-          <p:nvPr/>
-        </p:nvSpPr>
-        <p:spPr>
-          <a:xfrm>
-            <a:off x="6774120" y="4688280"/>
-            <a:ext cx="2133000" cy="273960"/>
-          </a:xfrm>
-          <a:prstGeom prst="rect">
-            <a:avLst/>
-          </a:prstGeom>
-          <a:noFill/>
-          <a:ln>
-            <a:noFill/>
-          </a:ln>
-        </p:spPr>
-        <p:style>
-          <a:lnRef idx="0"/>
-          <a:fillRef idx="0"/>
-          <a:effectRef idx="0"/>
-          <a:fontRef idx="minor"/>
-        </p:style>
-        <p:txBody>
-          <a:bodyPr lIns="90000" rIns="90000" tIns="45000" bIns="45000" anchor="ctr"/>
-          <a:p>
-            <a:pPr algn="r">
+        <p:txBody>
+          <a:bodyPr lIns="90000" rIns="90000" tIns="45000" bIns="45000"/>
+          <a:p>
+            <a:pPr>
               <a:lnSpc>
                 <a:spcPct val="100000"/>
               </a:lnSpc>
             </a:pPr>
-            <a:fld id="{55E2667F-3C9A-4BC4-94DA-F5BDDAC34CF8}" type="slidenum">
-              <a:rPr b="0" lang="en-US" sz="1200" spc="-1" strike="noStrike">
-                <a:solidFill>
-                  <a:srgbClr val="888888"/>
+            <a:r>
+              <a:rPr b="0" lang="en-US" sz="900" spc="-1" strike="noStrike">
+                <a:solidFill>
+                  <a:srgbClr val="000000"/>
                 </a:solidFill>
                 <a:uFill>
                   <a:solidFill>
@@ -10414,8 +8014,8 @@
                 <a:latin typeface="Arial"/>
                 <a:ea typeface="Arial"/>
               </a:rPr>
-              <a:t>&lt;number&gt;</a:t>
-            </a:fld>
+              <a:t>true positives:[(79, (22, 29)), (79, (34, 38)), (99, (31, 40)), (104, (14, 21)), (115, (21, 28)), (121, (48, 55)), (134, (37, 44)), (155, (15, 21)), (276, (27, 31)), (276, (36, 42)), (284, (30, 36)), (284, (41, 46)), (308, (20, 25)), (308, (30, 36)), (314, (15, 22)), (314, (60, 66)), (329, (19, 24)), (329, (29, 35)), (651, (18, 24)), (810, (55, 60)), (869, (16, 23))]</a:t>
+            </a:r>
             <a:endParaRPr b="0" lang="en-US" sz="1800" spc="-1" strike="noStrike">
               <a:solidFill>
                 <a:srgbClr val="000000"/>
@@ -10428,31 +8028,734 @@
               <a:latin typeface="Arial"/>
             </a:endParaRPr>
           </a:p>
-        </p:txBody>
-      </p:sp>
-      <p:pic>
-        <p:nvPicPr>
-          <p:cNvPr id="137" name="Picture 7" descr=""/>
-          <p:cNvPicPr/>
-          <p:nvPr/>
-        </p:nvPicPr>
-        <p:blipFill>
-          <a:blip r:embed="rId1"/>
-          <a:stretch/>
-        </p:blipFill>
-        <p:spPr>
-          <a:xfrm>
-            <a:off x="982800" y="498240"/>
-            <a:ext cx="4775400" cy="4389120"/>
-          </a:xfrm>
-          <a:prstGeom prst="rect">
-            <a:avLst/>
-          </a:prstGeom>
-          <a:ln>
-            <a:noFill/>
-          </a:ln>
-        </p:spPr>
-      </p:pic>
+          <a:p>
+            <a:pPr>
+              <a:lnSpc>
+                <a:spcPct val="100000"/>
+              </a:lnSpc>
+            </a:pPr>
+            <a:r>
+              <a:rPr b="0" lang="en-US" sz="900" spc="-1" strike="noStrike">
+                <a:solidFill>
+                  <a:srgbClr val="000000"/>
+                </a:solidFill>
+                <a:uFill>
+                  <a:solidFill>
+                    <a:srgbClr val="ffffff"/>
+                  </a:solidFill>
+                </a:uFill>
+                <a:latin typeface="Arial"/>
+                <a:ea typeface="Arial"/>
+              </a:rPr>
+              <a:t>lines:</a:t>
+            </a:r>
+            <a:endParaRPr b="0" lang="en-US" sz="1800" spc="-1" strike="noStrike">
+              <a:solidFill>
+                <a:srgbClr val="000000"/>
+              </a:solidFill>
+              <a:uFill>
+                <a:solidFill>
+                  <a:srgbClr val="ffffff"/>
+                </a:solidFill>
+              </a:uFill>
+              <a:latin typeface="Arial"/>
+            </a:endParaRPr>
+          </a:p>
+          <a:p>
+            <a:pPr>
+              <a:lnSpc>
+                <a:spcPct val="100000"/>
+              </a:lnSpc>
+            </a:pPr>
+            <a:r>
+              <a:rPr b="0" lang="en-US" sz="900" spc="-1" strike="noStrike">
+                <a:solidFill>
+                  <a:srgbClr val="000000"/>
+                </a:solidFill>
+                <a:uFill>
+                  <a:solidFill>
+                    <a:srgbClr val="ffffff"/>
+                  </a:solidFill>
+                </a:uFill>
+                <a:latin typeface="Arial"/>
+                <a:ea typeface="Arial"/>
+              </a:rPr>
+              <a:t>((79, (22, 29)), '*MOT:\tKim got lots_of carrots and peas in the xxx .\n')</a:t>
+            </a:r>
+            <a:endParaRPr b="0" lang="en-US" sz="1800" spc="-1" strike="noStrike">
+              <a:solidFill>
+                <a:srgbClr val="000000"/>
+              </a:solidFill>
+              <a:uFill>
+                <a:solidFill>
+                  <a:srgbClr val="ffffff"/>
+                </a:solidFill>
+              </a:uFill>
+              <a:latin typeface="Arial"/>
+            </a:endParaRPr>
+          </a:p>
+          <a:p>
+            <a:pPr>
+              <a:lnSpc>
+                <a:spcPct val="100000"/>
+              </a:lnSpc>
+            </a:pPr>
+            <a:r>
+              <a:rPr b="0" lang="en-US" sz="900" spc="-1" strike="noStrike">
+                <a:solidFill>
+                  <a:srgbClr val="000000"/>
+                </a:solidFill>
+                <a:uFill>
+                  <a:solidFill>
+                    <a:srgbClr val="ffffff"/>
+                  </a:solidFill>
+                </a:uFill>
+                <a:latin typeface="Arial"/>
+                <a:ea typeface="Arial"/>
+              </a:rPr>
+              <a:t>((79, (34, 38)), '*MOT:\tKim got lots_of carrots and peas in the xxx .\n')</a:t>
+            </a:r>
+            <a:endParaRPr b="0" lang="en-US" sz="1800" spc="-1" strike="noStrike">
+              <a:solidFill>
+                <a:srgbClr val="000000"/>
+              </a:solidFill>
+              <a:uFill>
+                <a:solidFill>
+                  <a:srgbClr val="ffffff"/>
+                </a:solidFill>
+              </a:uFill>
+              <a:latin typeface="Arial"/>
+            </a:endParaRPr>
+          </a:p>
+          <a:p>
+            <a:pPr>
+              <a:lnSpc>
+                <a:spcPct val="100000"/>
+              </a:lnSpc>
+            </a:pPr>
+            <a:r>
+              <a:rPr b="0" lang="en-US" sz="900" spc="-1" strike="noStrike">
+                <a:solidFill>
+                  <a:srgbClr val="000000"/>
+                </a:solidFill>
+                <a:uFill>
+                  <a:solidFill>
+                    <a:srgbClr val="ffffff"/>
+                  </a:solidFill>
+                </a:uFill>
+                <a:latin typeface="Arial"/>
+                <a:ea typeface="Arial"/>
+              </a:rPr>
+              <a:t>((99, (31, 40)), "*FAT:\tAdam's not gonna eat her beef stew .\n")</a:t>
+            </a:r>
+            <a:endParaRPr b="0" lang="en-US" sz="1800" spc="-1" strike="noStrike">
+              <a:solidFill>
+                <a:srgbClr val="000000"/>
+              </a:solidFill>
+              <a:uFill>
+                <a:solidFill>
+                  <a:srgbClr val="ffffff"/>
+                </a:solidFill>
+              </a:uFill>
+              <a:latin typeface="Arial"/>
+            </a:endParaRPr>
+          </a:p>
+          <a:p>
+            <a:pPr>
+              <a:lnSpc>
+                <a:spcPct val="100000"/>
+              </a:lnSpc>
+            </a:pPr>
+            <a:r>
+              <a:rPr b="0" lang="en-US" sz="900" spc="-1" strike="noStrike">
+                <a:solidFill>
+                  <a:srgbClr val="000000"/>
+                </a:solidFill>
+                <a:uFill>
+                  <a:solidFill>
+                    <a:srgbClr val="ffffff"/>
+                  </a:solidFill>
+                </a:uFill>
+                <a:latin typeface="Arial"/>
+                <a:ea typeface="Arial"/>
+              </a:rPr>
+              <a:t>((104, (14, 21)), '*MOT:\tsee the carrots in there ?\n')</a:t>
+            </a:r>
+            <a:endParaRPr b="0" lang="en-US" sz="1800" spc="-1" strike="noStrike">
+              <a:solidFill>
+                <a:srgbClr val="000000"/>
+              </a:solidFill>
+              <a:uFill>
+                <a:solidFill>
+                  <a:srgbClr val="ffffff"/>
+                </a:solidFill>
+              </a:uFill>
+              <a:latin typeface="Arial"/>
+            </a:endParaRPr>
+          </a:p>
+          <a:p>
+            <a:pPr>
+              <a:lnSpc>
+                <a:spcPct val="100000"/>
+              </a:lnSpc>
+            </a:pPr>
+            <a:r>
+              <a:rPr b="0" lang="en-US" sz="900" spc="-1" strike="noStrike">
+                <a:solidFill>
+                  <a:srgbClr val="000000"/>
+                </a:solidFill>
+                <a:uFill>
+                  <a:solidFill>
+                    <a:srgbClr val="ffffff"/>
+                  </a:solidFill>
+                </a:uFill>
+                <a:latin typeface="Arial"/>
+                <a:ea typeface="Arial"/>
+              </a:rPr>
+              <a:t>((115, (21, 28)), '*CHI:\t&lt;I have my xxx carrots&gt; [&lt;] .\n')</a:t>
+            </a:r>
+            <a:endParaRPr b="0" lang="en-US" sz="1800" spc="-1" strike="noStrike">
+              <a:solidFill>
+                <a:srgbClr val="000000"/>
+              </a:solidFill>
+              <a:uFill>
+                <a:solidFill>
+                  <a:srgbClr val="ffffff"/>
+                </a:solidFill>
+              </a:uFill>
+              <a:latin typeface="Arial"/>
+            </a:endParaRPr>
+          </a:p>
+          <a:p>
+            <a:pPr>
+              <a:lnSpc>
+                <a:spcPct val="100000"/>
+              </a:lnSpc>
+            </a:pPr>
+            <a:r>
+              <a:rPr b="0" lang="en-US" sz="900" spc="-1" strike="noStrike">
+                <a:solidFill>
+                  <a:srgbClr val="000000"/>
+                </a:solidFill>
+                <a:uFill>
+                  <a:solidFill>
+                    <a:srgbClr val="ffffff"/>
+                  </a:solidFill>
+                </a:uFill>
+                <a:latin typeface="Arial"/>
+                <a:ea typeface="Arial"/>
+              </a:rPr>
+              <a:t>((121, (48, 55)), '*MOT:\tsee if we can &lt;find some more of&gt; [&gt;] the carrots in here .\n')</a:t>
+            </a:r>
+            <a:endParaRPr b="0" lang="en-US" sz="1800" spc="-1" strike="noStrike">
+              <a:solidFill>
+                <a:srgbClr val="000000"/>
+              </a:solidFill>
+              <a:uFill>
+                <a:solidFill>
+                  <a:srgbClr val="ffffff"/>
+                </a:solidFill>
+              </a:uFill>
+              <a:latin typeface="Arial"/>
+            </a:endParaRPr>
+          </a:p>
+          <a:p>
+            <a:pPr>
+              <a:lnSpc>
+                <a:spcPct val="100000"/>
+              </a:lnSpc>
+            </a:pPr>
+            <a:r>
+              <a:rPr b="0" lang="en-US" sz="900" spc="-1" strike="noStrike">
+                <a:solidFill>
+                  <a:srgbClr val="000000"/>
+                </a:solidFill>
+                <a:uFill>
+                  <a:solidFill>
+                    <a:srgbClr val="ffffff"/>
+                  </a:solidFill>
+                </a:uFill>
+                <a:latin typeface="Arial"/>
+                <a:ea typeface="Arial"/>
+              </a:rPr>
+              <a:t>((134, (37, 44)), "*MOT:\there you go here's some of the carrots right on top !\n")</a:t>
+            </a:r>
+            <a:endParaRPr b="0" lang="en-US" sz="1800" spc="-1" strike="noStrike">
+              <a:solidFill>
+                <a:srgbClr val="000000"/>
+              </a:solidFill>
+              <a:uFill>
+                <a:solidFill>
+                  <a:srgbClr val="ffffff"/>
+                </a:solidFill>
+              </a:uFill>
+              <a:latin typeface="Arial"/>
+            </a:endParaRPr>
+          </a:p>
+          <a:p>
+            <a:pPr>
+              <a:lnSpc>
+                <a:spcPct val="100000"/>
+              </a:lnSpc>
+            </a:pPr>
+            <a:r>
+              <a:rPr b="0" lang="en-US" sz="900" spc="-1" strike="noStrike">
+                <a:solidFill>
+                  <a:srgbClr val="000000"/>
+                </a:solidFill>
+                <a:uFill>
+                  <a:solidFill>
+                    <a:srgbClr val="ffffff"/>
+                  </a:solidFill>
+                </a:uFill>
+                <a:latin typeface="Arial"/>
+                <a:ea typeface="Arial"/>
+              </a:rPr>
+              <a:t>((155, (15, 21)), '*CHI:\tI have a carrot haha [x 2] &amp;=singing .\n')</a:t>
+            </a:r>
+            <a:endParaRPr b="0" lang="en-US" sz="1800" spc="-1" strike="noStrike">
+              <a:solidFill>
+                <a:srgbClr val="000000"/>
+              </a:solidFill>
+              <a:uFill>
+                <a:solidFill>
+                  <a:srgbClr val="ffffff"/>
+                </a:solidFill>
+              </a:uFill>
+              <a:latin typeface="Arial"/>
+            </a:endParaRPr>
+          </a:p>
+          <a:p>
+            <a:pPr>
+              <a:lnSpc>
+                <a:spcPct val="100000"/>
+              </a:lnSpc>
+            </a:pPr>
+            <a:r>
+              <a:rPr b="0" lang="en-US" sz="900" spc="-1" strike="noStrike">
+                <a:solidFill>
+                  <a:srgbClr val="000000"/>
+                </a:solidFill>
+                <a:uFill>
+                  <a:solidFill>
+                    <a:srgbClr val="ffffff"/>
+                  </a:solidFill>
+                </a:uFill>
+                <a:latin typeface="Arial"/>
+                <a:ea typeface="Arial"/>
+              </a:rPr>
+              <a:t>((276, (27, 31)), '*MOT:\t&lt;let me&gt; [&lt;] see the salt and pepper .\n')</a:t>
+            </a:r>
+            <a:endParaRPr b="0" lang="en-US" sz="1800" spc="-1" strike="noStrike">
+              <a:solidFill>
+                <a:srgbClr val="000000"/>
+              </a:solidFill>
+              <a:uFill>
+                <a:solidFill>
+                  <a:srgbClr val="ffffff"/>
+                </a:solidFill>
+              </a:uFill>
+              <a:latin typeface="Arial"/>
+            </a:endParaRPr>
+          </a:p>
+          <a:p>
+            <a:pPr>
+              <a:lnSpc>
+                <a:spcPct val="100000"/>
+              </a:lnSpc>
+            </a:pPr>
+            <a:r>
+              <a:rPr b="0" lang="en-US" sz="900" spc="-1" strike="noStrike">
+                <a:solidFill>
+                  <a:srgbClr val="000000"/>
+                </a:solidFill>
+                <a:uFill>
+                  <a:solidFill>
+                    <a:srgbClr val="ffffff"/>
+                  </a:solidFill>
+                </a:uFill>
+                <a:latin typeface="Arial"/>
+                <a:ea typeface="Arial"/>
+              </a:rPr>
+              <a:t>((276, (36, 42)), '*MOT:\t&lt;let me&gt; [&lt;] see the salt and pepper .\n')</a:t>
+            </a:r>
+            <a:endParaRPr b="0" lang="en-US" sz="1800" spc="-1" strike="noStrike">
+              <a:solidFill>
+                <a:srgbClr val="000000"/>
+              </a:solidFill>
+              <a:uFill>
+                <a:solidFill>
+                  <a:srgbClr val="ffffff"/>
+                </a:solidFill>
+              </a:uFill>
+              <a:latin typeface="Arial"/>
+            </a:endParaRPr>
+          </a:p>
+          <a:p>
+            <a:pPr>
+              <a:lnSpc>
+                <a:spcPct val="100000"/>
+              </a:lnSpc>
+            </a:pPr>
+            <a:r>
+              <a:rPr b="0" lang="en-US" sz="900" spc="-1" strike="noStrike">
+                <a:solidFill>
+                  <a:srgbClr val="000000"/>
+                </a:solidFill>
+                <a:uFill>
+                  <a:solidFill>
+                    <a:srgbClr val="ffffff"/>
+                  </a:solidFill>
+                </a:uFill>
+                <a:latin typeface="Arial"/>
+                <a:ea typeface="Arial"/>
+              </a:rPr>
+              <a:t>((284, (30, 36)), "*MOT:\tsure you don't want any butter and bread Adam ?\n")</a:t>
+            </a:r>
+            <a:endParaRPr b="0" lang="en-US" sz="1800" spc="-1" strike="noStrike">
+              <a:solidFill>
+                <a:srgbClr val="000000"/>
+              </a:solidFill>
+              <a:uFill>
+                <a:solidFill>
+                  <a:srgbClr val="ffffff"/>
+                </a:solidFill>
+              </a:uFill>
+              <a:latin typeface="Arial"/>
+            </a:endParaRPr>
+          </a:p>
+          <a:p>
+            <a:pPr>
+              <a:lnSpc>
+                <a:spcPct val="100000"/>
+              </a:lnSpc>
+            </a:pPr>
+            <a:r>
+              <a:rPr b="0" lang="en-US" sz="900" spc="-1" strike="noStrike">
+                <a:solidFill>
+                  <a:srgbClr val="000000"/>
+                </a:solidFill>
+                <a:uFill>
+                  <a:solidFill>
+                    <a:srgbClr val="ffffff"/>
+                  </a:solidFill>
+                </a:uFill>
+                <a:latin typeface="Arial"/>
+                <a:ea typeface="Arial"/>
+              </a:rPr>
+              <a:t>((284, (41, 46)), "*MOT:\tsure you don't want any butter and bread Adam ?\n")</a:t>
+            </a:r>
+            <a:endParaRPr b="0" lang="en-US" sz="1800" spc="-1" strike="noStrike">
+              <a:solidFill>
+                <a:srgbClr val="000000"/>
+              </a:solidFill>
+              <a:uFill>
+                <a:solidFill>
+                  <a:srgbClr val="ffffff"/>
+                </a:solidFill>
+              </a:uFill>
+              <a:latin typeface="Arial"/>
+            </a:endParaRPr>
+          </a:p>
+          <a:p>
+            <a:pPr>
+              <a:lnSpc>
+                <a:spcPct val="100000"/>
+              </a:lnSpc>
+            </a:pPr>
+            <a:r>
+              <a:rPr b="0" lang="en-US" sz="900" spc="-1" strike="noStrike">
+                <a:solidFill>
+                  <a:srgbClr val="000000"/>
+                </a:solidFill>
+                <a:uFill>
+                  <a:solidFill>
+                    <a:srgbClr val="ffffff"/>
+                  </a:solidFill>
+                </a:uFill>
+                <a:latin typeface="Arial"/>
+                <a:ea typeface="Arial"/>
+              </a:rPr>
+              <a:t>((308, (20, 25)), '*MOT:\tyou want some bread and butter ?\n')</a:t>
+            </a:r>
+            <a:endParaRPr b="0" lang="en-US" sz="1800" spc="-1" strike="noStrike">
+              <a:solidFill>
+                <a:srgbClr val="000000"/>
+              </a:solidFill>
+              <a:uFill>
+                <a:solidFill>
+                  <a:srgbClr val="ffffff"/>
+                </a:solidFill>
+              </a:uFill>
+              <a:latin typeface="Arial"/>
+            </a:endParaRPr>
+          </a:p>
+          <a:p>
+            <a:pPr>
+              <a:lnSpc>
+                <a:spcPct val="100000"/>
+              </a:lnSpc>
+            </a:pPr>
+            <a:r>
+              <a:rPr b="0" lang="en-US" sz="900" spc="-1" strike="noStrike">
+                <a:solidFill>
+                  <a:srgbClr val="000000"/>
+                </a:solidFill>
+                <a:uFill>
+                  <a:solidFill>
+                    <a:srgbClr val="ffffff"/>
+                  </a:solidFill>
+                </a:uFill>
+                <a:latin typeface="Arial"/>
+                <a:ea typeface="Arial"/>
+              </a:rPr>
+              <a:t>((308, (30, 36)), '*MOT:\tyou want some bread and butter ?\n')</a:t>
+            </a:r>
+            <a:endParaRPr b="0" lang="en-US" sz="1800" spc="-1" strike="noStrike">
+              <a:solidFill>
+                <a:srgbClr val="000000"/>
+              </a:solidFill>
+              <a:uFill>
+                <a:solidFill>
+                  <a:srgbClr val="ffffff"/>
+                </a:solidFill>
+              </a:uFill>
+              <a:latin typeface="Arial"/>
+            </a:endParaRPr>
+          </a:p>
+          <a:p>
+            <a:pPr>
+              <a:lnSpc>
+                <a:spcPct val="100000"/>
+              </a:lnSpc>
+            </a:pPr>
+            <a:r>
+              <a:rPr b="0" lang="en-US" sz="900" spc="-1" strike="noStrike">
+                <a:solidFill>
+                  <a:srgbClr val="000000"/>
+                </a:solidFill>
+                <a:uFill>
+                  <a:solidFill>
+                    <a:srgbClr val="ffffff"/>
+                  </a:solidFill>
+                </a:uFill>
+                <a:latin typeface="Arial"/>
+                <a:ea typeface="Arial"/>
+              </a:rPr>
+              <a:t>((314, (15, 22)), "*MOT:\teat some carrots on there I'll give you the bread and butter .\n")</a:t>
+            </a:r>
+            <a:endParaRPr b="0" lang="en-US" sz="1800" spc="-1" strike="noStrike">
+              <a:solidFill>
+                <a:srgbClr val="000000"/>
+              </a:solidFill>
+              <a:uFill>
+                <a:solidFill>
+                  <a:srgbClr val="ffffff"/>
+                </a:solidFill>
+              </a:uFill>
+              <a:latin typeface="Arial"/>
+            </a:endParaRPr>
+          </a:p>
+          <a:p>
+            <a:pPr>
+              <a:lnSpc>
+                <a:spcPct val="100000"/>
+              </a:lnSpc>
+            </a:pPr>
+            <a:r>
+              <a:rPr b="0" lang="en-US" sz="900" spc="-1" strike="noStrike">
+                <a:solidFill>
+                  <a:srgbClr val="000000"/>
+                </a:solidFill>
+                <a:uFill>
+                  <a:solidFill>
+                    <a:srgbClr val="ffffff"/>
+                  </a:solidFill>
+                </a:uFill>
+                <a:latin typeface="Arial"/>
+                <a:ea typeface="Arial"/>
+              </a:rPr>
+              <a:t>((314, (60, 66)), "*MOT:\teat some carrots on there I'll give you the bread and butter .\n")</a:t>
+            </a:r>
+            <a:endParaRPr b="0" lang="en-US" sz="1800" spc="-1" strike="noStrike">
+              <a:solidFill>
+                <a:srgbClr val="000000"/>
+              </a:solidFill>
+              <a:uFill>
+                <a:solidFill>
+                  <a:srgbClr val="ffffff"/>
+                </a:solidFill>
+              </a:uFill>
+              <a:latin typeface="Arial"/>
+            </a:endParaRPr>
+          </a:p>
+          <a:p>
+            <a:pPr>
+              <a:lnSpc>
+                <a:spcPct val="100000"/>
+              </a:lnSpc>
+            </a:pPr>
+            <a:r>
+              <a:rPr b="0" lang="en-US" sz="900" spc="-1" strike="noStrike">
+                <a:solidFill>
+                  <a:srgbClr val="000000"/>
+                </a:solidFill>
+                <a:uFill>
+                  <a:solidFill>
+                    <a:srgbClr val="ffffff"/>
+                  </a:solidFill>
+                </a:uFill>
+                <a:latin typeface="Arial"/>
+                <a:ea typeface="Arial"/>
+              </a:rPr>
+              <a:t>((329, (19, 24)), "*MOT:\tthere's your bread and butter right there .\n")</a:t>
+            </a:r>
+            <a:endParaRPr b="0" lang="en-US" sz="1800" spc="-1" strike="noStrike">
+              <a:solidFill>
+                <a:srgbClr val="000000"/>
+              </a:solidFill>
+              <a:uFill>
+                <a:solidFill>
+                  <a:srgbClr val="ffffff"/>
+                </a:solidFill>
+              </a:uFill>
+              <a:latin typeface="Arial"/>
+            </a:endParaRPr>
+          </a:p>
+          <a:p>
+            <a:pPr>
+              <a:lnSpc>
+                <a:spcPct val="100000"/>
+              </a:lnSpc>
+            </a:pPr>
+            <a:r>
+              <a:rPr b="0" lang="en-US" sz="900" spc="-1" strike="noStrike">
+                <a:solidFill>
+                  <a:srgbClr val="000000"/>
+                </a:solidFill>
+                <a:uFill>
+                  <a:solidFill>
+                    <a:srgbClr val="ffffff"/>
+                  </a:solidFill>
+                </a:uFill>
+                <a:latin typeface="Arial"/>
+                <a:ea typeface="Arial"/>
+              </a:rPr>
+              <a:t>((329, (29, 35)), "*MOT:\tthere's your bread and butter right there .\n")</a:t>
+            </a:r>
+            <a:endParaRPr b="0" lang="en-US" sz="1800" spc="-1" strike="noStrike">
+              <a:solidFill>
+                <a:srgbClr val="000000"/>
+              </a:solidFill>
+              <a:uFill>
+                <a:solidFill>
+                  <a:srgbClr val="ffffff"/>
+                </a:solidFill>
+              </a:uFill>
+              <a:latin typeface="Arial"/>
+            </a:endParaRPr>
+          </a:p>
+          <a:p>
+            <a:pPr>
+              <a:lnSpc>
+                <a:spcPct val="100000"/>
+              </a:lnSpc>
+            </a:pPr>
+            <a:r>
+              <a:rPr b="0" lang="en-US" sz="900" spc="-1" strike="noStrike">
+                <a:solidFill>
+                  <a:srgbClr val="000000"/>
+                </a:solidFill>
+                <a:uFill>
+                  <a:solidFill>
+                    <a:srgbClr val="ffffff"/>
+                  </a:solidFill>
+                </a:uFill>
+                <a:latin typeface="Arial"/>
+                <a:ea typeface="Arial"/>
+              </a:rPr>
+              <a:t>((651, (18, 24)), '*CHI:\tMommy ate a cookie and I ate a cookie .\n')</a:t>
+            </a:r>
+            <a:endParaRPr b="0" lang="en-US" sz="1800" spc="-1" strike="noStrike">
+              <a:solidFill>
+                <a:srgbClr val="000000"/>
+              </a:solidFill>
+              <a:uFill>
+                <a:solidFill>
+                  <a:srgbClr val="ffffff"/>
+                </a:solidFill>
+              </a:uFill>
+              <a:latin typeface="Arial"/>
+            </a:endParaRPr>
+          </a:p>
+          <a:p>
+            <a:pPr>
+              <a:lnSpc>
+                <a:spcPct val="100000"/>
+              </a:lnSpc>
+            </a:pPr>
+            <a:r>
+              <a:rPr b="0" lang="en-US" sz="900" spc="-1" strike="noStrike">
+                <a:solidFill>
+                  <a:srgbClr val="000000"/>
+                </a:solidFill>
+                <a:uFill>
+                  <a:solidFill>
+                    <a:srgbClr val="ffffff"/>
+                  </a:solidFill>
+                </a:uFill>
+                <a:latin typeface="Arial"/>
+                <a:ea typeface="Arial"/>
+              </a:rPr>
+              <a:t>((810, (55, 60)), "*FAT:\tyep alright well you don't have_to skitch@f your bread in it just put it on the table if you don't want it Kim .\n")</a:t>
+            </a:r>
+            <a:endParaRPr b="0" lang="en-US" sz="1800" spc="-1" strike="noStrike">
+              <a:solidFill>
+                <a:srgbClr val="000000"/>
+              </a:solidFill>
+              <a:uFill>
+                <a:solidFill>
+                  <a:srgbClr val="ffffff"/>
+                </a:solidFill>
+              </a:uFill>
+              <a:latin typeface="Arial"/>
+            </a:endParaRPr>
+          </a:p>
+          <a:p>
+            <a:pPr>
+              <a:lnSpc>
+                <a:spcPct val="100000"/>
+              </a:lnSpc>
+            </a:pPr>
+            <a:r>
+              <a:rPr b="0" lang="en-US" sz="900" spc="-1" strike="noStrike">
+                <a:solidFill>
+                  <a:srgbClr val="000000"/>
+                </a:solidFill>
+                <a:uFill>
+                  <a:solidFill>
+                    <a:srgbClr val="ffffff"/>
+                  </a:solidFill>
+                </a:uFill>
+                <a:latin typeface="Arial"/>
+                <a:ea typeface="Arial"/>
+              </a:rPr>
+              <a:t>((869, (16, 23)), '*SIS:\tI have my chicken .\n')</a:t>
+            </a:r>
+            <a:endParaRPr b="0" lang="en-US" sz="1800" spc="-1" strike="noStrike">
+              <a:solidFill>
+                <a:srgbClr val="000000"/>
+              </a:solidFill>
+              <a:uFill>
+                <a:solidFill>
+                  <a:srgbClr val="ffffff"/>
+                </a:solidFill>
+              </a:uFill>
+              <a:latin typeface="Arial"/>
+            </a:endParaRPr>
+          </a:p>
+        </p:txBody>
+      </p:sp>
     </p:spTree>
   </p:cSld>
   <p:transition spd="med">
@@ -10507,14 +8810,14 @@
       </p:grpSpPr>
       <p:sp>
         <p:nvSpPr>
-          <p:cNvPr id="138" name="CustomShape 1"/>
+          <p:cNvPr id="134" name="CustomShape 1"/>
           <p:cNvSpPr/>
           <p:nvPr/>
         </p:nvSpPr>
         <p:spPr>
           <a:xfrm>
-            <a:off x="386640" y="-256320"/>
-            <a:ext cx="7316280" cy="856440"/>
+            <a:off x="443160" y="326880"/>
+            <a:ext cx="7316280" cy="856800"/>
           </a:xfrm>
           <a:prstGeom prst="rect">
             <a:avLst/>
@@ -10531,7 +8834,7 @@
           <a:fontRef idx="minor"/>
         </p:style>
         <p:txBody>
-          <a:bodyPr lIns="90000" rIns="90000" tIns="91440" bIns="91440" anchor="b"/>
+          <a:bodyPr lIns="0" rIns="0" tIns="0" bIns="0" anchor="b"/>
           <a:p>
             <a:pPr>
               <a:lnSpc>
@@ -10551,7 +8854,7 @@
                 <a:latin typeface="Arial"/>
                 <a:ea typeface="Arial"/>
               </a:rPr>
-              <a:t>Pattern Mapping</a:t>
+              <a:t>Precision/Recall Example</a:t>
             </a:r>
             <a:endParaRPr b="0" lang="en-US" sz="1800" spc="-1" strike="noStrike">
               <a:solidFill>
@@ -10569,7 +8872,7 @@
       </p:sp>
       <p:sp>
         <p:nvSpPr>
-          <p:cNvPr id="139" name="CustomShape 2"/>
+          <p:cNvPr id="135" name="CustomShape 2"/>
           <p:cNvSpPr/>
           <p:nvPr/>
         </p:nvSpPr>
@@ -10592,44 +8895,18 @@
           <a:effectRef idx="0"/>
           <a:fontRef idx="minor"/>
         </p:style>
-      </p:sp>
-      <p:sp>
-        <p:nvSpPr>
-          <p:cNvPr id="140" name="CustomShape 3"/>
-          <p:cNvSpPr/>
-          <p:nvPr/>
-        </p:nvSpPr>
-        <p:spPr>
-          <a:xfrm>
-            <a:off x="6774120" y="4688280"/>
-            <a:ext cx="2133000" cy="273960"/>
-          </a:xfrm>
-          <a:prstGeom prst="rect">
-            <a:avLst/>
-          </a:prstGeom>
-          <a:noFill/>
-          <a:ln>
-            <a:noFill/>
-          </a:ln>
-        </p:spPr>
-        <p:style>
-          <a:lnRef idx="0"/>
-          <a:fillRef idx="0"/>
-          <a:effectRef idx="0"/>
-          <a:fontRef idx="minor"/>
-        </p:style>
-        <p:txBody>
-          <a:bodyPr lIns="90000" rIns="90000" tIns="45000" bIns="45000" anchor="ctr"/>
-          <a:p>
-            <a:pPr algn="r">
+        <p:txBody>
+          <a:bodyPr lIns="90000" rIns="90000" tIns="45000" bIns="45000"/>
+          <a:p>
+            <a:pPr>
               <a:lnSpc>
                 <a:spcPct val="100000"/>
               </a:lnSpc>
             </a:pPr>
-            <a:fld id="{A16E6825-B002-40BB-9445-A594DE2E3F98}" type="slidenum">
-              <a:rPr b="0" lang="en-US" sz="1200" spc="-1" strike="noStrike">
-                <a:solidFill>
-                  <a:srgbClr val="888888"/>
+            <a:r>
+              <a:rPr b="0" lang="en-US" sz="1500" spc="-1" strike="noStrike">
+                <a:solidFill>
+                  <a:srgbClr val="000000"/>
                 </a:solidFill>
                 <a:uFill>
                   <a:solidFill>
@@ -10639,8 +8916,38 @@
                 <a:latin typeface="Arial"/>
                 <a:ea typeface="Arial"/>
               </a:rPr>
-              <a:t>&lt;number&gt;</a:t>
-            </a:fld>
+              <a:t>false positives: [(99, (31, 35)), (99, (36, 40)), (196, (25, 31)), (196, (32, 37)), (253, (</a:t>
+            </a:r>
+            <a:r>
+              <a:rPr b="0" lang="en-US" sz="1400" spc="-1" strike="noStrike">
+                <a:solidFill>
+                  <a:srgbClr val="000000"/>
+                </a:solidFill>
+                <a:uFill>
+                  <a:solidFill>
+                    <a:srgbClr val="ffffff"/>
+                  </a:solidFill>
+                </a:uFill>
+                <a:latin typeface="Arial"/>
+                <a:ea typeface="Arial"/>
+              </a:rPr>
+              <a:t>38</a:t>
+            </a:r>
+            <a:r>
+              <a:rPr b="0" lang="en-US" sz="1500" spc="-1" strike="noStrike">
+                <a:solidFill>
+                  <a:srgbClr val="000000"/>
+                </a:solidFill>
+                <a:uFill>
+                  <a:solidFill>
+                    <a:srgbClr val="ffffff"/>
+                  </a:solidFill>
+                </a:uFill>
+                <a:latin typeface="Arial"/>
+                <a:ea typeface="Arial"/>
+              </a:rPr>
+              <a:t>, 43)), (305, (15, 21)), (305, (22, 27)), (314, (50, 55)), (644, (6, 18)), (806, (18, 23)), (869, (16, 24))]</a:t>
+            </a:r>
             <a:endParaRPr b="0" lang="en-US" sz="1800" spc="-1" strike="noStrike">
               <a:solidFill>
                 <a:srgbClr val="000000"/>
@@ -10653,31 +8960,404 @@
               <a:latin typeface="Arial"/>
             </a:endParaRPr>
           </a:p>
-        </p:txBody>
-      </p:sp>
-      <p:pic>
-        <p:nvPicPr>
-          <p:cNvPr id="141" name="Picture 5" descr=""/>
-          <p:cNvPicPr/>
-          <p:nvPr/>
-        </p:nvPicPr>
-        <p:blipFill>
-          <a:blip r:embed="rId1"/>
-          <a:stretch/>
-        </p:blipFill>
-        <p:spPr>
-          <a:xfrm>
-            <a:off x="632520" y="493560"/>
-            <a:ext cx="5295240" cy="4343040"/>
-          </a:xfrm>
-          <a:prstGeom prst="rect">
-            <a:avLst/>
-          </a:prstGeom>
-          <a:ln>
-            <a:noFill/>
-          </a:ln>
-        </p:spPr>
-      </p:pic>
+          <a:p>
+            <a:pPr>
+              <a:lnSpc>
+                <a:spcPct val="100000"/>
+              </a:lnSpc>
+            </a:pPr>
+            <a:r>
+              <a:rPr b="0" lang="en-US" sz="1500" spc="-1" strike="noStrike">
+                <a:solidFill>
+                  <a:srgbClr val="000000"/>
+                </a:solidFill>
+                <a:uFill>
+                  <a:solidFill>
+                    <a:srgbClr val="ffffff"/>
+                  </a:solidFill>
+                </a:uFill>
+                <a:latin typeface="Arial"/>
+                <a:ea typeface="Arial"/>
+              </a:rPr>
+              <a:t>lines:</a:t>
+            </a:r>
+            <a:endParaRPr b="0" lang="en-US" sz="1800" spc="-1" strike="noStrike">
+              <a:solidFill>
+                <a:srgbClr val="000000"/>
+              </a:solidFill>
+              <a:uFill>
+                <a:solidFill>
+                  <a:srgbClr val="ffffff"/>
+                </a:solidFill>
+              </a:uFill>
+              <a:latin typeface="Arial"/>
+            </a:endParaRPr>
+          </a:p>
+          <a:p>
+            <a:pPr>
+              <a:lnSpc>
+                <a:spcPct val="100000"/>
+              </a:lnSpc>
+            </a:pPr>
+            <a:r>
+              <a:rPr b="0" lang="en-US" sz="1500" spc="-1" strike="noStrike">
+                <a:solidFill>
+                  <a:srgbClr val="000000"/>
+                </a:solidFill>
+                <a:uFill>
+                  <a:solidFill>
+                    <a:srgbClr val="ffffff"/>
+                  </a:solidFill>
+                </a:uFill>
+                <a:latin typeface="Arial"/>
+                <a:ea typeface="Arial"/>
+              </a:rPr>
+              <a:t>((99, (31, 35)), "*FAT:\tAdam's not gonna eat her beef stew .\n")</a:t>
+            </a:r>
+            <a:endParaRPr b="0" lang="en-US" sz="1800" spc="-1" strike="noStrike">
+              <a:solidFill>
+                <a:srgbClr val="000000"/>
+              </a:solidFill>
+              <a:uFill>
+                <a:solidFill>
+                  <a:srgbClr val="ffffff"/>
+                </a:solidFill>
+              </a:uFill>
+              <a:latin typeface="Arial"/>
+            </a:endParaRPr>
+          </a:p>
+          <a:p>
+            <a:pPr>
+              <a:lnSpc>
+                <a:spcPct val="100000"/>
+              </a:lnSpc>
+            </a:pPr>
+            <a:r>
+              <a:rPr b="0" lang="en-US" sz="1500" spc="-1" strike="noStrike">
+                <a:solidFill>
+                  <a:srgbClr val="000000"/>
+                </a:solidFill>
+                <a:uFill>
+                  <a:solidFill>
+                    <a:srgbClr val="ffffff"/>
+                  </a:solidFill>
+                </a:uFill>
+                <a:latin typeface="Arial"/>
+                <a:ea typeface="Arial"/>
+              </a:rPr>
+              <a:t>((99, (36, 40)), "*FAT:\tAdam's not gonna eat her beef stew .\n")</a:t>
+            </a:r>
+            <a:endParaRPr b="0" lang="en-US" sz="1800" spc="-1" strike="noStrike">
+              <a:solidFill>
+                <a:srgbClr val="000000"/>
+              </a:solidFill>
+              <a:uFill>
+                <a:solidFill>
+                  <a:srgbClr val="ffffff"/>
+                </a:solidFill>
+              </a:uFill>
+              <a:latin typeface="Arial"/>
+            </a:endParaRPr>
+          </a:p>
+          <a:p>
+            <a:pPr>
+              <a:lnSpc>
+                <a:spcPct val="100000"/>
+              </a:lnSpc>
+            </a:pPr>
+            <a:r>
+              <a:rPr b="0" lang="en-US" sz="1500" spc="-1" strike="noStrike">
+                <a:solidFill>
+                  <a:srgbClr val="000000"/>
+                </a:solidFill>
+                <a:uFill>
+                  <a:solidFill>
+                    <a:srgbClr val="ffffff"/>
+                  </a:solidFill>
+                </a:uFill>
+                <a:latin typeface="Arial"/>
+                <a:ea typeface="Arial"/>
+              </a:rPr>
+              <a:t>((196, (25, 31)), '*MOT:\tAdam you want some butter bread ?\n')</a:t>
+            </a:r>
+            <a:endParaRPr b="0" lang="en-US" sz="1800" spc="-1" strike="noStrike">
+              <a:solidFill>
+                <a:srgbClr val="000000"/>
+              </a:solidFill>
+              <a:uFill>
+                <a:solidFill>
+                  <a:srgbClr val="ffffff"/>
+                </a:solidFill>
+              </a:uFill>
+              <a:latin typeface="Arial"/>
+            </a:endParaRPr>
+          </a:p>
+          <a:p>
+            <a:pPr>
+              <a:lnSpc>
+                <a:spcPct val="100000"/>
+              </a:lnSpc>
+            </a:pPr>
+            <a:r>
+              <a:rPr b="0" lang="en-US" sz="1500" spc="-1" strike="noStrike">
+                <a:solidFill>
+                  <a:srgbClr val="000000"/>
+                </a:solidFill>
+                <a:uFill>
+                  <a:solidFill>
+                    <a:srgbClr val="ffffff"/>
+                  </a:solidFill>
+                </a:uFill>
+                <a:latin typeface="Arial"/>
+                <a:ea typeface="Arial"/>
+              </a:rPr>
+              <a:t>((196, (32, 37)), '*MOT:\tAdam you want some butter bread ?\n')</a:t>
+            </a:r>
+            <a:endParaRPr b="0" lang="en-US" sz="1800" spc="-1" strike="noStrike">
+              <a:solidFill>
+                <a:srgbClr val="000000"/>
+              </a:solidFill>
+              <a:uFill>
+                <a:solidFill>
+                  <a:srgbClr val="ffffff"/>
+                </a:solidFill>
+              </a:uFill>
+              <a:latin typeface="Arial"/>
+            </a:endParaRPr>
+          </a:p>
+          <a:p>
+            <a:pPr>
+              <a:lnSpc>
+                <a:spcPct val="100000"/>
+              </a:lnSpc>
+            </a:pPr>
+            <a:r>
+              <a:rPr b="0" lang="en-US" sz="1500" spc="-1" strike="noStrike">
+                <a:solidFill>
+                  <a:srgbClr val="000000"/>
+                </a:solidFill>
+                <a:uFill>
+                  <a:solidFill>
+                    <a:srgbClr val="ffffff"/>
+                  </a:solidFill>
+                </a:uFill>
+                <a:latin typeface="Arial"/>
+                <a:ea typeface="Arial"/>
+              </a:rPr>
+              <a:t>((253, (38, 43)), "*MOT:\t&lt;there's no kids out&gt; [&lt;] there honey .\n")</a:t>
+            </a:r>
+            <a:endParaRPr b="0" lang="en-US" sz="1800" spc="-1" strike="noStrike">
+              <a:solidFill>
+                <a:srgbClr val="000000"/>
+              </a:solidFill>
+              <a:uFill>
+                <a:solidFill>
+                  <a:srgbClr val="ffffff"/>
+                </a:solidFill>
+              </a:uFill>
+              <a:latin typeface="Arial"/>
+            </a:endParaRPr>
+          </a:p>
+          <a:p>
+            <a:pPr>
+              <a:lnSpc>
+                <a:spcPct val="100000"/>
+              </a:lnSpc>
+            </a:pPr>
+            <a:r>
+              <a:rPr b="0" lang="en-US" sz="1500" spc="-1" strike="noStrike">
+                <a:solidFill>
+                  <a:srgbClr val="000000"/>
+                </a:solidFill>
+                <a:uFill>
+                  <a:solidFill>
+                    <a:srgbClr val="ffffff"/>
+                  </a:solidFill>
+                </a:uFill>
+                <a:latin typeface="Arial"/>
+                <a:ea typeface="Arial"/>
+              </a:rPr>
+              <a:t>((305, (15, 21)), '*MOT:\tyou want butter bread ?\n')</a:t>
+            </a:r>
+            <a:endParaRPr b="0" lang="en-US" sz="1800" spc="-1" strike="noStrike">
+              <a:solidFill>
+                <a:srgbClr val="000000"/>
+              </a:solidFill>
+              <a:uFill>
+                <a:solidFill>
+                  <a:srgbClr val="ffffff"/>
+                </a:solidFill>
+              </a:uFill>
+              <a:latin typeface="Arial"/>
+            </a:endParaRPr>
+          </a:p>
+          <a:p>
+            <a:pPr>
+              <a:lnSpc>
+                <a:spcPct val="100000"/>
+              </a:lnSpc>
+            </a:pPr>
+            <a:r>
+              <a:rPr b="0" lang="en-US" sz="1500" spc="-1" strike="noStrike">
+                <a:solidFill>
+                  <a:srgbClr val="000000"/>
+                </a:solidFill>
+                <a:uFill>
+                  <a:solidFill>
+                    <a:srgbClr val="ffffff"/>
+                  </a:solidFill>
+                </a:uFill>
+                <a:latin typeface="Arial"/>
+                <a:ea typeface="Arial"/>
+              </a:rPr>
+              <a:t>((305, (22, 27)), '*MOT:\tyou want butter bread ?\n')</a:t>
+            </a:r>
+            <a:endParaRPr b="0" lang="en-US" sz="1800" spc="-1" strike="noStrike">
+              <a:solidFill>
+                <a:srgbClr val="000000"/>
+              </a:solidFill>
+              <a:uFill>
+                <a:solidFill>
+                  <a:srgbClr val="ffffff"/>
+                </a:solidFill>
+              </a:uFill>
+              <a:latin typeface="Arial"/>
+            </a:endParaRPr>
+          </a:p>
+          <a:p>
+            <a:pPr>
+              <a:lnSpc>
+                <a:spcPct val="100000"/>
+              </a:lnSpc>
+            </a:pPr>
+            <a:r>
+              <a:rPr b="0" lang="en-US" sz="1500" spc="-1" strike="noStrike">
+                <a:solidFill>
+                  <a:srgbClr val="000000"/>
+                </a:solidFill>
+                <a:uFill>
+                  <a:solidFill>
+                    <a:srgbClr val="ffffff"/>
+                  </a:solidFill>
+                </a:uFill>
+                <a:latin typeface="Arial"/>
+                <a:ea typeface="Arial"/>
+              </a:rPr>
+              <a:t>((314, (50, 55)), "*MOT:\teat some carrots on there I'll give you the bread and butter .\n")</a:t>
+            </a:r>
+            <a:endParaRPr b="0" lang="en-US" sz="1800" spc="-1" strike="noStrike">
+              <a:solidFill>
+                <a:srgbClr val="000000"/>
+              </a:solidFill>
+              <a:uFill>
+                <a:solidFill>
+                  <a:srgbClr val="ffffff"/>
+                </a:solidFill>
+              </a:uFill>
+              <a:latin typeface="Arial"/>
+            </a:endParaRPr>
+          </a:p>
+          <a:p>
+            <a:pPr>
+              <a:lnSpc>
+                <a:spcPct val="100000"/>
+              </a:lnSpc>
+            </a:pPr>
+            <a:r>
+              <a:rPr b="0" lang="en-US" sz="1500" spc="-1" strike="noStrike">
+                <a:solidFill>
+                  <a:srgbClr val="000000"/>
+                </a:solidFill>
+                <a:uFill>
+                  <a:solidFill>
+                    <a:srgbClr val="ffffff"/>
+                  </a:solidFill>
+                </a:uFill>
+                <a:latin typeface="Arial"/>
+                <a:ea typeface="Arial"/>
+              </a:rPr>
+              <a:t>((644, (6, 18)), '*CHI:\tpotato chips (.) and coke .\n')</a:t>
+            </a:r>
+            <a:endParaRPr b="0" lang="en-US" sz="1800" spc="-1" strike="noStrike">
+              <a:solidFill>
+                <a:srgbClr val="000000"/>
+              </a:solidFill>
+              <a:uFill>
+                <a:solidFill>
+                  <a:srgbClr val="ffffff"/>
+                </a:solidFill>
+              </a:uFill>
+              <a:latin typeface="Arial"/>
+            </a:endParaRPr>
+          </a:p>
+          <a:p>
+            <a:pPr>
+              <a:lnSpc>
+                <a:spcPct val="100000"/>
+              </a:lnSpc>
+            </a:pPr>
+            <a:r>
+              <a:rPr b="0" lang="en-US" sz="1500" spc="-1" strike="noStrike">
+                <a:solidFill>
+                  <a:srgbClr val="000000"/>
+                </a:solidFill>
+                <a:uFill>
+                  <a:solidFill>
+                    <a:srgbClr val="ffffff"/>
+                  </a:solidFill>
+                </a:uFill>
+                <a:latin typeface="Arial"/>
+                <a:ea typeface="Arial"/>
+              </a:rPr>
+              <a:t>((806, (18, 23)), "*FAT:\tI'll eat it honey .\n")</a:t>
+            </a:r>
+            <a:endParaRPr b="0" lang="en-US" sz="1800" spc="-1" strike="noStrike">
+              <a:solidFill>
+                <a:srgbClr val="000000"/>
+              </a:solidFill>
+              <a:uFill>
+                <a:solidFill>
+                  <a:srgbClr val="ffffff"/>
+                </a:solidFill>
+              </a:uFill>
+              <a:latin typeface="Arial"/>
+            </a:endParaRPr>
+          </a:p>
+          <a:p>
+            <a:pPr>
+              <a:lnSpc>
+                <a:spcPct val="100000"/>
+              </a:lnSpc>
+            </a:pPr>
+            <a:r>
+              <a:rPr b="0" lang="en-US" sz="1500" spc="-1" strike="noStrike">
+                <a:solidFill>
+                  <a:srgbClr val="000000"/>
+                </a:solidFill>
+                <a:uFill>
+                  <a:solidFill>
+                    <a:srgbClr val="ffffff"/>
+                  </a:solidFill>
+                </a:uFill>
+                <a:latin typeface="Arial"/>
+                <a:ea typeface="Arial"/>
+              </a:rPr>
+              <a:t>((869, (16, 24)), '*SIS:\tI have my chicken .\n')</a:t>
+            </a:r>
+            <a:endParaRPr b="0" lang="en-US" sz="1800" spc="-1" strike="noStrike">
+              <a:solidFill>
+                <a:srgbClr val="000000"/>
+              </a:solidFill>
+              <a:uFill>
+                <a:solidFill>
+                  <a:srgbClr val="ffffff"/>
+                </a:solidFill>
+              </a:uFill>
+              <a:latin typeface="Arial"/>
+            </a:endParaRPr>
+          </a:p>
+        </p:txBody>
+      </p:sp>
     </p:spTree>
   </p:cSld>
   <p:transition spd="med">
@@ -10732,14 +9412,14 @@
       </p:grpSpPr>
       <p:sp>
         <p:nvSpPr>
-          <p:cNvPr id="142" name="CustomShape 1"/>
+          <p:cNvPr id="136" name="CustomShape 1"/>
           <p:cNvSpPr/>
           <p:nvPr/>
         </p:nvSpPr>
         <p:spPr>
           <a:xfrm>
             <a:off x="443160" y="326880"/>
-            <a:ext cx="7316280" cy="856440"/>
+            <a:ext cx="7316280" cy="856800"/>
           </a:xfrm>
           <a:prstGeom prst="rect">
             <a:avLst/>
@@ -10756,7 +9436,7 @@
           <a:fontRef idx="minor"/>
         </p:style>
         <p:txBody>
-          <a:bodyPr lIns="90000" rIns="90000" tIns="91440" bIns="91440" anchor="b"/>
+          <a:bodyPr lIns="0" rIns="0" tIns="0" bIns="0" anchor="b"/>
           <a:p>
             <a:pPr>
               <a:lnSpc>
@@ -10776,12 +9456,59 @@
                 <a:latin typeface="Arial"/>
                 <a:ea typeface="Arial"/>
               </a:rPr>
-              <a:t>String Matching</a:t>
+              <a:t>Precision/Recall Example</a:t>
             </a:r>
+            <a:endParaRPr b="0" lang="en-US" sz="1800" spc="-1" strike="noStrike">
+              <a:solidFill>
+                <a:srgbClr val="000000"/>
+              </a:solidFill>
+              <a:uFill>
+                <a:solidFill>
+                  <a:srgbClr val="ffffff"/>
+                </a:solidFill>
+              </a:uFill>
+              <a:latin typeface="Arial"/>
+            </a:endParaRPr>
+          </a:p>
+        </p:txBody>
+      </p:sp>
+      <p:sp>
+        <p:nvSpPr>
+          <p:cNvPr id="137" name="CustomShape 2"/>
+          <p:cNvSpPr/>
+          <p:nvPr/>
+        </p:nvSpPr>
+        <p:spPr>
+          <a:xfrm>
+            <a:off x="386640" y="1303920"/>
+            <a:ext cx="7985160" cy="3287520"/>
+          </a:xfrm>
+          <a:prstGeom prst="rect">
+            <a:avLst/>
+          </a:prstGeom>
+          <a:noFill/>
+          <a:ln>
+            <a:noFill/>
+          </a:ln>
+        </p:spPr>
+        <p:style>
+          <a:lnRef idx="0"/>
+          <a:fillRef idx="0"/>
+          <a:effectRef idx="0"/>
+          <a:fontRef idx="minor"/>
+        </p:style>
+        <p:txBody>
+          <a:bodyPr lIns="90000" rIns="90000" tIns="45000" bIns="45000"/>
+          <a:p>
+            <a:pPr>
+              <a:lnSpc>
+                <a:spcPct val="100000"/>
+              </a:lnSpc>
+            </a:pPr>
             <a:r>
-              <a:rPr b="1" lang="en-US" sz="2800" spc="-1" strike="noStrike">
-                <a:solidFill>
-                  <a:srgbClr val="861119"/>
+              <a:rPr b="0" lang="en-US" sz="2000" spc="-1" strike="noStrike">
+                <a:solidFill>
+                  <a:srgbClr val="000000"/>
                 </a:solidFill>
                 <a:uFill>
                   <a:solidFill>
@@ -10791,7 +9518,7 @@
                 <a:latin typeface="Arial"/>
                 <a:ea typeface="Arial"/>
               </a:rPr>
-              <a:t>	</a:t>
+              <a:t>false negatives: [(196, (25, 37)), (305, (15, 27)), (314, (50, 59)), (631, (8, 15)), (634, (8, 15)), (644, (6, 17)), (644, (27, 31)), (651, (37, 43))]</a:t>
             </a:r>
             <a:endParaRPr b="0" lang="en-US" sz="1800" spc="-1" strike="noStrike">
               <a:solidFill>
@@ -10805,45 +9532,11 @@
               <a:latin typeface="Arial"/>
             </a:endParaRPr>
           </a:p>
-        </p:txBody>
-      </p:sp>
-      <p:sp>
-        <p:nvSpPr>
-          <p:cNvPr id="143" name="CustomShape 2"/>
-          <p:cNvSpPr/>
-          <p:nvPr/>
-        </p:nvSpPr>
-        <p:spPr>
-          <a:xfrm>
-            <a:off x="386640" y="1303920"/>
-            <a:ext cx="7985160" cy="3287520"/>
-          </a:xfrm>
-          <a:prstGeom prst="rect">
-            <a:avLst/>
-          </a:prstGeom>
-          <a:noFill/>
-          <a:ln>
-            <a:noFill/>
-          </a:ln>
-        </p:spPr>
-        <p:style>
-          <a:lnRef idx="0"/>
-          <a:fillRef idx="0"/>
-          <a:effectRef idx="0"/>
-          <a:fontRef idx="minor"/>
-        </p:style>
-        <p:txBody>
-          <a:bodyPr lIns="90000" rIns="90000" tIns="91440" bIns="91440"/>
-          <a:p>
-            <a:pPr marL="228600" indent="-100800">
+          <a:p>
+            <a:pPr>
               <a:lnSpc>
                 <a:spcPct val="100000"/>
               </a:lnSpc>
-              <a:buClr>
-                <a:srgbClr val="990000"/>
-              </a:buClr>
-              <a:buFont typeface="Arial"/>
-              <a:buChar char="•"/>
             </a:pPr>
             <a:r>
               <a:rPr b="0" lang="en-US" sz="2000" spc="-1" strike="noStrike">
@@ -10858,7 +9551,7 @@
                 <a:latin typeface="Arial"/>
                 <a:ea typeface="Arial"/>
               </a:rPr>
-              <a:t>Step -&gt; 1) Exact Matching (Eg. Apple, apple)</a:t>
+              <a:t>lines:</a:t>
             </a:r>
             <a:endParaRPr b="0" lang="en-US" sz="1800" spc="-1" strike="noStrike">
               <a:solidFill>
@@ -10873,15 +9566,10 @@
             </a:endParaRPr>
           </a:p>
           <a:p>
-            <a:pPr marL="228600" indent="-100800">
+            <a:pPr>
               <a:lnSpc>
                 <a:spcPct val="100000"/>
               </a:lnSpc>
-              <a:buClr>
-                <a:srgbClr val="990000"/>
-              </a:buClr>
-              <a:buFont typeface="Arial"/>
-              <a:buChar char="•"/>
             </a:pPr>
             <a:r>
               <a:rPr b="0" lang="en-US" sz="2000" spc="-1" strike="noStrike">
@@ -10896,7 +9584,7 @@
                 <a:latin typeface="Arial"/>
                 <a:ea typeface="Arial"/>
               </a:rPr>
-              <a:t>Step -&gt; 2) Approximate Matching (Eg. Apple, Apples)</a:t>
+              <a:t>((196, (25, 37)), '*MOT:\tAdam you want some butter bread ?\n')</a:t>
             </a:r>
             <a:endParaRPr b="0" lang="en-US" sz="1800" spc="-1" strike="noStrike">
               <a:solidFill>
@@ -10911,18 +9599,13 @@
             </a:endParaRPr>
           </a:p>
           <a:p>
-            <a:pPr lvl="1" marL="573120" indent="-191520">
+            <a:pPr>
               <a:lnSpc>
                 <a:spcPct val="100000"/>
               </a:lnSpc>
-              <a:buClr>
-                <a:srgbClr val="a4a4a4"/>
-              </a:buClr>
-              <a:buFont typeface="Arial"/>
-              <a:buChar char="–"/>
             </a:pPr>
             <a:r>
-              <a:rPr b="1" lang="en-US" sz="1600" spc="-1" strike="noStrike">
+              <a:rPr b="0" lang="en-US" sz="2000" spc="-1" strike="noStrike">
                 <a:solidFill>
                   <a:srgbClr val="000000"/>
                 </a:solidFill>
@@ -10934,10 +9617,28 @@
                 <a:latin typeface="Arial"/>
                 <a:ea typeface="Arial"/>
               </a:rPr>
-              <a:t>Threshold</a:t>
+              <a:t>((305, (15, 27)), '*MOT:\tyou want butter bread ?\n')</a:t>
             </a:r>
+            <a:endParaRPr b="0" lang="en-US" sz="1800" spc="-1" strike="noStrike">
+              <a:solidFill>
+                <a:srgbClr val="000000"/>
+              </a:solidFill>
+              <a:uFill>
+                <a:solidFill>
+                  <a:srgbClr val="ffffff"/>
+                </a:solidFill>
+              </a:uFill>
+              <a:latin typeface="Arial"/>
+            </a:endParaRPr>
+          </a:p>
+          <a:p>
+            <a:pPr>
+              <a:lnSpc>
+                <a:spcPct val="100000"/>
+              </a:lnSpc>
+            </a:pPr>
             <a:r>
-              <a:rPr b="0" lang="en-US" sz="1600" spc="-1" strike="noStrike">
+              <a:rPr b="0" lang="en-US" sz="2000" spc="-1" strike="noStrike">
                 <a:solidFill>
                   <a:srgbClr val="000000"/>
                 </a:solidFill>
@@ -10949,7 +9650,7 @@
                 <a:latin typeface="Arial"/>
                 <a:ea typeface="Arial"/>
               </a:rPr>
-              <a:t> = Len(String1) / Len(String2)</a:t>
+              <a:t>((314, (50, 59)), "*MOT:\teat some carrots on there I'll give you the bread and butter .\n")</a:t>
             </a:r>
             <a:endParaRPr b="0" lang="en-US" sz="1800" spc="-1" strike="noStrike">
               <a:solidFill>
@@ -10964,18 +9665,13 @@
             </a:endParaRPr>
           </a:p>
           <a:p>
-            <a:pPr lvl="1" marL="573120" indent="-191520">
+            <a:pPr>
               <a:lnSpc>
                 <a:spcPct val="100000"/>
               </a:lnSpc>
-              <a:buClr>
-                <a:srgbClr val="a4a4a4"/>
-              </a:buClr>
-              <a:buFont typeface="Arial"/>
-              <a:buChar char="–"/>
             </a:pPr>
             <a:r>
-              <a:rPr b="0" lang="en-US" sz="1600" spc="-1" strike="noStrike">
+              <a:rPr b="0" lang="en-US" sz="2000" spc="-1" strike="noStrike">
                 <a:solidFill>
                   <a:srgbClr val="000000"/>
                 </a:solidFill>
@@ -10987,10 +9683,28 @@
                 <a:latin typeface="Arial"/>
                 <a:ea typeface="Arial"/>
               </a:rPr>
-              <a:t>If </a:t>
+              <a:t>((631, (8, 15)), '*CHI:\ta brownie .\n')</a:t>
             </a:r>
+            <a:endParaRPr b="0" lang="en-US" sz="1800" spc="-1" strike="noStrike">
+              <a:solidFill>
+                <a:srgbClr val="000000"/>
+              </a:solidFill>
+              <a:uFill>
+                <a:solidFill>
+                  <a:srgbClr val="ffffff"/>
+                </a:solidFill>
+              </a:uFill>
+              <a:latin typeface="Arial"/>
+            </a:endParaRPr>
+          </a:p>
+          <a:p>
+            <a:pPr>
+              <a:lnSpc>
+                <a:spcPct val="100000"/>
+              </a:lnSpc>
+            </a:pPr>
             <a:r>
-              <a:rPr b="1" lang="en-US" sz="1600" spc="-1" strike="noStrike">
+              <a:rPr b="0" lang="en-US" sz="2000" spc="-1" strike="noStrike">
                 <a:solidFill>
                   <a:srgbClr val="000000"/>
                 </a:solidFill>
@@ -11002,10 +9716,28 @@
                 <a:latin typeface="Arial"/>
                 <a:ea typeface="Arial"/>
               </a:rPr>
-              <a:t>Threshold</a:t>
+              <a:t>((634, (8, 15)), '*CHI:\ta brownie .\n')</a:t>
             </a:r>
+            <a:endParaRPr b="0" lang="en-US" sz="1800" spc="-1" strike="noStrike">
+              <a:solidFill>
+                <a:srgbClr val="000000"/>
+              </a:solidFill>
+              <a:uFill>
+                <a:solidFill>
+                  <a:srgbClr val="ffffff"/>
+                </a:solidFill>
+              </a:uFill>
+              <a:latin typeface="Arial"/>
+            </a:endParaRPr>
+          </a:p>
+          <a:p>
+            <a:pPr>
+              <a:lnSpc>
+                <a:spcPct val="100000"/>
+              </a:lnSpc>
+            </a:pPr>
             <a:r>
-              <a:rPr b="0" lang="en-US" sz="1600" spc="-1" strike="noStrike">
+              <a:rPr b="0" lang="en-US" sz="2000" spc="-1" strike="noStrike">
                 <a:solidFill>
                   <a:srgbClr val="000000"/>
                 </a:solidFill>
@@ -11017,7 +9749,7 @@
                 <a:latin typeface="Arial"/>
                 <a:ea typeface="Arial"/>
               </a:rPr>
-              <a:t> in range(0.75,1):</a:t>
+              <a:t>((644, (6, 17)), '*CHI:\tpotato chips (.) and coke .\n')</a:t>
             </a:r>
             <a:endParaRPr b="0" lang="en-US" sz="1800" spc="-1" strike="noStrike">
               <a:solidFill>
@@ -11032,18 +9764,13 @@
             </a:endParaRPr>
           </a:p>
           <a:p>
-            <a:pPr lvl="2" marL="861840" indent="-137520">
+            <a:pPr>
               <a:lnSpc>
                 <a:spcPct val="100000"/>
               </a:lnSpc>
-              <a:buClr>
-                <a:srgbClr val="a4a4a4"/>
-              </a:buClr>
-              <a:buFont typeface="Arial"/>
-              <a:buChar char="•"/>
             </a:pPr>
             <a:r>
-              <a:rPr b="0" lang="en-US" sz="1600" spc="-1" strike="noStrike">
+              <a:rPr b="0" lang="en-US" sz="2000" spc="-1" strike="noStrike">
                 <a:solidFill>
                   <a:srgbClr val="000000"/>
                 </a:solidFill>
@@ -11055,10 +9782,28 @@
                 <a:latin typeface="Arial"/>
                 <a:ea typeface="Arial"/>
               </a:rPr>
-              <a:t>Then, </a:t>
+              <a:t>((644, (27, 31)), '*CHI:\tpotato chips (.) and coke .\n')</a:t>
             </a:r>
+            <a:endParaRPr b="0" lang="en-US" sz="1800" spc="-1" strike="noStrike">
+              <a:solidFill>
+                <a:srgbClr val="000000"/>
+              </a:solidFill>
+              <a:uFill>
+                <a:solidFill>
+                  <a:srgbClr val="ffffff"/>
+                </a:solidFill>
+              </a:uFill>
+              <a:latin typeface="Arial"/>
+            </a:endParaRPr>
+          </a:p>
+          <a:p>
+            <a:pPr>
+              <a:lnSpc>
+                <a:spcPct val="100000"/>
+              </a:lnSpc>
+            </a:pPr>
             <a:r>
-              <a:rPr b="1" lang="en-US" sz="2000" spc="-1" strike="noStrike">
+              <a:rPr b="0" lang="en-US" sz="2000" spc="-1" strike="noStrike">
                 <a:solidFill>
                   <a:srgbClr val="000000"/>
                 </a:solidFill>
@@ -11070,138 +9815,8 @@
                 <a:latin typeface="Arial"/>
                 <a:ea typeface="Arial"/>
               </a:rPr>
-              <a:t>(Levenshtein Algorithm) </a:t>
+              <a:t>((651, (37, 43)), '*CHI:\tMommy ate a cookie and I ate a cookie .\n')</a:t>
             </a:r>
-            <a:r>
-              <a:rPr b="0" lang="en-US" sz="1600" spc="-1" strike="noStrike">
-                <a:solidFill>
-                  <a:srgbClr val="000000"/>
-                </a:solidFill>
-                <a:uFill>
-                  <a:solidFill>
-                    <a:srgbClr val="ffffff"/>
-                  </a:solidFill>
-                </a:uFill>
-                <a:latin typeface="Arial"/>
-                <a:ea typeface="Arial"/>
-              </a:rPr>
-              <a:t>or Edit Distance</a:t>
-            </a:r>
-            <a:r>
-              <a:rPr b="1" lang="en-US" sz="2000" spc="-1" strike="noStrike">
-                <a:solidFill>
-                  <a:srgbClr val="000000"/>
-                </a:solidFill>
-                <a:uFill>
-                  <a:solidFill>
-                    <a:srgbClr val="ffffff"/>
-                  </a:solidFill>
-                </a:uFill>
-                <a:latin typeface="Arial"/>
-                <a:ea typeface="Arial"/>
-              </a:rPr>
-              <a:t>	</a:t>
-            </a:r>
-            <a:endParaRPr b="0" lang="en-US" sz="1800" spc="-1" strike="noStrike">
-              <a:solidFill>
-                <a:srgbClr val="000000"/>
-              </a:solidFill>
-              <a:uFill>
-                <a:solidFill>
-                  <a:srgbClr val="ffffff"/>
-                </a:solidFill>
-              </a:uFill>
-              <a:latin typeface="Arial"/>
-            </a:endParaRPr>
-          </a:p>
-          <a:p>
-            <a:pPr marL="228600" indent="-100800">
-              <a:lnSpc>
-                <a:spcPct val="100000"/>
-              </a:lnSpc>
-              <a:buClr>
-                <a:srgbClr val="990000"/>
-              </a:buClr>
-              <a:buFont typeface="Arial"/>
-              <a:buChar char="•"/>
-            </a:pPr>
-            <a:r>
-              <a:rPr b="0" lang="en-US" sz="2000" spc="-1" strike="noStrike">
-                <a:solidFill>
-                  <a:srgbClr val="000000"/>
-                </a:solidFill>
-                <a:uFill>
-                  <a:solidFill>
-                    <a:srgbClr val="ffffff"/>
-                  </a:solidFill>
-                </a:uFill>
-                <a:latin typeface="Arial"/>
-                <a:ea typeface="Arial"/>
-              </a:rPr>
-              <a:t>Approximate Matching improves the accuracy by 7% (on an average of four different classes).</a:t>
-            </a:r>
-            <a:endParaRPr b="0" lang="en-US" sz="1800" spc="-1" strike="noStrike">
-              <a:solidFill>
-                <a:srgbClr val="000000"/>
-              </a:solidFill>
-              <a:uFill>
-                <a:solidFill>
-                  <a:srgbClr val="ffffff"/>
-                </a:solidFill>
-              </a:uFill>
-              <a:latin typeface="Arial"/>
-            </a:endParaRPr>
-          </a:p>
-        </p:txBody>
-      </p:sp>
-      <p:sp>
-        <p:nvSpPr>
-          <p:cNvPr id="144" name="CustomShape 3"/>
-          <p:cNvSpPr/>
-          <p:nvPr/>
-        </p:nvSpPr>
-        <p:spPr>
-          <a:xfrm>
-            <a:off x="6774120" y="4688280"/>
-            <a:ext cx="2133000" cy="273960"/>
-          </a:xfrm>
-          <a:prstGeom prst="rect">
-            <a:avLst/>
-          </a:prstGeom>
-          <a:noFill/>
-          <a:ln>
-            <a:noFill/>
-          </a:ln>
-        </p:spPr>
-        <p:style>
-          <a:lnRef idx="0"/>
-          <a:fillRef idx="0"/>
-          <a:effectRef idx="0"/>
-          <a:fontRef idx="minor"/>
-        </p:style>
-        <p:txBody>
-          <a:bodyPr lIns="90000" rIns="90000" tIns="45000" bIns="45000" anchor="ctr"/>
-          <a:p>
-            <a:pPr algn="r">
-              <a:lnSpc>
-                <a:spcPct val="100000"/>
-              </a:lnSpc>
-            </a:pPr>
-            <a:fld id="{898228DB-130C-4BB4-9C9E-709A013F248C}" type="slidenum">
-              <a:rPr b="0" lang="en-US" sz="1200" spc="-1" strike="noStrike">
-                <a:solidFill>
-                  <a:srgbClr val="888888"/>
-                </a:solidFill>
-                <a:uFill>
-                  <a:solidFill>
-                    <a:srgbClr val="ffffff"/>
-                  </a:solidFill>
-                </a:uFill>
-                <a:latin typeface="Arial"/>
-                <a:ea typeface="Arial"/>
-              </a:rPr>
-              <a:t>&lt;number&gt;</a:t>
-            </a:fld>
             <a:endParaRPr b="0" lang="en-US" sz="1800" spc="-1" strike="noStrike">
               <a:solidFill>
                 <a:srgbClr val="000000"/>
@@ -11270,19 +9885,23 @@
       </p:grpSpPr>
       <p:sp>
         <p:nvSpPr>
-          <p:cNvPr id="145" name="CustomShape 1"/>
+          <p:cNvPr id="138" name="CustomShape 1"/>
           <p:cNvSpPr/>
           <p:nvPr/>
         </p:nvSpPr>
         <p:spPr>
           <a:xfrm>
-            <a:off x="298440" y="-218160"/>
-            <a:ext cx="7316280" cy="856440"/>
-          </a:xfrm>
-          <a:prstGeom prst="rect">
-            <a:avLst/>
-          </a:prstGeom>
-          <a:noFill/>
+            <a:off x="0" y="0"/>
+            <a:ext cx="9143280" cy="5142960"/>
+          </a:xfrm>
+          <a:prstGeom prst="rect">
+            <a:avLst/>
+          </a:prstGeom>
+          <a:solidFill>
+            <a:srgbClr val="5c0d1c">
+              <a:alpha val="85000"/>
+            </a:srgbClr>
+          </a:solidFill>
           <a:ln>
             <a:noFill/>
           </a:ln>
@@ -11293,134 +9912,10 @@
           <a:effectRef idx="0"/>
           <a:fontRef idx="minor"/>
         </p:style>
-        <p:txBody>
-          <a:bodyPr lIns="90000" rIns="90000" tIns="91440" bIns="91440" anchor="b"/>
-          <a:p>
-            <a:pPr>
-              <a:lnSpc>
-                <a:spcPct val="100000"/>
-              </a:lnSpc>
-            </a:pPr>
-            <a:r>
-              <a:rPr b="1" lang="en-US" sz="2800" spc="-1" strike="noStrike">
-                <a:solidFill>
-                  <a:srgbClr val="861119"/>
-                </a:solidFill>
-                <a:uFill>
-                  <a:solidFill>
-                    <a:srgbClr val="ffffff"/>
-                  </a:solidFill>
-                </a:uFill>
-                <a:latin typeface="Arial"/>
-                <a:ea typeface="Arial"/>
-              </a:rPr>
-              <a:t>Food Frequent Patterns:</a:t>
-            </a:r>
-            <a:endParaRPr b="0" lang="en-US" sz="1800" spc="-1" strike="noStrike">
-              <a:solidFill>
-                <a:srgbClr val="000000"/>
-              </a:solidFill>
-              <a:uFill>
-                <a:solidFill>
-                  <a:srgbClr val="ffffff"/>
-                </a:solidFill>
-              </a:uFill>
-              <a:latin typeface="Arial"/>
-            </a:endParaRPr>
-          </a:p>
-        </p:txBody>
-      </p:sp>
-      <p:sp>
-        <p:nvSpPr>
-          <p:cNvPr id="146" name="CustomShape 2"/>
-          <p:cNvSpPr/>
-          <p:nvPr/>
-        </p:nvSpPr>
-        <p:spPr>
-          <a:xfrm>
-            <a:off x="386640" y="1303920"/>
-            <a:ext cx="7985160" cy="3287520"/>
-          </a:xfrm>
-          <a:prstGeom prst="rect">
-            <a:avLst/>
-          </a:prstGeom>
-          <a:noFill/>
-          <a:ln>
-            <a:noFill/>
-          </a:ln>
-        </p:spPr>
-        <p:style>
-          <a:lnRef idx="0"/>
-          <a:fillRef idx="0"/>
-          <a:effectRef idx="0"/>
-          <a:fontRef idx="minor"/>
-        </p:style>
-      </p:sp>
-      <p:sp>
-        <p:nvSpPr>
-          <p:cNvPr id="147" name="CustomShape 3"/>
-          <p:cNvSpPr/>
-          <p:nvPr/>
-        </p:nvSpPr>
-        <p:spPr>
-          <a:xfrm>
-            <a:off x="6774120" y="4688280"/>
-            <a:ext cx="2133000" cy="273960"/>
-          </a:xfrm>
-          <a:prstGeom prst="rect">
-            <a:avLst/>
-          </a:prstGeom>
-          <a:noFill/>
-          <a:ln>
-            <a:noFill/>
-          </a:ln>
-        </p:spPr>
-        <p:style>
-          <a:lnRef idx="0"/>
-          <a:fillRef idx="0"/>
-          <a:effectRef idx="0"/>
-          <a:fontRef idx="minor"/>
-        </p:style>
-        <p:txBody>
-          <a:bodyPr lIns="90000" rIns="90000" tIns="45000" bIns="45000" anchor="ctr"/>
-          <a:p>
-            <a:pPr algn="r">
-              <a:lnSpc>
-                <a:spcPct val="100000"/>
-              </a:lnSpc>
-            </a:pPr>
-            <a:fld id="{C62421A0-402F-49B4-B734-9ADFD02A16B9}" type="slidenum">
-              <a:rPr b="0" lang="en-US" sz="1200" spc="-1" strike="noStrike">
-                <a:solidFill>
-                  <a:srgbClr val="888888"/>
-                </a:solidFill>
-                <a:uFill>
-                  <a:solidFill>
-                    <a:srgbClr val="ffffff"/>
-                  </a:solidFill>
-                </a:uFill>
-                <a:latin typeface="Arial"/>
-                <a:ea typeface="Arial"/>
-              </a:rPr>
-              <a:t>&lt;number&gt;</a:t>
-            </a:fld>
-            <a:endParaRPr b="0" lang="en-US" sz="1800" spc="-1" strike="noStrike">
-              <a:solidFill>
-                <a:srgbClr val="000000"/>
-              </a:solidFill>
-              <a:uFill>
-                <a:solidFill>
-                  <a:srgbClr val="ffffff"/>
-                </a:solidFill>
-              </a:uFill>
-              <a:latin typeface="Arial"/>
-            </a:endParaRPr>
-          </a:p>
-        </p:txBody>
       </p:sp>
       <p:pic>
         <p:nvPicPr>
-          <p:cNvPr id="148" name="Picture 5" descr=""/>
+          <p:cNvPr id="139" name="Shape 82" descr=""/>
           <p:cNvPicPr/>
           <p:nvPr/>
         </p:nvPicPr>
@@ -11430,8 +9925,8 @@
         </p:blipFill>
         <p:spPr>
           <a:xfrm>
-            <a:off x="2240280" y="548280"/>
-            <a:ext cx="3616920" cy="4377240"/>
+            <a:off x="3385440" y="2282040"/>
+            <a:ext cx="2111040" cy="421560"/>
           </a:xfrm>
           <a:prstGeom prst="rect">
             <a:avLst/>
@@ -11453,359 +9948,6 @@
           <p:childTnLst>
             <p:seq>
               <p:cTn id="16" nodeType="mainSeq"/>
-              <p:prevCondLst>
-                <p:cond delay="0" evt="onPrev">
-                  <p:tgtEl>
-                    <p:sldTgt/>
-                  </p:tgtEl>
-                </p:cond>
-              </p:prevCondLst>
-              <p:nextCondLst>
-                <p:cond delay="0" evt="onNext">
-                  <p:tgtEl>
-                    <p:sldTgt/>
-                  </p:tgtEl>
-                </p:cond>
-              </p:nextCondLst>
-            </p:seq>
-          </p:childTnLst>
-        </p:cTn>
-      </p:par>
-    </p:tnLst>
-  </p:timing>
-</p:sld>
-</file>
-
-<file path=ppt/slides/slide9.xml><?xml version="1.0" encoding="utf-8"?>
-<p:sld xmlns:a="http://schemas.openxmlformats.org/drawingml/2006/main" xmlns:p="http://schemas.openxmlformats.org/presentationml/2006/main" xmlns:r="http://schemas.openxmlformats.org/officeDocument/2006/relationships" xmlns:p14="http://schemas.microsoft.com/office/powerpoint/2010/main" xmlns:p15="http://schemas.microsoft.com/office/powerpoint/2012/main" xmlns:mc="http://schemas.openxmlformats.org/markup-compatibility/2006">
-  <p:cSld>
-    <p:spTree>
-      <p:nvGrpSpPr>
-        <p:cNvPr id="1" name=""/>
-        <p:cNvGrpSpPr/>
-        <p:nvPr/>
-      </p:nvGrpSpPr>
-      <p:grpSpPr>
-        <a:xfrm>
-          <a:off x="0" y="0"/>
-          <a:ext cx="0" cy="0"/>
-          <a:chOff x="0" y="0"/>
-          <a:chExt cx="0" cy="0"/>
-        </a:xfrm>
-      </p:grpSpPr>
-      <p:sp>
-        <p:nvSpPr>
-          <p:cNvPr id="149" name="CustomShape 1"/>
-          <p:cNvSpPr/>
-          <p:nvPr/>
-        </p:nvSpPr>
-        <p:spPr>
-          <a:xfrm>
-            <a:off x="386640" y="-248040"/>
-            <a:ext cx="7316280" cy="856440"/>
-          </a:xfrm>
-          <a:prstGeom prst="rect">
-            <a:avLst/>
-          </a:prstGeom>
-          <a:noFill/>
-          <a:ln>
-            <a:noFill/>
-          </a:ln>
-        </p:spPr>
-        <p:style>
-          <a:lnRef idx="0"/>
-          <a:fillRef idx="0"/>
-          <a:effectRef idx="0"/>
-          <a:fontRef idx="minor"/>
-        </p:style>
-        <p:txBody>
-          <a:bodyPr lIns="90000" rIns="90000" tIns="91440" bIns="91440" anchor="b"/>
-          <a:p>
-            <a:pPr>
-              <a:lnSpc>
-                <a:spcPct val="100000"/>
-              </a:lnSpc>
-            </a:pPr>
-            <a:r>
-              <a:rPr b="1" lang="en-US" sz="2800" spc="-1" strike="noStrike">
-                <a:solidFill>
-                  <a:srgbClr val="861119"/>
-                </a:solidFill>
-                <a:uFill>
-                  <a:solidFill>
-                    <a:srgbClr val="ffffff"/>
-                  </a:solidFill>
-                </a:uFill>
-                <a:latin typeface="Arial"/>
-                <a:ea typeface="Arial"/>
-              </a:rPr>
-              <a:t>Results</a:t>
-            </a:r>
-            <a:endParaRPr b="0" lang="en-US" sz="1800" spc="-1" strike="noStrike">
-              <a:solidFill>
-                <a:srgbClr val="000000"/>
-              </a:solidFill>
-              <a:uFill>
-                <a:solidFill>
-                  <a:srgbClr val="ffffff"/>
-                </a:solidFill>
-              </a:uFill>
-              <a:latin typeface="Arial"/>
-            </a:endParaRPr>
-          </a:p>
-        </p:txBody>
-      </p:sp>
-      <p:sp>
-        <p:nvSpPr>
-          <p:cNvPr id="150" name="CustomShape 2"/>
-          <p:cNvSpPr/>
-          <p:nvPr/>
-        </p:nvSpPr>
-        <p:spPr>
-          <a:xfrm>
-            <a:off x="386640" y="1303920"/>
-            <a:ext cx="7985160" cy="3287520"/>
-          </a:xfrm>
-          <a:prstGeom prst="rect">
-            <a:avLst/>
-          </a:prstGeom>
-          <a:noFill/>
-          <a:ln>
-            <a:noFill/>
-          </a:ln>
-        </p:spPr>
-        <p:style>
-          <a:lnRef idx="0"/>
-          <a:fillRef idx="0"/>
-          <a:effectRef idx="0"/>
-          <a:fontRef idx="minor"/>
-        </p:style>
-      </p:sp>
-      <p:sp>
-        <p:nvSpPr>
-          <p:cNvPr id="151" name="CustomShape 3"/>
-          <p:cNvSpPr/>
-          <p:nvPr/>
-        </p:nvSpPr>
-        <p:spPr>
-          <a:xfrm>
-            <a:off x="6774120" y="4688280"/>
-            <a:ext cx="2133000" cy="273960"/>
-          </a:xfrm>
-          <a:prstGeom prst="rect">
-            <a:avLst/>
-          </a:prstGeom>
-          <a:noFill/>
-          <a:ln>
-            <a:noFill/>
-          </a:ln>
-        </p:spPr>
-        <p:style>
-          <a:lnRef idx="0"/>
-          <a:fillRef idx="0"/>
-          <a:effectRef idx="0"/>
-          <a:fontRef idx="minor"/>
-        </p:style>
-        <p:txBody>
-          <a:bodyPr lIns="90000" rIns="90000" tIns="45000" bIns="45000" anchor="ctr"/>
-          <a:p>
-            <a:pPr algn="r">
-              <a:lnSpc>
-                <a:spcPct val="100000"/>
-              </a:lnSpc>
-            </a:pPr>
-            <a:fld id="{9D92DD5B-B2D6-4E0D-BDF3-2149EDE33311}" type="slidenum">
-              <a:rPr b="0" lang="en-US" sz="1200" spc="-1" strike="noStrike">
-                <a:solidFill>
-                  <a:srgbClr val="888888"/>
-                </a:solidFill>
-                <a:uFill>
-                  <a:solidFill>
-                    <a:srgbClr val="ffffff"/>
-                  </a:solidFill>
-                </a:uFill>
-                <a:latin typeface="Arial"/>
-                <a:ea typeface="Arial"/>
-              </a:rPr>
-              <a:t>&lt;number&gt;</a:t>
-            </a:fld>
-            <a:endParaRPr b="0" lang="en-US" sz="1800" spc="-1" strike="noStrike">
-              <a:solidFill>
-                <a:srgbClr val="000000"/>
-              </a:solidFill>
-              <a:uFill>
-                <a:solidFill>
-                  <a:srgbClr val="ffffff"/>
-                </a:solidFill>
-              </a:uFill>
-              <a:latin typeface="Arial"/>
-            </a:endParaRPr>
-          </a:p>
-        </p:txBody>
-      </p:sp>
-      <p:pic>
-        <p:nvPicPr>
-          <p:cNvPr id="152" name="Picture 5" descr=""/>
-          <p:cNvPicPr/>
-          <p:nvPr/>
-        </p:nvPicPr>
-        <p:blipFill>
-          <a:blip r:embed="rId1"/>
-          <a:stretch/>
-        </p:blipFill>
-        <p:spPr>
-          <a:xfrm>
-            <a:off x="510120" y="609120"/>
-            <a:ext cx="5486760" cy="4301640"/>
-          </a:xfrm>
-          <a:prstGeom prst="rect">
-            <a:avLst/>
-          </a:prstGeom>
-          <a:ln>
-            <a:noFill/>
-          </a:ln>
-        </p:spPr>
-      </p:pic>
-      <p:sp>
-        <p:nvSpPr>
-          <p:cNvPr id="153" name="CustomShape 4"/>
-          <p:cNvSpPr/>
-          <p:nvPr/>
-        </p:nvSpPr>
-        <p:spPr>
-          <a:xfrm>
-            <a:off x="6278760" y="1018440"/>
-            <a:ext cx="2477880" cy="729360"/>
-          </a:xfrm>
-          <a:prstGeom prst="rect">
-            <a:avLst/>
-          </a:prstGeom>
-          <a:noFill/>
-          <a:ln>
-            <a:noFill/>
-          </a:ln>
-        </p:spPr>
-        <p:style>
-          <a:lnRef idx="0"/>
-          <a:fillRef idx="0"/>
-          <a:effectRef idx="0"/>
-          <a:fontRef idx="minor"/>
-        </p:style>
-        <p:txBody>
-          <a:bodyPr lIns="90000" rIns="90000" tIns="45000" bIns="45000"/>
-          <a:p>
-            <a:pPr>
-              <a:lnSpc>
-                <a:spcPct val="100000"/>
-              </a:lnSpc>
-            </a:pPr>
-            <a:r>
-              <a:rPr b="0" lang="en-US" sz="1400" spc="-1" strike="noStrike">
-                <a:solidFill>
-                  <a:srgbClr val="000000"/>
-                </a:solidFill>
-                <a:uFill>
-                  <a:solidFill>
-                    <a:srgbClr val="ffffff"/>
-                  </a:solidFill>
-                </a:uFill>
-                <a:latin typeface="Arial"/>
-                <a:ea typeface="Arial"/>
-              </a:rPr>
-              <a:t>AFN: Accuracy Food Name</a:t>
-            </a:r>
-            <a:endParaRPr b="0" lang="en-US" sz="1800" spc="-1" strike="noStrike">
-              <a:solidFill>
-                <a:srgbClr val="000000"/>
-              </a:solidFill>
-              <a:uFill>
-                <a:solidFill>
-                  <a:srgbClr val="ffffff"/>
-                </a:solidFill>
-              </a:uFill>
-              <a:latin typeface="Arial"/>
-            </a:endParaRPr>
-          </a:p>
-          <a:p>
-            <a:pPr>
-              <a:lnSpc>
-                <a:spcPct val="100000"/>
-              </a:lnSpc>
-            </a:pPr>
-            <a:r>
-              <a:rPr b="0" lang="en-US" sz="1400" spc="-1" strike="noStrike">
-                <a:solidFill>
-                  <a:srgbClr val="000000"/>
-                </a:solidFill>
-                <a:uFill>
-                  <a:solidFill>
-                    <a:srgbClr val="ffffff"/>
-                  </a:solidFill>
-                </a:uFill>
-                <a:latin typeface="Arial"/>
-                <a:ea typeface="Arial"/>
-              </a:rPr>
-              <a:t>APS: Accuracy Portion Size</a:t>
-            </a:r>
-            <a:endParaRPr b="0" lang="en-US" sz="1800" spc="-1" strike="noStrike">
-              <a:solidFill>
-                <a:srgbClr val="000000"/>
-              </a:solidFill>
-              <a:uFill>
-                <a:solidFill>
-                  <a:srgbClr val="ffffff"/>
-                </a:solidFill>
-              </a:uFill>
-              <a:latin typeface="Arial"/>
-            </a:endParaRPr>
-          </a:p>
-          <a:p>
-            <a:pPr>
-              <a:lnSpc>
-                <a:spcPct val="100000"/>
-              </a:lnSpc>
-            </a:pPr>
-            <a:r>
-              <a:rPr b="0" lang="en-US" sz="1400" spc="-1" strike="noStrike">
-                <a:solidFill>
-                  <a:srgbClr val="000000"/>
-                </a:solidFill>
-                <a:uFill>
-                  <a:solidFill>
-                    <a:srgbClr val="ffffff"/>
-                  </a:solidFill>
-                </a:uFill>
-                <a:latin typeface="Arial"/>
-                <a:ea typeface="Arial"/>
-              </a:rPr>
-              <a:t>ACC: Accuracy</a:t>
-            </a:r>
-            <a:endParaRPr b="0" lang="en-US" sz="1800" spc="-1" strike="noStrike">
-              <a:solidFill>
-                <a:srgbClr val="000000"/>
-              </a:solidFill>
-              <a:uFill>
-                <a:solidFill>
-                  <a:srgbClr val="ffffff"/>
-                </a:solidFill>
-              </a:uFill>
-              <a:latin typeface="Arial"/>
-            </a:endParaRPr>
-          </a:p>
-        </p:txBody>
-      </p:sp>
-    </p:spTree>
-  </p:cSld>
-  <p:transition spd="med">
-    <p:fade thruBlk="true"/>
-  </p:transition>
-  <p:timing>
-    <p:tnLst>
-      <p:par>
-        <p:cTn id="17" dur="indefinite" restart="never" nodeType="tmRoot">
-          <p:childTnLst>
-            <p:seq>
-              <p:cTn id="18" nodeType="mainSeq"/>
               <p:prevCondLst>
                 <p:cond delay="0" evt="onPrev">
                   <p:tgtEl>
